--- a/Convertor.pptx
+++ b/Convertor.pptx
@@ -1,43 +1,43 @@
 
 <file path=ppt/presentation.xml><?xml version="1.0" encoding="utf-8"?>
-<p:presentation xmlns:a="http://schemas.openxmlformats.org/drawingml/2006/main" xmlns:r="http://schemas.openxmlformats.org/officeDocument/2006/relationships" xmlns:mc="http://schemas.openxmlformats.org/markup-compatibility/2006" xmlns:mv="urn:schemas-microsoft-com:mac:vml" xmlns:p="http://schemas.openxmlformats.org/presentationml/2006/main" xmlns:c="http://schemas.openxmlformats.org/drawingml/2006/chart" xmlns:dgm="http://schemas.openxmlformats.org/drawingml/2006/diagram" xmlns:o="urn:schemas-microsoft-com:office:office" xmlns:v="urn:schemas-microsoft-com:vml" xmlns:pvml="urn:schemas-microsoft-com:office:powerpoint" xmlns:com="http://schemas.openxmlformats.org/drawingml/2006/compatibility" xmlns:p14="http://schemas.microsoft.com/office/powerpoint/2010/main" xmlns:p15="http://schemas.microsoft.com/office/powerpoint/2012/main" xmlns:ahyp="http://schemas.microsoft.com/office/drawing/2018/hyperlinkcolor" autoCompressPictures="0" embedTrueTypeFonts="1" strictFirstAndLastChars="0" saveSubsetFonts="1">
+<p:presentation xmlns:a="http://schemas.openxmlformats.org/drawingml/2006/main" xmlns:r="http://schemas.openxmlformats.org/officeDocument/2006/relationships" xmlns:p="http://schemas.openxmlformats.org/presentationml/2006/main" strictFirstAndLastChars="0" embedTrueTypeFonts="1" saveSubsetFonts="1" autoCompressPictures="0">
   <p:sldMasterIdLst>
-    <p:sldMasterId id="2147483659" r:id="rId4"/>
+    <p:sldMasterId id="2147483659" r:id="rId1"/>
   </p:sldMasterIdLst>
   <p:notesMasterIdLst>
-    <p:notesMasterId r:id="rId5"/>
+    <p:notesMasterId r:id="rId11"/>
   </p:notesMasterIdLst>
   <p:sldIdLst>
-    <p:sldId id="256" r:id="rId6"/>
-    <p:sldId id="257" r:id="rId7"/>
-    <p:sldId id="258" r:id="rId8"/>
-    <p:sldId id="259" r:id="rId9"/>
-    <p:sldId id="260" r:id="rId10"/>
-    <p:sldId id="261" r:id="rId11"/>
-    <p:sldId id="262" r:id="rId12"/>
-    <p:sldId id="263" r:id="rId13"/>
-    <p:sldId id="264" r:id="rId14"/>
+    <p:sldId id="256" r:id="rId2"/>
+    <p:sldId id="257" r:id="rId3"/>
+    <p:sldId id="258" r:id="rId4"/>
+    <p:sldId id="259" r:id="rId5"/>
+    <p:sldId id="260" r:id="rId6"/>
+    <p:sldId id="261" r:id="rId7"/>
+    <p:sldId id="262" r:id="rId8"/>
+    <p:sldId id="263" r:id="rId9"/>
+    <p:sldId id="264" r:id="rId10"/>
   </p:sldIdLst>
-  <p:sldSz cy="5143500" cx="9144000"/>
+  <p:sldSz cx="9144000" cy="5143500" type="screen16x9"/>
   <p:notesSz cx="6858000" cy="9144000"/>
   <p:embeddedFontLst>
     <p:embeddedFont>
-      <p:font typeface="Roboto"/>
-      <p:regular r:id="rId15"/>
-      <p:bold r:id="rId16"/>
-      <p:italic r:id="rId17"/>
-      <p:boldItalic r:id="rId18"/>
+      <p:font typeface="Merriweather" panose="020B0604020202020204" charset="0"/>
+      <p:regular r:id="rId12"/>
+      <p:bold r:id="rId13"/>
+      <p:italic r:id="rId14"/>
+      <p:boldItalic r:id="rId15"/>
     </p:embeddedFont>
     <p:embeddedFont>
-      <p:font typeface="Merriweather"/>
-      <p:regular r:id="rId19"/>
-      <p:bold r:id="rId20"/>
-      <p:italic r:id="rId21"/>
-      <p:boldItalic r:id="rId22"/>
+      <p:font typeface="Roboto" panose="02000000000000000000" pitchFamily="2" charset="0"/>
+      <p:regular r:id="rId16"/>
+      <p:bold r:id="rId17"/>
+      <p:italic r:id="rId18"/>
+      <p:boldItalic r:id="rId19"/>
     </p:embeddedFont>
   </p:embeddedFontLst>
   <p:defaultTextStyle>
-    <a:defPPr lvl="0" marR="0" rtl="0" algn="l">
+    <a:defPPr marR="0" lvl="0" algn="l" rtl="0">
       <a:lnSpc>
         <a:spcPct val="100000"/>
       </a:lnSpc>
@@ -48,7 +48,7 @@
         <a:spcPts val="0"/>
       </a:spcAft>
     </a:defPPr>
-    <a:lvl1pPr lvl="0" marR="0" rtl="0" algn="l">
+    <a:lvl1pPr marR="0" lvl="0" algn="l" rtl="0">
       <a:lnSpc>
         <a:spcPct val="100000"/>
       </a:lnSpc>
@@ -62,7 +62,7 @@
         <a:srgbClr val="000000"/>
       </a:buClr>
       <a:buFont typeface="Arial"/>
-      <a:defRPr b="0" i="0" sz="1400" u="none" cap="none" strike="noStrike">
+      <a:defRPr sz="1400" b="0" i="0" u="none" strike="noStrike" cap="none">
         <a:solidFill>
           <a:srgbClr val="000000"/>
         </a:solidFill>
@@ -72,7 +72,7 @@
         <a:sym typeface="Arial"/>
       </a:defRPr>
     </a:lvl1pPr>
-    <a:lvl2pPr lvl="1" marR="0" rtl="0" algn="l">
+    <a:lvl2pPr marR="0" lvl="1" algn="l" rtl="0">
       <a:lnSpc>
         <a:spcPct val="100000"/>
       </a:lnSpc>
@@ -86,7 +86,7 @@
         <a:srgbClr val="000000"/>
       </a:buClr>
       <a:buFont typeface="Arial"/>
-      <a:defRPr b="0" i="0" sz="1400" u="none" cap="none" strike="noStrike">
+      <a:defRPr sz="1400" b="0" i="0" u="none" strike="noStrike" cap="none">
         <a:solidFill>
           <a:srgbClr val="000000"/>
         </a:solidFill>
@@ -96,7 +96,7 @@
         <a:sym typeface="Arial"/>
       </a:defRPr>
     </a:lvl2pPr>
-    <a:lvl3pPr lvl="2" marR="0" rtl="0" algn="l">
+    <a:lvl3pPr marR="0" lvl="2" algn="l" rtl="0">
       <a:lnSpc>
         <a:spcPct val="100000"/>
       </a:lnSpc>
@@ -110,7 +110,7 @@
         <a:srgbClr val="000000"/>
       </a:buClr>
       <a:buFont typeface="Arial"/>
-      <a:defRPr b="0" i="0" sz="1400" u="none" cap="none" strike="noStrike">
+      <a:defRPr sz="1400" b="0" i="0" u="none" strike="noStrike" cap="none">
         <a:solidFill>
           <a:srgbClr val="000000"/>
         </a:solidFill>
@@ -120,7 +120,7 @@
         <a:sym typeface="Arial"/>
       </a:defRPr>
     </a:lvl3pPr>
-    <a:lvl4pPr lvl="3" marR="0" rtl="0" algn="l">
+    <a:lvl4pPr marR="0" lvl="3" algn="l" rtl="0">
       <a:lnSpc>
         <a:spcPct val="100000"/>
       </a:lnSpc>
@@ -134,7 +134,7 @@
         <a:srgbClr val="000000"/>
       </a:buClr>
       <a:buFont typeface="Arial"/>
-      <a:defRPr b="0" i="0" sz="1400" u="none" cap="none" strike="noStrike">
+      <a:defRPr sz="1400" b="0" i="0" u="none" strike="noStrike" cap="none">
         <a:solidFill>
           <a:srgbClr val="000000"/>
         </a:solidFill>
@@ -144,7 +144,7 @@
         <a:sym typeface="Arial"/>
       </a:defRPr>
     </a:lvl4pPr>
-    <a:lvl5pPr lvl="4" marR="0" rtl="0" algn="l">
+    <a:lvl5pPr marR="0" lvl="4" algn="l" rtl="0">
       <a:lnSpc>
         <a:spcPct val="100000"/>
       </a:lnSpc>
@@ -158,7 +158,7 @@
         <a:srgbClr val="000000"/>
       </a:buClr>
       <a:buFont typeface="Arial"/>
-      <a:defRPr b="0" i="0" sz="1400" u="none" cap="none" strike="noStrike">
+      <a:defRPr sz="1400" b="0" i="0" u="none" strike="noStrike" cap="none">
         <a:solidFill>
           <a:srgbClr val="000000"/>
         </a:solidFill>
@@ -168,7 +168,7 @@
         <a:sym typeface="Arial"/>
       </a:defRPr>
     </a:lvl5pPr>
-    <a:lvl6pPr lvl="5" marR="0" rtl="0" algn="l">
+    <a:lvl6pPr marR="0" lvl="5" algn="l" rtl="0">
       <a:lnSpc>
         <a:spcPct val="100000"/>
       </a:lnSpc>
@@ -182,7 +182,7 @@
         <a:srgbClr val="000000"/>
       </a:buClr>
       <a:buFont typeface="Arial"/>
-      <a:defRPr b="0" i="0" sz="1400" u="none" cap="none" strike="noStrike">
+      <a:defRPr sz="1400" b="0" i="0" u="none" strike="noStrike" cap="none">
         <a:solidFill>
           <a:srgbClr val="000000"/>
         </a:solidFill>
@@ -192,7 +192,7 @@
         <a:sym typeface="Arial"/>
       </a:defRPr>
     </a:lvl6pPr>
-    <a:lvl7pPr lvl="6" marR="0" rtl="0" algn="l">
+    <a:lvl7pPr marR="0" lvl="6" algn="l" rtl="0">
       <a:lnSpc>
         <a:spcPct val="100000"/>
       </a:lnSpc>
@@ -206,7 +206,7 @@
         <a:srgbClr val="000000"/>
       </a:buClr>
       <a:buFont typeface="Arial"/>
-      <a:defRPr b="0" i="0" sz="1400" u="none" cap="none" strike="noStrike">
+      <a:defRPr sz="1400" b="0" i="0" u="none" strike="noStrike" cap="none">
         <a:solidFill>
           <a:srgbClr val="000000"/>
         </a:solidFill>
@@ -216,7 +216,7 @@
         <a:sym typeface="Arial"/>
       </a:defRPr>
     </a:lvl7pPr>
-    <a:lvl8pPr lvl="7" marR="0" rtl="0" algn="l">
+    <a:lvl8pPr marR="0" lvl="7" algn="l" rtl="0">
       <a:lnSpc>
         <a:spcPct val="100000"/>
       </a:lnSpc>
@@ -230,7 +230,7 @@
         <a:srgbClr val="000000"/>
       </a:buClr>
       <a:buFont typeface="Arial"/>
-      <a:defRPr b="0" i="0" sz="1400" u="none" cap="none" strike="noStrike">
+      <a:defRPr sz="1400" b="0" i="0" u="none" strike="noStrike" cap="none">
         <a:solidFill>
           <a:srgbClr val="000000"/>
         </a:solidFill>
@@ -240,7 +240,7 @@
         <a:sym typeface="Arial"/>
       </a:defRPr>
     </a:lvl8pPr>
-    <a:lvl9pPr lvl="8" marR="0" rtl="0" algn="l">
+    <a:lvl9pPr marR="0" lvl="8" algn="l" rtl="0">
       <a:lnSpc>
         <a:spcPct val="100000"/>
       </a:lnSpc>
@@ -254,7 +254,7 @@
         <a:srgbClr val="000000"/>
       </a:buClr>
       <a:buFont typeface="Arial"/>
-      <a:defRPr b="0" i="0" sz="1400" u="none" cap="none" strike="noStrike">
+      <a:defRPr sz="1400" b="0" i="0" u="none" strike="noStrike" cap="none">
         <a:solidFill>
           <a:srgbClr val="000000"/>
         </a:solidFill>
@@ -267,7 +267,7 @@
   </p:defaultTextStyle>
   <p:extLst>
     <p:ext uri="{EFAFB233-063F-42B5-8137-9DF3F51BA10A}">
-      <p15:sldGuideLst>
+      <p15:sldGuideLst xmlns:p15="http://schemas.microsoft.com/office/powerpoint/2012/main">
         <p15:guide id="1" orient="horz" pos="1620">
           <p15:clr>
             <a:srgbClr val="A4A3A4"/>
@@ -285,11 +285,16 @@
 </file>
 
 <file path=ppt/notesMasters/notesMaster1.xml><?xml version="1.0" encoding="utf-8"?>
-<p:notesMaster xmlns:a="http://schemas.openxmlformats.org/drawingml/2006/main" xmlns:r="http://schemas.openxmlformats.org/officeDocument/2006/relationships" xmlns:mc="http://schemas.openxmlformats.org/markup-compatibility/2006" xmlns:mv="urn:schemas-microsoft-com:mac:vml" xmlns:p="http://schemas.openxmlformats.org/presentationml/2006/main" xmlns:c="http://schemas.openxmlformats.org/drawingml/2006/chart" xmlns:dgm="http://schemas.openxmlformats.org/drawingml/2006/diagram" xmlns:o="urn:schemas-microsoft-com:office:office" xmlns:v="urn:schemas-microsoft-com:vml" xmlns:pvml="urn:schemas-microsoft-com:office:powerpoint" xmlns:com="http://schemas.openxmlformats.org/drawingml/2006/compatibility" xmlns:p14="http://schemas.microsoft.com/office/powerpoint/2010/main" xmlns:p15="http://schemas.microsoft.com/office/powerpoint/2012/main" xmlns:ahyp="http://schemas.microsoft.com/office/drawing/2018/hyperlinkcolor">
+<p:notesMaster xmlns:a="http://schemas.openxmlformats.org/drawingml/2006/main" xmlns:r="http://schemas.openxmlformats.org/officeDocument/2006/relationships" xmlns:p="http://schemas.openxmlformats.org/presentationml/2006/main">
   <p:cSld>
+    <p:bg>
+      <p:bgRef idx="1001">
+        <a:schemeClr val="bg1"/>
+      </p:bgRef>
+    </p:bg>
     <p:spTree>
       <p:nvGrpSpPr>
-        <p:cNvPr id="2" name="Shape 2"/>
+        <p:cNvPr id="1" name="Shape 2"/>
         <p:cNvGrpSpPr/>
         <p:nvPr/>
       </p:nvGrpSpPr>
@@ -304,9 +309,11 @@
       <p:sp>
         <p:nvSpPr>
           <p:cNvPr id="3" name="Google Shape;3;n"/>
-          <p:cNvSpPr/>
+          <p:cNvSpPr>
+            <a:spLocks noGrp="1" noRot="1" noChangeAspect="1"/>
+          </p:cNvSpPr>
           <p:nvPr>
-            <p:ph idx="2" type="sldImg"/>
+            <p:ph type="sldImg" idx="2"/>
           </p:nvPr>
         </p:nvSpPr>
         <p:spPr>
@@ -315,9 +322,13 @@
             <a:ext cx="6096075" cy="3429000"/>
           </a:xfrm>
           <a:custGeom>
-            <a:rect b="b" l="l" r="r" t="t"/>
+            <a:avLst/>
+            <a:gdLst/>
+            <a:ahLst/>
+            <a:cxnLst/>
+            <a:rect l="l" t="t" r="r" b="b"/>
             <a:pathLst>
-              <a:path extrusionOk="0" h="120000" w="120000">
+              <a:path w="120000" h="120000" extrusionOk="0">
                 <a:moveTo>
                   <a:pt x="0" y="0"/>
                 </a:moveTo>
@@ -335,23 +346,25 @@
             </a:pathLst>
           </a:custGeom>
           <a:noFill/>
-          <a:ln cap="flat" cmpd="sng" w="9525">
+          <a:ln w="9525" cap="flat" cmpd="sng">
             <a:solidFill>
               <a:srgbClr val="000000"/>
             </a:solidFill>
             <a:prstDash val="solid"/>
             <a:round/>
-            <a:headEnd len="sm" w="sm" type="none"/>
-            <a:tailEnd len="sm" w="sm" type="none"/>
+            <a:headEnd type="none" w="sm" len="sm"/>
+            <a:tailEnd type="none" w="sm" len="sm"/>
           </a:ln>
         </p:spPr>
       </p:sp>
       <p:sp>
         <p:nvSpPr>
           <p:cNvPr id="4" name="Google Shape;4;n"/>
-          <p:cNvSpPr txBox="1"/>
+          <p:cNvSpPr txBox="1">
+            <a:spLocks noGrp="1"/>
+          </p:cNvSpPr>
           <p:nvPr>
-            <p:ph idx="1" type="body"/>
+            <p:ph type="body" idx="1"/>
           </p:nvPr>
         </p:nvSpPr>
         <p:spPr>
@@ -368,11 +381,11 @@
           </a:ln>
         </p:spPr>
         <p:txBody>
-          <a:bodyPr anchorCtr="0" anchor="t" bIns="91425" lIns="91425" spcFirstLastPara="1" rIns="91425" wrap="square" tIns="91425">
+          <a:bodyPr spcFirstLastPara="1" wrap="square" lIns="91425" tIns="91425" rIns="91425" bIns="91425" anchor="t" anchorCtr="0">
             <a:noAutofit/>
           </a:bodyPr>
           <a:lstStyle>
-            <a:lvl1pPr indent="-298450" lvl="0" marL="457200">
+            <a:lvl1pPr marL="457200" lvl="0" indent="-298450">
               <a:spcBef>
                 <a:spcPts val="0"/>
               </a:spcBef>
@@ -383,7 +396,7 @@
               <a:buChar char="●"/>
               <a:defRPr sz="1100"/>
             </a:lvl1pPr>
-            <a:lvl2pPr indent="-298450" lvl="1" marL="914400">
+            <a:lvl2pPr marL="914400" lvl="1" indent="-298450">
               <a:spcBef>
                 <a:spcPts val="0"/>
               </a:spcBef>
@@ -394,7 +407,7 @@
               <a:buChar char="○"/>
               <a:defRPr sz="1100"/>
             </a:lvl2pPr>
-            <a:lvl3pPr indent="-298450" lvl="2" marL="1371600">
+            <a:lvl3pPr marL="1371600" lvl="2" indent="-298450">
               <a:spcBef>
                 <a:spcPts val="0"/>
               </a:spcBef>
@@ -405,7 +418,7 @@
               <a:buChar char="■"/>
               <a:defRPr sz="1100"/>
             </a:lvl3pPr>
-            <a:lvl4pPr indent="-298450" lvl="3" marL="1828800">
+            <a:lvl4pPr marL="1828800" lvl="3" indent="-298450">
               <a:spcBef>
                 <a:spcPts val="0"/>
               </a:spcBef>
@@ -416,7 +429,7 @@
               <a:buChar char="●"/>
               <a:defRPr sz="1100"/>
             </a:lvl4pPr>
-            <a:lvl5pPr indent="-298450" lvl="4" marL="2286000">
+            <a:lvl5pPr marL="2286000" lvl="4" indent="-298450">
               <a:spcBef>
                 <a:spcPts val="0"/>
               </a:spcBef>
@@ -427,7 +440,7 @@
               <a:buChar char="○"/>
               <a:defRPr sz="1100"/>
             </a:lvl5pPr>
-            <a:lvl6pPr indent="-298450" lvl="5" marL="2743200">
+            <a:lvl6pPr marL="2743200" lvl="5" indent="-298450">
               <a:spcBef>
                 <a:spcPts val="0"/>
               </a:spcBef>
@@ -438,7 +451,7 @@
               <a:buChar char="■"/>
               <a:defRPr sz="1100"/>
             </a:lvl6pPr>
-            <a:lvl7pPr indent="-298450" lvl="6" marL="3200400">
+            <a:lvl7pPr marL="3200400" lvl="6" indent="-298450">
               <a:spcBef>
                 <a:spcPts val="0"/>
               </a:spcBef>
@@ -449,7 +462,7 @@
               <a:buChar char="●"/>
               <a:defRPr sz="1100"/>
             </a:lvl7pPr>
-            <a:lvl8pPr indent="-298450" lvl="7" marL="3657600">
+            <a:lvl8pPr marL="3657600" lvl="7" indent="-298450">
               <a:spcBef>
                 <a:spcPts val="0"/>
               </a:spcBef>
@@ -460,7 +473,7 @@
               <a:buChar char="○"/>
               <a:defRPr sz="1100"/>
             </a:lvl8pPr>
-            <a:lvl9pPr indent="-298450" lvl="8" marL="4114800">
+            <a:lvl9pPr marL="4114800" lvl="8" indent="-298450">
               <a:spcBef>
                 <a:spcPts val="0"/>
               </a:spcBef>
@@ -472,14 +485,16 @@
               <a:defRPr sz="1100"/>
             </a:lvl9pPr>
           </a:lstStyle>
-          <a:p/>
+          <a:p>
+            <a:endParaRPr/>
+          </a:p>
         </p:txBody>
       </p:sp>
     </p:spTree>
   </p:cSld>
-  <p:clrMap accent1="accent1" accent2="accent2" accent3="accent3" accent4="accent4" accent5="accent5" accent6="accent6" bg1="lt1" bg2="dk2" tx1="dk1" tx2="lt2" folHlink="folHlink" hlink="hlink"/>
+  <p:clrMap bg1="lt1" tx1="dk1" bg2="dk2" tx2="lt2" accent1="accent1" accent2="accent2" accent3="accent3" accent4="accent4" accent5="accent5" accent6="accent6" hlink="hlink" folHlink="folHlink"/>
   <p:notesStyle>
-    <a:defPPr lvl="0" marR="0" rtl="0" algn="l">
+    <a:defPPr marR="0" lvl="0" algn="l" rtl="0">
       <a:lnSpc>
         <a:spcPct val="100000"/>
       </a:lnSpc>
@@ -490,7 +505,7 @@
         <a:spcPts val="0"/>
       </a:spcAft>
     </a:defPPr>
-    <a:lvl1pPr lvl="0" marR="0" rtl="0" algn="l">
+    <a:lvl1pPr marR="0" lvl="0" algn="l" rtl="0">
       <a:lnSpc>
         <a:spcPct val="100000"/>
       </a:lnSpc>
@@ -504,7 +519,7 @@
         <a:srgbClr val="000000"/>
       </a:buClr>
       <a:buFont typeface="Arial"/>
-      <a:defRPr b="0" i="0" sz="1400" u="none" cap="none" strike="noStrike">
+      <a:defRPr sz="1400" b="0" i="0" u="none" strike="noStrike" cap="none">
         <a:solidFill>
           <a:srgbClr val="000000"/>
         </a:solidFill>
@@ -514,7 +529,7 @@
         <a:sym typeface="Arial"/>
       </a:defRPr>
     </a:lvl1pPr>
-    <a:lvl2pPr lvl="1" marR="0" rtl="0" algn="l">
+    <a:lvl2pPr marR="0" lvl="1" algn="l" rtl="0">
       <a:lnSpc>
         <a:spcPct val="100000"/>
       </a:lnSpc>
@@ -528,7 +543,7 @@
         <a:srgbClr val="000000"/>
       </a:buClr>
       <a:buFont typeface="Arial"/>
-      <a:defRPr b="0" i="0" sz="1400" u="none" cap="none" strike="noStrike">
+      <a:defRPr sz="1400" b="0" i="0" u="none" strike="noStrike" cap="none">
         <a:solidFill>
           <a:srgbClr val="000000"/>
         </a:solidFill>
@@ -538,7 +553,7 @@
         <a:sym typeface="Arial"/>
       </a:defRPr>
     </a:lvl2pPr>
-    <a:lvl3pPr lvl="2" marR="0" rtl="0" algn="l">
+    <a:lvl3pPr marR="0" lvl="2" algn="l" rtl="0">
       <a:lnSpc>
         <a:spcPct val="100000"/>
       </a:lnSpc>
@@ -552,7 +567,7 @@
         <a:srgbClr val="000000"/>
       </a:buClr>
       <a:buFont typeface="Arial"/>
-      <a:defRPr b="0" i="0" sz="1400" u="none" cap="none" strike="noStrike">
+      <a:defRPr sz="1400" b="0" i="0" u="none" strike="noStrike" cap="none">
         <a:solidFill>
           <a:srgbClr val="000000"/>
         </a:solidFill>
@@ -562,7 +577,7 @@
         <a:sym typeface="Arial"/>
       </a:defRPr>
     </a:lvl3pPr>
-    <a:lvl4pPr lvl="3" marR="0" rtl="0" algn="l">
+    <a:lvl4pPr marR="0" lvl="3" algn="l" rtl="0">
       <a:lnSpc>
         <a:spcPct val="100000"/>
       </a:lnSpc>
@@ -576,7 +591,7 @@
         <a:srgbClr val="000000"/>
       </a:buClr>
       <a:buFont typeface="Arial"/>
-      <a:defRPr b="0" i="0" sz="1400" u="none" cap="none" strike="noStrike">
+      <a:defRPr sz="1400" b="0" i="0" u="none" strike="noStrike" cap="none">
         <a:solidFill>
           <a:srgbClr val="000000"/>
         </a:solidFill>
@@ -586,7 +601,7 @@
         <a:sym typeface="Arial"/>
       </a:defRPr>
     </a:lvl4pPr>
-    <a:lvl5pPr lvl="4" marR="0" rtl="0" algn="l">
+    <a:lvl5pPr marR="0" lvl="4" algn="l" rtl="0">
       <a:lnSpc>
         <a:spcPct val="100000"/>
       </a:lnSpc>
@@ -600,7 +615,7 @@
         <a:srgbClr val="000000"/>
       </a:buClr>
       <a:buFont typeface="Arial"/>
-      <a:defRPr b="0" i="0" sz="1400" u="none" cap="none" strike="noStrike">
+      <a:defRPr sz="1400" b="0" i="0" u="none" strike="noStrike" cap="none">
         <a:solidFill>
           <a:srgbClr val="000000"/>
         </a:solidFill>
@@ -610,7 +625,7 @@
         <a:sym typeface="Arial"/>
       </a:defRPr>
     </a:lvl5pPr>
-    <a:lvl6pPr lvl="5" marR="0" rtl="0" algn="l">
+    <a:lvl6pPr marR="0" lvl="5" algn="l" rtl="0">
       <a:lnSpc>
         <a:spcPct val="100000"/>
       </a:lnSpc>
@@ -624,7 +639,7 @@
         <a:srgbClr val="000000"/>
       </a:buClr>
       <a:buFont typeface="Arial"/>
-      <a:defRPr b="0" i="0" sz="1400" u="none" cap="none" strike="noStrike">
+      <a:defRPr sz="1400" b="0" i="0" u="none" strike="noStrike" cap="none">
         <a:solidFill>
           <a:srgbClr val="000000"/>
         </a:solidFill>
@@ -634,7 +649,7 @@
         <a:sym typeface="Arial"/>
       </a:defRPr>
     </a:lvl6pPr>
-    <a:lvl7pPr lvl="6" marR="0" rtl="0" algn="l">
+    <a:lvl7pPr marR="0" lvl="6" algn="l" rtl="0">
       <a:lnSpc>
         <a:spcPct val="100000"/>
       </a:lnSpc>
@@ -648,7 +663,7 @@
         <a:srgbClr val="000000"/>
       </a:buClr>
       <a:buFont typeface="Arial"/>
-      <a:defRPr b="0" i="0" sz="1400" u="none" cap="none" strike="noStrike">
+      <a:defRPr sz="1400" b="0" i="0" u="none" strike="noStrike" cap="none">
         <a:solidFill>
           <a:srgbClr val="000000"/>
         </a:solidFill>
@@ -658,7 +673,7 @@
         <a:sym typeface="Arial"/>
       </a:defRPr>
     </a:lvl7pPr>
-    <a:lvl8pPr lvl="7" marR="0" rtl="0" algn="l">
+    <a:lvl8pPr marR="0" lvl="7" algn="l" rtl="0">
       <a:lnSpc>
         <a:spcPct val="100000"/>
       </a:lnSpc>
@@ -672,7 +687,7 @@
         <a:srgbClr val="000000"/>
       </a:buClr>
       <a:buFont typeface="Arial"/>
-      <a:defRPr b="0" i="0" sz="1400" u="none" cap="none" strike="noStrike">
+      <a:defRPr sz="1400" b="0" i="0" u="none" strike="noStrike" cap="none">
         <a:solidFill>
           <a:srgbClr val="000000"/>
         </a:solidFill>
@@ -682,7 +697,7 @@
         <a:sym typeface="Arial"/>
       </a:defRPr>
     </a:lvl8pPr>
-    <a:lvl9pPr lvl="8" marR="0" rtl="0" algn="l">
+    <a:lvl9pPr marR="0" lvl="8" algn="l" rtl="0">
       <a:lnSpc>
         <a:spcPct val="100000"/>
       </a:lnSpc>
@@ -696,7 +711,7 @@
         <a:srgbClr val="000000"/>
       </a:buClr>
       <a:buFont typeface="Arial"/>
-      <a:defRPr b="0" i="0" sz="1400" u="none" cap="none" strike="noStrike">
+      <a:defRPr sz="1400" b="0" i="0" u="none" strike="noStrike" cap="none">
         <a:solidFill>
           <a:srgbClr val="000000"/>
         </a:solidFill>
@@ -711,11 +726,11 @@
 </file>
 
 <file path=ppt/notesSlides/notesSlide1.xml><?xml version="1.0" encoding="utf-8"?>
-<p:notes xmlns:a="http://schemas.openxmlformats.org/drawingml/2006/main" xmlns:r="http://schemas.openxmlformats.org/officeDocument/2006/relationships" xmlns:mc="http://schemas.openxmlformats.org/markup-compatibility/2006" xmlns:mv="urn:schemas-microsoft-com:mac:vml" xmlns:p="http://schemas.openxmlformats.org/presentationml/2006/main" xmlns:c="http://schemas.openxmlformats.org/drawingml/2006/chart" xmlns:dgm="http://schemas.openxmlformats.org/drawingml/2006/diagram" xmlns:o="urn:schemas-microsoft-com:office:office" xmlns:v="urn:schemas-microsoft-com:vml" xmlns:pvml="urn:schemas-microsoft-com:office:powerpoint" xmlns:com="http://schemas.openxmlformats.org/drawingml/2006/compatibility" xmlns:p14="http://schemas.microsoft.com/office/powerpoint/2010/main" xmlns:p15="http://schemas.microsoft.com/office/powerpoint/2012/main" xmlns:ahyp="http://schemas.microsoft.com/office/drawing/2018/hyperlinkcolor" showMasterPhAnim="0" showMasterSp="0">
+<p:notes xmlns:a="http://schemas.openxmlformats.org/drawingml/2006/main" xmlns:r="http://schemas.openxmlformats.org/officeDocument/2006/relationships" xmlns:p="http://schemas.openxmlformats.org/presentationml/2006/main" showMasterSp="0" showMasterPhAnim="0">
   <p:cSld>
     <p:spTree>
       <p:nvGrpSpPr>
-        <p:cNvPr id="60" name="Shape 60"/>
+        <p:cNvPr id="1" name="Shape 60"/>
         <p:cNvGrpSpPr/>
         <p:nvPr/>
       </p:nvGrpSpPr>
@@ -730,9 +745,11 @@
       <p:sp>
         <p:nvSpPr>
           <p:cNvPr id="61" name="Google Shape;61;p:notes"/>
-          <p:cNvSpPr/>
+          <p:cNvSpPr>
+            <a:spLocks noGrp="1" noRot="1" noChangeAspect="1"/>
+          </p:cNvSpPr>
           <p:nvPr>
-            <p:ph idx="2" type="sldImg"/>
+            <p:ph type="sldImg" idx="2"/>
           </p:nvPr>
         </p:nvSpPr>
         <p:spPr>
@@ -741,9 +758,13 @@
             <a:ext cx="6096075" cy="3429000"/>
           </a:xfrm>
           <a:custGeom>
-            <a:rect b="b" l="l" r="r" t="t"/>
+            <a:avLst/>
+            <a:gdLst/>
+            <a:ahLst/>
+            <a:cxnLst/>
+            <a:rect l="l" t="t" r="r" b="b"/>
             <a:pathLst>
-              <a:path extrusionOk="0" h="120000" w="120000">
+              <a:path w="120000" h="120000" extrusionOk="0">
                 <a:moveTo>
                   <a:pt x="0" y="0"/>
                 </a:moveTo>
@@ -765,9 +786,11 @@
       <p:sp>
         <p:nvSpPr>
           <p:cNvPr id="62" name="Google Shape;62;p:notes"/>
-          <p:cNvSpPr txBox="1"/>
+          <p:cNvSpPr txBox="1">
+            <a:spLocks noGrp="1"/>
+          </p:cNvSpPr>
           <p:nvPr>
-            <p:ph idx="1" type="body"/>
+            <p:ph type="body" idx="1"/>
           </p:nvPr>
         </p:nvSpPr>
         <p:spPr>
@@ -780,12 +803,12 @@
           </a:prstGeom>
         </p:spPr>
         <p:txBody>
-          <a:bodyPr anchorCtr="0" anchor="t" bIns="91425" lIns="91425" spcFirstLastPara="1" rIns="91425" wrap="square" tIns="91425">
+          <a:bodyPr spcFirstLastPara="1" wrap="square" lIns="91425" tIns="91425" rIns="91425" bIns="91425" anchor="t" anchorCtr="0">
             <a:noAutofit/>
           </a:bodyPr>
           <a:lstStyle/>
           <a:p>
-            <a:pPr indent="0" lvl="0" marL="0" rtl="0" algn="l">
+            <a:pPr marL="0" lvl="0" indent="0" algn="l" rtl="0">
               <a:spcBef>
                 <a:spcPts val="0"/>
               </a:spcBef>
@@ -794,9 +817,6 @@
               </a:spcAft>
               <a:buNone/>
             </a:pPr>
-            <a:r>
-              <a:t/>
-            </a:r>
             <a:endParaRPr/>
           </a:p>
         </p:txBody>
@@ -810,11 +830,11 @@
 </file>
 
 <file path=ppt/notesSlides/notesSlide2.xml><?xml version="1.0" encoding="utf-8"?>
-<p:notes xmlns:a="http://schemas.openxmlformats.org/drawingml/2006/main" xmlns:r="http://schemas.openxmlformats.org/officeDocument/2006/relationships" xmlns:mc="http://schemas.openxmlformats.org/markup-compatibility/2006" xmlns:mv="urn:schemas-microsoft-com:mac:vml" xmlns:p="http://schemas.openxmlformats.org/presentationml/2006/main" xmlns:c="http://schemas.openxmlformats.org/drawingml/2006/chart" xmlns:dgm="http://schemas.openxmlformats.org/drawingml/2006/diagram" xmlns:o="urn:schemas-microsoft-com:office:office" xmlns:v="urn:schemas-microsoft-com:vml" xmlns:pvml="urn:schemas-microsoft-com:office:powerpoint" xmlns:com="http://schemas.openxmlformats.org/drawingml/2006/compatibility" xmlns:p14="http://schemas.microsoft.com/office/powerpoint/2010/main" xmlns:p15="http://schemas.microsoft.com/office/powerpoint/2012/main" xmlns:ahyp="http://schemas.microsoft.com/office/drawing/2018/hyperlinkcolor" showMasterPhAnim="0" showMasterSp="0">
+<p:notes xmlns:a="http://schemas.openxmlformats.org/drawingml/2006/main" xmlns:r="http://schemas.openxmlformats.org/officeDocument/2006/relationships" xmlns:p="http://schemas.openxmlformats.org/presentationml/2006/main" showMasterSp="0" showMasterPhAnim="0">
   <p:cSld>
     <p:spTree>
       <p:nvGrpSpPr>
-        <p:cNvPr id="66" name="Shape 66"/>
+        <p:cNvPr id="1" name="Shape 66"/>
         <p:cNvGrpSpPr/>
         <p:nvPr/>
       </p:nvGrpSpPr>
@@ -829,9 +849,11 @@
       <p:sp>
         <p:nvSpPr>
           <p:cNvPr id="67" name="Google Shape;67;gdfd7fd03a9_0_5:notes"/>
-          <p:cNvSpPr/>
+          <p:cNvSpPr>
+            <a:spLocks noGrp="1" noRot="1" noChangeAspect="1"/>
+          </p:cNvSpPr>
           <p:nvPr>
-            <p:ph idx="2" type="sldImg"/>
+            <p:ph type="sldImg" idx="2"/>
           </p:nvPr>
         </p:nvSpPr>
         <p:spPr>
@@ -840,9 +862,13 @@
             <a:ext cx="6096000" cy="3429000"/>
           </a:xfrm>
           <a:custGeom>
-            <a:rect b="b" l="l" r="r" t="t"/>
+            <a:avLst/>
+            <a:gdLst/>
+            <a:ahLst/>
+            <a:cxnLst/>
+            <a:rect l="l" t="t" r="r" b="b"/>
             <a:pathLst>
-              <a:path extrusionOk="0" h="120000" w="120000">
+              <a:path w="120000" h="120000" extrusionOk="0">
                 <a:moveTo>
                   <a:pt x="0" y="0"/>
                 </a:moveTo>
@@ -864,9 +890,11 @@
       <p:sp>
         <p:nvSpPr>
           <p:cNvPr id="68" name="Google Shape;68;gdfd7fd03a9_0_5:notes"/>
-          <p:cNvSpPr txBox="1"/>
+          <p:cNvSpPr txBox="1">
+            <a:spLocks noGrp="1"/>
+          </p:cNvSpPr>
           <p:nvPr>
-            <p:ph idx="1" type="body"/>
+            <p:ph type="body" idx="1"/>
           </p:nvPr>
         </p:nvSpPr>
         <p:spPr>
@@ -879,12 +907,12 @@
           </a:prstGeom>
         </p:spPr>
         <p:txBody>
-          <a:bodyPr anchorCtr="0" anchor="t" bIns="91425" lIns="91425" spcFirstLastPara="1" rIns="91425" wrap="square" tIns="91425">
+          <a:bodyPr spcFirstLastPara="1" wrap="square" lIns="91425" tIns="91425" rIns="91425" bIns="91425" anchor="t" anchorCtr="0">
             <a:noAutofit/>
           </a:bodyPr>
           <a:lstStyle/>
           <a:p>
-            <a:pPr indent="0" lvl="0" marL="0" rtl="0" algn="l">
+            <a:pPr marL="0" lvl="0" indent="0" algn="l" rtl="0">
               <a:spcBef>
                 <a:spcPts val="0"/>
               </a:spcBef>
@@ -893,9 +921,6 @@
               </a:spcAft>
               <a:buNone/>
             </a:pPr>
-            <a:r>
-              <a:t/>
-            </a:r>
             <a:endParaRPr/>
           </a:p>
         </p:txBody>
@@ -909,11 +934,11 @@
 </file>
 
 <file path=ppt/notesSlides/notesSlide3.xml><?xml version="1.0" encoding="utf-8"?>
-<p:notes xmlns:a="http://schemas.openxmlformats.org/drawingml/2006/main" xmlns:r="http://schemas.openxmlformats.org/officeDocument/2006/relationships" xmlns:mc="http://schemas.openxmlformats.org/markup-compatibility/2006" xmlns:mv="urn:schemas-microsoft-com:mac:vml" xmlns:p="http://schemas.openxmlformats.org/presentationml/2006/main" xmlns:c="http://schemas.openxmlformats.org/drawingml/2006/chart" xmlns:dgm="http://schemas.openxmlformats.org/drawingml/2006/diagram" xmlns:o="urn:schemas-microsoft-com:office:office" xmlns:v="urn:schemas-microsoft-com:vml" xmlns:pvml="urn:schemas-microsoft-com:office:powerpoint" xmlns:com="http://schemas.openxmlformats.org/drawingml/2006/compatibility" xmlns:p14="http://schemas.microsoft.com/office/powerpoint/2010/main" xmlns:p15="http://schemas.microsoft.com/office/powerpoint/2012/main" xmlns:ahyp="http://schemas.microsoft.com/office/drawing/2018/hyperlinkcolor" showMasterPhAnim="0" showMasterSp="0">
+<p:notes xmlns:a="http://schemas.openxmlformats.org/drawingml/2006/main" xmlns:r="http://schemas.openxmlformats.org/officeDocument/2006/relationships" xmlns:p="http://schemas.openxmlformats.org/presentationml/2006/main" showMasterSp="0" showMasterPhAnim="0">
   <p:cSld>
     <p:spTree>
       <p:nvGrpSpPr>
-        <p:cNvPr id="72" name="Shape 72"/>
+        <p:cNvPr id="1" name="Shape 72"/>
         <p:cNvGrpSpPr/>
         <p:nvPr/>
       </p:nvGrpSpPr>
@@ -928,20 +953,26 @@
       <p:sp>
         <p:nvSpPr>
           <p:cNvPr id="73" name="Google Shape;73;gdfd7fd03a9_0_0:notes"/>
-          <p:cNvSpPr/>
+          <p:cNvSpPr>
+            <a:spLocks noGrp="1" noRot="1" noChangeAspect="1"/>
+          </p:cNvSpPr>
           <p:nvPr>
-            <p:ph idx="2" type="sldImg"/>
+            <p:ph type="sldImg" idx="2"/>
           </p:nvPr>
         </p:nvSpPr>
         <p:spPr>
           <a:xfrm>
-            <a:off x="381300" y="685800"/>
+            <a:off x="381000" y="685800"/>
             <a:ext cx="6096000" cy="3429000"/>
           </a:xfrm>
           <a:custGeom>
-            <a:rect b="b" l="l" r="r" t="t"/>
+            <a:avLst/>
+            <a:gdLst/>
+            <a:ahLst/>
+            <a:cxnLst/>
+            <a:rect l="l" t="t" r="r" b="b"/>
             <a:pathLst>
-              <a:path extrusionOk="0" h="120000" w="120000">
+              <a:path w="120000" h="120000" extrusionOk="0">
                 <a:moveTo>
                   <a:pt x="0" y="0"/>
                 </a:moveTo>
@@ -963,9 +994,11 @@
       <p:sp>
         <p:nvSpPr>
           <p:cNvPr id="74" name="Google Shape;74;gdfd7fd03a9_0_0:notes"/>
-          <p:cNvSpPr txBox="1"/>
+          <p:cNvSpPr txBox="1">
+            <a:spLocks noGrp="1"/>
+          </p:cNvSpPr>
           <p:nvPr>
-            <p:ph idx="1" type="body"/>
+            <p:ph type="body" idx="1"/>
           </p:nvPr>
         </p:nvSpPr>
         <p:spPr>
@@ -978,12 +1011,12 @@
           </a:prstGeom>
         </p:spPr>
         <p:txBody>
-          <a:bodyPr anchorCtr="0" anchor="t" bIns="91425" lIns="91425" spcFirstLastPara="1" rIns="91425" wrap="square" tIns="91425">
+          <a:bodyPr spcFirstLastPara="1" wrap="square" lIns="91425" tIns="91425" rIns="91425" bIns="91425" anchor="t" anchorCtr="0">
             <a:noAutofit/>
           </a:bodyPr>
           <a:lstStyle/>
           <a:p>
-            <a:pPr indent="0" lvl="0" marL="0" rtl="0" algn="l">
+            <a:pPr marL="0" lvl="0" indent="0" algn="l" rtl="0">
               <a:spcBef>
                 <a:spcPts val="0"/>
               </a:spcBef>
@@ -992,9 +1025,6 @@
               </a:spcAft>
               <a:buNone/>
             </a:pPr>
-            <a:r>
-              <a:t/>
-            </a:r>
             <a:endParaRPr/>
           </a:p>
         </p:txBody>
@@ -1008,11 +1038,11 @@
 </file>
 
 <file path=ppt/notesSlides/notesSlide4.xml><?xml version="1.0" encoding="utf-8"?>
-<p:notes xmlns:a="http://schemas.openxmlformats.org/drawingml/2006/main" xmlns:r="http://schemas.openxmlformats.org/officeDocument/2006/relationships" xmlns:mc="http://schemas.openxmlformats.org/markup-compatibility/2006" xmlns:mv="urn:schemas-microsoft-com:mac:vml" xmlns:p="http://schemas.openxmlformats.org/presentationml/2006/main" xmlns:c="http://schemas.openxmlformats.org/drawingml/2006/chart" xmlns:dgm="http://schemas.openxmlformats.org/drawingml/2006/diagram" xmlns:o="urn:schemas-microsoft-com:office:office" xmlns:v="urn:schemas-microsoft-com:vml" xmlns:pvml="urn:schemas-microsoft-com:office:powerpoint" xmlns:com="http://schemas.openxmlformats.org/drawingml/2006/compatibility" xmlns:p14="http://schemas.microsoft.com/office/powerpoint/2010/main" xmlns:p15="http://schemas.microsoft.com/office/powerpoint/2012/main" xmlns:ahyp="http://schemas.microsoft.com/office/drawing/2018/hyperlinkcolor" showMasterPhAnim="0" showMasterSp="0">
+<p:notes xmlns:a="http://schemas.openxmlformats.org/drawingml/2006/main" xmlns:r="http://schemas.openxmlformats.org/officeDocument/2006/relationships" xmlns:p="http://schemas.openxmlformats.org/presentationml/2006/main" showMasterSp="0" showMasterPhAnim="0">
   <p:cSld>
     <p:spTree>
       <p:nvGrpSpPr>
-        <p:cNvPr id="81" name="Shape 81"/>
+        <p:cNvPr id="1" name="Shape 81"/>
         <p:cNvGrpSpPr/>
         <p:nvPr/>
       </p:nvGrpSpPr>
@@ -1027,9 +1057,11 @@
       <p:sp>
         <p:nvSpPr>
           <p:cNvPr id="82" name="Google Shape;82;gdfd7fd03a9_0_23:notes"/>
-          <p:cNvSpPr/>
+          <p:cNvSpPr>
+            <a:spLocks noGrp="1" noRot="1" noChangeAspect="1"/>
+          </p:cNvSpPr>
           <p:nvPr>
-            <p:ph idx="2" type="sldImg"/>
+            <p:ph type="sldImg" idx="2"/>
           </p:nvPr>
         </p:nvSpPr>
         <p:spPr>
@@ -1038,9 +1070,13 @@
             <a:ext cx="6096000" cy="3429000"/>
           </a:xfrm>
           <a:custGeom>
-            <a:rect b="b" l="l" r="r" t="t"/>
+            <a:avLst/>
+            <a:gdLst/>
+            <a:ahLst/>
+            <a:cxnLst/>
+            <a:rect l="l" t="t" r="r" b="b"/>
             <a:pathLst>
-              <a:path extrusionOk="0" h="120000" w="120000">
+              <a:path w="120000" h="120000" extrusionOk="0">
                 <a:moveTo>
                   <a:pt x="0" y="0"/>
                 </a:moveTo>
@@ -1062,9 +1098,11 @@
       <p:sp>
         <p:nvSpPr>
           <p:cNvPr id="83" name="Google Shape;83;gdfd7fd03a9_0_23:notes"/>
-          <p:cNvSpPr txBox="1"/>
+          <p:cNvSpPr txBox="1">
+            <a:spLocks noGrp="1"/>
+          </p:cNvSpPr>
           <p:nvPr>
-            <p:ph idx="1" type="body"/>
+            <p:ph type="body" idx="1"/>
           </p:nvPr>
         </p:nvSpPr>
         <p:spPr>
@@ -1077,12 +1115,12 @@
           </a:prstGeom>
         </p:spPr>
         <p:txBody>
-          <a:bodyPr anchorCtr="0" anchor="t" bIns="91425" lIns="91425" spcFirstLastPara="1" rIns="91425" wrap="square" tIns="91425">
+          <a:bodyPr spcFirstLastPara="1" wrap="square" lIns="91425" tIns="91425" rIns="91425" bIns="91425" anchor="t" anchorCtr="0">
             <a:noAutofit/>
           </a:bodyPr>
           <a:lstStyle/>
           <a:p>
-            <a:pPr indent="0" lvl="0" marL="0" rtl="0" algn="l">
+            <a:pPr marL="0" lvl="0" indent="0" algn="l" rtl="0">
               <a:spcBef>
                 <a:spcPts val="0"/>
               </a:spcBef>
@@ -1091,9 +1129,6 @@
               </a:spcAft>
               <a:buNone/>
             </a:pPr>
-            <a:r>
-              <a:t/>
-            </a:r>
             <a:endParaRPr/>
           </a:p>
         </p:txBody>
@@ -1107,11 +1142,11 @@
 </file>
 
 <file path=ppt/notesSlides/notesSlide5.xml><?xml version="1.0" encoding="utf-8"?>
-<p:notes xmlns:a="http://schemas.openxmlformats.org/drawingml/2006/main" xmlns:r="http://schemas.openxmlformats.org/officeDocument/2006/relationships" xmlns:mc="http://schemas.openxmlformats.org/markup-compatibility/2006" xmlns:mv="urn:schemas-microsoft-com:mac:vml" xmlns:p="http://schemas.openxmlformats.org/presentationml/2006/main" xmlns:c="http://schemas.openxmlformats.org/drawingml/2006/chart" xmlns:dgm="http://schemas.openxmlformats.org/drawingml/2006/diagram" xmlns:o="urn:schemas-microsoft-com:office:office" xmlns:v="urn:schemas-microsoft-com:vml" xmlns:pvml="urn:schemas-microsoft-com:office:powerpoint" xmlns:com="http://schemas.openxmlformats.org/drawingml/2006/compatibility" xmlns:p14="http://schemas.microsoft.com/office/powerpoint/2010/main" xmlns:p15="http://schemas.microsoft.com/office/powerpoint/2012/main" xmlns:ahyp="http://schemas.microsoft.com/office/drawing/2018/hyperlinkcolor" showMasterPhAnim="0" showMasterSp="0">
+<p:notes xmlns:a="http://schemas.openxmlformats.org/drawingml/2006/main" xmlns:r="http://schemas.openxmlformats.org/officeDocument/2006/relationships" xmlns:p="http://schemas.openxmlformats.org/presentationml/2006/main" showMasterSp="0" showMasterPhAnim="0">
   <p:cSld>
     <p:spTree>
       <p:nvGrpSpPr>
-        <p:cNvPr id="88" name="Shape 88"/>
+        <p:cNvPr id="1" name="Shape 88"/>
         <p:cNvGrpSpPr/>
         <p:nvPr/>
       </p:nvGrpSpPr>
@@ -1126,9 +1161,11 @@
       <p:sp>
         <p:nvSpPr>
           <p:cNvPr id="89" name="Google Shape;89;gdfd7fd03a9_3_52:notes"/>
-          <p:cNvSpPr/>
+          <p:cNvSpPr>
+            <a:spLocks noGrp="1" noRot="1" noChangeAspect="1"/>
+          </p:cNvSpPr>
           <p:nvPr>
-            <p:ph idx="2" type="sldImg"/>
+            <p:ph type="sldImg" idx="2"/>
           </p:nvPr>
         </p:nvSpPr>
         <p:spPr>
@@ -1137,9 +1174,13 @@
             <a:ext cx="6096000" cy="3429000"/>
           </a:xfrm>
           <a:custGeom>
-            <a:rect b="b" l="l" r="r" t="t"/>
+            <a:avLst/>
+            <a:gdLst/>
+            <a:ahLst/>
+            <a:cxnLst/>
+            <a:rect l="l" t="t" r="r" b="b"/>
             <a:pathLst>
-              <a:path extrusionOk="0" h="120000" w="120000">
+              <a:path w="120000" h="120000" extrusionOk="0">
                 <a:moveTo>
                   <a:pt x="0" y="0"/>
                 </a:moveTo>
@@ -1161,9 +1202,11 @@
       <p:sp>
         <p:nvSpPr>
           <p:cNvPr id="90" name="Google Shape;90;gdfd7fd03a9_3_52:notes"/>
-          <p:cNvSpPr txBox="1"/>
+          <p:cNvSpPr txBox="1">
+            <a:spLocks noGrp="1"/>
+          </p:cNvSpPr>
           <p:nvPr>
-            <p:ph idx="1" type="body"/>
+            <p:ph type="body" idx="1"/>
           </p:nvPr>
         </p:nvSpPr>
         <p:spPr>
@@ -1176,12 +1219,12 @@
           </a:prstGeom>
         </p:spPr>
         <p:txBody>
-          <a:bodyPr anchorCtr="0" anchor="t" bIns="91425" lIns="91425" spcFirstLastPara="1" rIns="91425" wrap="square" tIns="91425">
+          <a:bodyPr spcFirstLastPara="1" wrap="square" lIns="91425" tIns="91425" rIns="91425" bIns="91425" anchor="t" anchorCtr="0">
             <a:noAutofit/>
           </a:bodyPr>
           <a:lstStyle/>
           <a:p>
-            <a:pPr indent="0" lvl="0" marL="0" rtl="0" algn="l">
+            <a:pPr marL="0" lvl="0" indent="0" algn="l" rtl="0">
               <a:spcBef>
                 <a:spcPts val="0"/>
               </a:spcBef>
@@ -1190,9 +1233,6 @@
               </a:spcAft>
               <a:buNone/>
             </a:pPr>
-            <a:r>
-              <a:t/>
-            </a:r>
             <a:endParaRPr/>
           </a:p>
         </p:txBody>
@@ -1206,11 +1246,11 @@
 </file>
 
 <file path=ppt/notesSlides/notesSlide6.xml><?xml version="1.0" encoding="utf-8"?>
-<p:notes xmlns:a="http://schemas.openxmlformats.org/drawingml/2006/main" xmlns:r="http://schemas.openxmlformats.org/officeDocument/2006/relationships" xmlns:mc="http://schemas.openxmlformats.org/markup-compatibility/2006" xmlns:mv="urn:schemas-microsoft-com:mac:vml" xmlns:p="http://schemas.openxmlformats.org/presentationml/2006/main" xmlns:c="http://schemas.openxmlformats.org/drawingml/2006/chart" xmlns:dgm="http://schemas.openxmlformats.org/drawingml/2006/diagram" xmlns:o="urn:schemas-microsoft-com:office:office" xmlns:v="urn:schemas-microsoft-com:vml" xmlns:pvml="urn:schemas-microsoft-com:office:powerpoint" xmlns:com="http://schemas.openxmlformats.org/drawingml/2006/compatibility" xmlns:p14="http://schemas.microsoft.com/office/powerpoint/2010/main" xmlns:p15="http://schemas.microsoft.com/office/powerpoint/2012/main" xmlns:ahyp="http://schemas.microsoft.com/office/drawing/2018/hyperlinkcolor" showMasterPhAnim="0" showMasterSp="0">
+<p:notes xmlns:a="http://schemas.openxmlformats.org/drawingml/2006/main" xmlns:r="http://schemas.openxmlformats.org/officeDocument/2006/relationships" xmlns:p="http://schemas.openxmlformats.org/presentationml/2006/main" showMasterSp="0" showMasterPhAnim="0">
   <p:cSld>
     <p:spTree>
       <p:nvGrpSpPr>
-        <p:cNvPr id="94" name="Shape 94"/>
+        <p:cNvPr id="1" name="Shape 94"/>
         <p:cNvGrpSpPr/>
         <p:nvPr/>
       </p:nvGrpSpPr>
@@ -1225,9 +1265,11 @@
       <p:sp>
         <p:nvSpPr>
           <p:cNvPr id="95" name="Google Shape;95;gdfd7fd03a9_0_28:notes"/>
-          <p:cNvSpPr/>
+          <p:cNvSpPr>
+            <a:spLocks noGrp="1" noRot="1" noChangeAspect="1"/>
+          </p:cNvSpPr>
           <p:nvPr>
-            <p:ph idx="2" type="sldImg"/>
+            <p:ph type="sldImg" idx="2"/>
           </p:nvPr>
         </p:nvSpPr>
         <p:spPr>
@@ -1236,9 +1278,13 @@
             <a:ext cx="6096000" cy="3429000"/>
           </a:xfrm>
           <a:custGeom>
-            <a:rect b="b" l="l" r="r" t="t"/>
+            <a:avLst/>
+            <a:gdLst/>
+            <a:ahLst/>
+            <a:cxnLst/>
+            <a:rect l="l" t="t" r="r" b="b"/>
             <a:pathLst>
-              <a:path extrusionOk="0" h="120000" w="120000">
+              <a:path w="120000" h="120000" extrusionOk="0">
                 <a:moveTo>
                   <a:pt x="0" y="0"/>
                 </a:moveTo>
@@ -1260,9 +1306,11 @@
       <p:sp>
         <p:nvSpPr>
           <p:cNvPr id="96" name="Google Shape;96;gdfd7fd03a9_0_28:notes"/>
-          <p:cNvSpPr txBox="1"/>
+          <p:cNvSpPr txBox="1">
+            <a:spLocks noGrp="1"/>
+          </p:cNvSpPr>
           <p:nvPr>
-            <p:ph idx="1" type="body"/>
+            <p:ph type="body" idx="1"/>
           </p:nvPr>
         </p:nvSpPr>
         <p:spPr>
@@ -1275,12 +1323,12 @@
           </a:prstGeom>
         </p:spPr>
         <p:txBody>
-          <a:bodyPr anchorCtr="0" anchor="t" bIns="91425" lIns="91425" spcFirstLastPara="1" rIns="91425" wrap="square" tIns="91425">
+          <a:bodyPr spcFirstLastPara="1" wrap="square" lIns="91425" tIns="91425" rIns="91425" bIns="91425" anchor="t" anchorCtr="0">
             <a:noAutofit/>
           </a:bodyPr>
           <a:lstStyle/>
           <a:p>
-            <a:pPr indent="0" lvl="0" marL="0" rtl="0" algn="l">
+            <a:pPr marL="0" lvl="0" indent="0" algn="l" rtl="0">
               <a:spcBef>
                 <a:spcPts val="0"/>
               </a:spcBef>
@@ -1289,9 +1337,6 @@
               </a:spcAft>
               <a:buNone/>
             </a:pPr>
-            <a:r>
-              <a:t/>
-            </a:r>
             <a:endParaRPr/>
           </a:p>
         </p:txBody>
@@ -1305,11 +1350,11 @@
 </file>
 
 <file path=ppt/notesSlides/notesSlide7.xml><?xml version="1.0" encoding="utf-8"?>
-<p:notes xmlns:a="http://schemas.openxmlformats.org/drawingml/2006/main" xmlns:r="http://schemas.openxmlformats.org/officeDocument/2006/relationships" xmlns:mc="http://schemas.openxmlformats.org/markup-compatibility/2006" xmlns:mv="urn:schemas-microsoft-com:mac:vml" xmlns:p="http://schemas.openxmlformats.org/presentationml/2006/main" xmlns:c="http://schemas.openxmlformats.org/drawingml/2006/chart" xmlns:dgm="http://schemas.openxmlformats.org/drawingml/2006/diagram" xmlns:o="urn:schemas-microsoft-com:office:office" xmlns:v="urn:schemas-microsoft-com:vml" xmlns:pvml="urn:schemas-microsoft-com:office:powerpoint" xmlns:com="http://schemas.openxmlformats.org/drawingml/2006/compatibility" xmlns:p14="http://schemas.microsoft.com/office/powerpoint/2010/main" xmlns:p15="http://schemas.microsoft.com/office/powerpoint/2012/main" xmlns:ahyp="http://schemas.microsoft.com/office/drawing/2018/hyperlinkcolor" showMasterPhAnim="0" showMasterSp="0">
+<p:notes xmlns:a="http://schemas.openxmlformats.org/drawingml/2006/main" xmlns:r="http://schemas.openxmlformats.org/officeDocument/2006/relationships" xmlns:p="http://schemas.openxmlformats.org/presentationml/2006/main" showMasterSp="0" showMasterPhAnim="0">
   <p:cSld>
     <p:spTree>
       <p:nvGrpSpPr>
-        <p:cNvPr id="100" name="Shape 100"/>
+        <p:cNvPr id="1" name="Shape 100"/>
         <p:cNvGrpSpPr/>
         <p:nvPr/>
       </p:nvGrpSpPr>
@@ -1324,9 +1369,11 @@
       <p:sp>
         <p:nvSpPr>
           <p:cNvPr id="101" name="Google Shape;101;gdfd7fd03a9_3_0:notes"/>
-          <p:cNvSpPr/>
+          <p:cNvSpPr>
+            <a:spLocks noGrp="1" noRot="1" noChangeAspect="1"/>
+          </p:cNvSpPr>
           <p:nvPr>
-            <p:ph idx="2" type="sldImg"/>
+            <p:ph type="sldImg" idx="2"/>
           </p:nvPr>
         </p:nvSpPr>
         <p:spPr>
@@ -1335,9 +1382,13 @@
             <a:ext cx="6096000" cy="3429000"/>
           </a:xfrm>
           <a:custGeom>
-            <a:rect b="b" l="l" r="r" t="t"/>
+            <a:avLst/>
+            <a:gdLst/>
+            <a:ahLst/>
+            <a:cxnLst/>
+            <a:rect l="l" t="t" r="r" b="b"/>
             <a:pathLst>
-              <a:path extrusionOk="0" h="120000" w="120000">
+              <a:path w="120000" h="120000" extrusionOk="0">
                 <a:moveTo>
                   <a:pt x="0" y="0"/>
                 </a:moveTo>
@@ -1359,9 +1410,11 @@
       <p:sp>
         <p:nvSpPr>
           <p:cNvPr id="102" name="Google Shape;102;gdfd7fd03a9_3_0:notes"/>
-          <p:cNvSpPr txBox="1"/>
+          <p:cNvSpPr txBox="1">
+            <a:spLocks noGrp="1"/>
+          </p:cNvSpPr>
           <p:nvPr>
-            <p:ph idx="1" type="body"/>
+            <p:ph type="body" idx="1"/>
           </p:nvPr>
         </p:nvSpPr>
         <p:spPr>
@@ -1374,12 +1427,12 @@
           </a:prstGeom>
         </p:spPr>
         <p:txBody>
-          <a:bodyPr anchorCtr="0" anchor="t" bIns="91425" lIns="91425" spcFirstLastPara="1" rIns="91425" wrap="square" tIns="91425">
+          <a:bodyPr spcFirstLastPara="1" wrap="square" lIns="91425" tIns="91425" rIns="91425" bIns="91425" anchor="t" anchorCtr="0">
             <a:noAutofit/>
           </a:bodyPr>
           <a:lstStyle/>
           <a:p>
-            <a:pPr indent="0" lvl="0" marL="0" rtl="0" algn="l">
+            <a:pPr marL="0" lvl="0" indent="0" algn="l" rtl="0">
               <a:spcBef>
                 <a:spcPts val="0"/>
               </a:spcBef>
@@ -1388,9 +1441,6 @@
               </a:spcAft>
               <a:buNone/>
             </a:pPr>
-            <a:r>
-              <a:t/>
-            </a:r>
             <a:endParaRPr/>
           </a:p>
         </p:txBody>
@@ -1404,11 +1454,11 @@
 </file>
 
 <file path=ppt/notesSlides/notesSlide8.xml><?xml version="1.0" encoding="utf-8"?>
-<p:notes xmlns:a="http://schemas.openxmlformats.org/drawingml/2006/main" xmlns:r="http://schemas.openxmlformats.org/officeDocument/2006/relationships" xmlns:mc="http://schemas.openxmlformats.org/markup-compatibility/2006" xmlns:mv="urn:schemas-microsoft-com:mac:vml" xmlns:p="http://schemas.openxmlformats.org/presentationml/2006/main" xmlns:c="http://schemas.openxmlformats.org/drawingml/2006/chart" xmlns:dgm="http://schemas.openxmlformats.org/drawingml/2006/diagram" xmlns:o="urn:schemas-microsoft-com:office:office" xmlns:v="urn:schemas-microsoft-com:vml" xmlns:pvml="urn:schemas-microsoft-com:office:powerpoint" xmlns:com="http://schemas.openxmlformats.org/drawingml/2006/compatibility" xmlns:p14="http://schemas.microsoft.com/office/powerpoint/2010/main" xmlns:p15="http://schemas.microsoft.com/office/powerpoint/2012/main" xmlns:ahyp="http://schemas.microsoft.com/office/drawing/2018/hyperlinkcolor" showMasterPhAnim="0" showMasterSp="0">
+<p:notes xmlns:a="http://schemas.openxmlformats.org/drawingml/2006/main" xmlns:r="http://schemas.openxmlformats.org/officeDocument/2006/relationships" xmlns:p="http://schemas.openxmlformats.org/presentationml/2006/main" showMasterSp="0" showMasterPhAnim="0">
   <p:cSld>
     <p:spTree>
       <p:nvGrpSpPr>
-        <p:cNvPr id="109" name="Shape 109"/>
+        <p:cNvPr id="1" name="Shape 109"/>
         <p:cNvGrpSpPr/>
         <p:nvPr/>
       </p:nvGrpSpPr>
@@ -1423,9 +1473,11 @@
       <p:sp>
         <p:nvSpPr>
           <p:cNvPr id="110" name="Google Shape;110;gdfd7fd03a9_3_35:notes"/>
-          <p:cNvSpPr/>
+          <p:cNvSpPr>
+            <a:spLocks noGrp="1" noRot="1" noChangeAspect="1"/>
+          </p:cNvSpPr>
           <p:nvPr>
-            <p:ph idx="2" type="sldImg"/>
+            <p:ph type="sldImg" idx="2"/>
           </p:nvPr>
         </p:nvSpPr>
         <p:spPr>
@@ -1434,9 +1486,13 @@
             <a:ext cx="6096000" cy="3429000"/>
           </a:xfrm>
           <a:custGeom>
-            <a:rect b="b" l="l" r="r" t="t"/>
+            <a:avLst/>
+            <a:gdLst/>
+            <a:ahLst/>
+            <a:cxnLst/>
+            <a:rect l="l" t="t" r="r" b="b"/>
             <a:pathLst>
-              <a:path extrusionOk="0" h="120000" w="120000">
+              <a:path w="120000" h="120000" extrusionOk="0">
                 <a:moveTo>
                   <a:pt x="0" y="0"/>
                 </a:moveTo>
@@ -1458,9 +1514,11 @@
       <p:sp>
         <p:nvSpPr>
           <p:cNvPr id="111" name="Google Shape;111;gdfd7fd03a9_3_35:notes"/>
-          <p:cNvSpPr txBox="1"/>
+          <p:cNvSpPr txBox="1">
+            <a:spLocks noGrp="1"/>
+          </p:cNvSpPr>
           <p:nvPr>
-            <p:ph idx="1" type="body"/>
+            <p:ph type="body" idx="1"/>
           </p:nvPr>
         </p:nvSpPr>
         <p:spPr>
@@ -1473,12 +1531,12 @@
           </a:prstGeom>
         </p:spPr>
         <p:txBody>
-          <a:bodyPr anchorCtr="0" anchor="t" bIns="91425" lIns="91425" spcFirstLastPara="1" rIns="91425" wrap="square" tIns="91425">
+          <a:bodyPr spcFirstLastPara="1" wrap="square" lIns="91425" tIns="91425" rIns="91425" bIns="91425" anchor="t" anchorCtr="0">
             <a:noAutofit/>
           </a:bodyPr>
           <a:lstStyle/>
           <a:p>
-            <a:pPr indent="0" lvl="0" marL="0" rtl="0" algn="l">
+            <a:pPr marL="0" lvl="0" indent="0" algn="l" rtl="0">
               <a:spcBef>
                 <a:spcPts val="0"/>
               </a:spcBef>
@@ -1487,9 +1545,6 @@
               </a:spcAft>
               <a:buNone/>
             </a:pPr>
-            <a:r>
-              <a:t/>
-            </a:r>
             <a:endParaRPr/>
           </a:p>
         </p:txBody>
@@ -1503,11 +1558,11 @@
 </file>
 
 <file path=ppt/notesSlides/notesSlide9.xml><?xml version="1.0" encoding="utf-8"?>
-<p:notes xmlns:a="http://schemas.openxmlformats.org/drawingml/2006/main" xmlns:r="http://schemas.openxmlformats.org/officeDocument/2006/relationships" xmlns:mc="http://schemas.openxmlformats.org/markup-compatibility/2006" xmlns:mv="urn:schemas-microsoft-com:mac:vml" xmlns:p="http://schemas.openxmlformats.org/presentationml/2006/main" xmlns:c="http://schemas.openxmlformats.org/drawingml/2006/chart" xmlns:dgm="http://schemas.openxmlformats.org/drawingml/2006/diagram" xmlns:o="urn:schemas-microsoft-com:office:office" xmlns:v="urn:schemas-microsoft-com:vml" xmlns:pvml="urn:schemas-microsoft-com:office:powerpoint" xmlns:com="http://schemas.openxmlformats.org/drawingml/2006/compatibility" xmlns:p14="http://schemas.microsoft.com/office/powerpoint/2010/main" xmlns:p15="http://schemas.microsoft.com/office/powerpoint/2012/main" xmlns:ahyp="http://schemas.microsoft.com/office/drawing/2018/hyperlinkcolor" showMasterPhAnim="0" showMasterSp="0">
+<p:notes xmlns:a="http://schemas.openxmlformats.org/drawingml/2006/main" xmlns:r="http://schemas.openxmlformats.org/officeDocument/2006/relationships" xmlns:p="http://schemas.openxmlformats.org/presentationml/2006/main" showMasterSp="0" showMasterPhAnim="0">
   <p:cSld>
     <p:spTree>
       <p:nvGrpSpPr>
-        <p:cNvPr id="116" name="Shape 116"/>
+        <p:cNvPr id="1" name="Shape 116"/>
         <p:cNvGrpSpPr/>
         <p:nvPr/>
       </p:nvGrpSpPr>
@@ -1522,9 +1577,11 @@
       <p:sp>
         <p:nvSpPr>
           <p:cNvPr id="117" name="Google Shape;117;gdfd7fd03a9_0_10:notes"/>
-          <p:cNvSpPr/>
+          <p:cNvSpPr>
+            <a:spLocks noGrp="1" noRot="1" noChangeAspect="1"/>
+          </p:cNvSpPr>
           <p:nvPr>
-            <p:ph idx="2" type="sldImg"/>
+            <p:ph type="sldImg" idx="2"/>
           </p:nvPr>
         </p:nvSpPr>
         <p:spPr>
@@ -1533,9 +1590,13 @@
             <a:ext cx="6096000" cy="3429000"/>
           </a:xfrm>
           <a:custGeom>
-            <a:rect b="b" l="l" r="r" t="t"/>
+            <a:avLst/>
+            <a:gdLst/>
+            <a:ahLst/>
+            <a:cxnLst/>
+            <a:rect l="l" t="t" r="r" b="b"/>
             <a:pathLst>
-              <a:path extrusionOk="0" h="120000" w="120000">
+              <a:path w="120000" h="120000" extrusionOk="0">
                 <a:moveTo>
                   <a:pt x="0" y="0"/>
                 </a:moveTo>
@@ -1557,9 +1618,11 @@
       <p:sp>
         <p:nvSpPr>
           <p:cNvPr id="118" name="Google Shape;118;gdfd7fd03a9_0_10:notes"/>
-          <p:cNvSpPr txBox="1"/>
+          <p:cNvSpPr txBox="1">
+            <a:spLocks noGrp="1"/>
+          </p:cNvSpPr>
           <p:nvPr>
-            <p:ph idx="1" type="body"/>
+            <p:ph type="body" idx="1"/>
           </p:nvPr>
         </p:nvSpPr>
         <p:spPr>
@@ -1572,12 +1635,12 @@
           </a:prstGeom>
         </p:spPr>
         <p:txBody>
-          <a:bodyPr anchorCtr="0" anchor="t" bIns="91425" lIns="91425" spcFirstLastPara="1" rIns="91425" wrap="square" tIns="91425">
+          <a:bodyPr spcFirstLastPara="1" wrap="square" lIns="91425" tIns="91425" rIns="91425" bIns="91425" anchor="t" anchorCtr="0">
             <a:noAutofit/>
           </a:bodyPr>
           <a:lstStyle/>
           <a:p>
-            <a:pPr indent="0" lvl="0" marL="0" rtl="0" algn="l">
+            <a:pPr marL="0" lvl="0" indent="0" algn="l" rtl="0">
               <a:spcBef>
                 <a:spcPts val="0"/>
               </a:spcBef>
@@ -1586,9 +1649,6 @@
               </a:spcAft>
               <a:buNone/>
             </a:pPr>
-            <a:r>
-              <a:t/>
-            </a:r>
             <a:endParaRPr/>
           </a:p>
         </p:txBody>
@@ -1602,18 +1662,19 @@
 </file>
 
 <file path=ppt/slideLayouts/slideLayout1.xml><?xml version="1.0" encoding="utf-8"?>
-<p:sldLayout xmlns:a="http://schemas.openxmlformats.org/drawingml/2006/main" xmlns:r="http://schemas.openxmlformats.org/officeDocument/2006/relationships" xmlns:mc="http://schemas.openxmlformats.org/markup-compatibility/2006" xmlns:mv="urn:schemas-microsoft-com:mac:vml" xmlns:p="http://schemas.openxmlformats.org/presentationml/2006/main" xmlns:c="http://schemas.openxmlformats.org/drawingml/2006/chart" xmlns:dgm="http://schemas.openxmlformats.org/drawingml/2006/diagram" xmlns:o="urn:schemas-microsoft-com:office:office" xmlns:v="urn:schemas-microsoft-com:vml" xmlns:pvml="urn:schemas-microsoft-com:office:powerpoint" xmlns:com="http://schemas.openxmlformats.org/drawingml/2006/compatibility" xmlns:p14="http://schemas.microsoft.com/office/powerpoint/2010/main" xmlns:p15="http://schemas.microsoft.com/office/powerpoint/2012/main" xmlns:ahyp="http://schemas.microsoft.com/office/drawing/2018/hyperlinkcolor" matchingName="Title slide" type="title">
+<p:sldLayout xmlns:a="http://schemas.openxmlformats.org/drawingml/2006/main" xmlns:r="http://schemas.openxmlformats.org/officeDocument/2006/relationships" xmlns:p="http://schemas.openxmlformats.org/presentationml/2006/main" matchingName="Title slide" type="title">
   <p:cSld name="TITLE">
     <p:bg>
       <p:bgPr>
         <a:solidFill>
           <a:schemeClr val="dk1"/>
         </a:solidFill>
+        <a:effectLst/>
       </p:bgPr>
     </p:bg>
     <p:spTree>
       <p:nvGrpSpPr>
-        <p:cNvPr id="9" name="Shape 9"/>
+        <p:cNvPr id="1" name="Shape 9"/>
         <p:cNvGrpSpPr/>
         <p:nvPr/>
       </p:nvGrpSpPr>
@@ -1637,9 +1698,13 @@
             <a:ext cx="9144250" cy="4398100"/>
           </a:xfrm>
           <a:custGeom>
-            <a:rect b="b" l="l" r="r" t="t"/>
+            <a:avLst/>
+            <a:gdLst/>
+            <a:ahLst/>
+            <a:cxnLst/>
+            <a:rect l="l" t="t" r="r" b="b"/>
             <a:pathLst>
-              <a:path extrusionOk="0" h="175924" w="365770">
+              <a:path w="365770" h="175924" extrusionOk="0">
                 <a:moveTo>
                   <a:pt x="0" y="0"/>
                 </a:moveTo>
@@ -1667,7 +1732,9 @@
       <p:sp>
         <p:nvSpPr>
           <p:cNvPr id="11" name="Google Shape;11;p2"/>
-          <p:cNvSpPr txBox="1"/>
+          <p:cNvSpPr txBox="1">
+            <a:spLocks noGrp="1"/>
+          </p:cNvSpPr>
           <p:nvPr>
             <p:ph type="ctrTitle"/>
           </p:nvPr>
@@ -1682,7 +1749,7 @@
           </a:prstGeom>
         </p:spPr>
         <p:txBody>
-          <a:bodyPr anchorCtr="0" anchor="t" bIns="91425" lIns="91425" spcFirstLastPara="1" rIns="91425" wrap="square" tIns="91425">
+          <a:bodyPr spcFirstLastPara="1" wrap="square" lIns="91425" tIns="91425" rIns="91425" bIns="91425" anchor="t" anchorCtr="0">
             <a:normAutofit/>
           </a:bodyPr>
           <a:lstStyle>
@@ -1786,15 +1853,19 @@
               <a:defRPr sz="3600"/>
             </a:lvl9pPr>
           </a:lstStyle>
-          <a:p/>
+          <a:p>
+            <a:endParaRPr/>
+          </a:p>
         </p:txBody>
       </p:sp>
       <p:sp>
         <p:nvSpPr>
           <p:cNvPr id="12" name="Google Shape;12;p2"/>
-          <p:cNvSpPr txBox="1"/>
+          <p:cNvSpPr txBox="1">
+            <a:spLocks noGrp="1"/>
+          </p:cNvSpPr>
           <p:nvPr>
-            <p:ph idx="1" type="subTitle"/>
+            <p:ph type="subTitle" idx="1"/>
           </p:nvPr>
         </p:nvSpPr>
         <p:spPr>
@@ -1807,7 +1878,7 @@
           </a:prstGeom>
         </p:spPr>
         <p:txBody>
-          <a:bodyPr anchorCtr="0" anchor="t" bIns="91425" lIns="91425" spcFirstLastPara="1" rIns="91425" wrap="square" tIns="91425">
+          <a:bodyPr spcFirstLastPara="1" wrap="square" lIns="91425" tIns="91425" rIns="91425" bIns="91425" anchor="t" anchorCtr="0">
             <a:normAutofit/>
           </a:bodyPr>
           <a:lstStyle>
@@ -2001,15 +2072,19 @@
               </a:defRPr>
             </a:lvl9pPr>
           </a:lstStyle>
-          <a:p/>
+          <a:p>
+            <a:endParaRPr/>
+          </a:p>
         </p:txBody>
       </p:sp>
       <p:sp>
         <p:nvSpPr>
           <p:cNvPr id="13" name="Google Shape;13;p2"/>
-          <p:cNvSpPr txBox="1"/>
+          <p:cNvSpPr txBox="1">
+            <a:spLocks noGrp="1"/>
+          </p:cNvSpPr>
           <p:nvPr>
-            <p:ph idx="12" type="sldNum"/>
+            <p:ph type="sldNum" idx="12"/>
           </p:nvPr>
         </p:nvSpPr>
         <p:spPr>
@@ -2022,7 +2097,7 @@
           </a:prstGeom>
         </p:spPr>
         <p:txBody>
-          <a:bodyPr anchorCtr="0" anchor="ctr" bIns="91425" lIns="91425" spcFirstLastPara="1" rIns="91425" wrap="square" tIns="91425">
+          <a:bodyPr spcFirstLastPara="1" wrap="square" lIns="91425" tIns="91425" rIns="91425" bIns="91425" anchor="ctr" anchorCtr="0">
             <a:normAutofit/>
           </a:bodyPr>
           <a:lstStyle>
@@ -2100,7 +2175,7 @@
             </a:lvl9pPr>
           </a:lstStyle>
           <a:p>
-            <a:pPr indent="0" lvl="0" marL="0" rtl="0" algn="r">
+            <a:pPr marL="0" lvl="0" indent="0" algn="r" rtl="0">
               <a:spcBef>
                 <a:spcPts val="0"/>
               </a:spcBef>
@@ -2126,18 +2201,19 @@
 </file>
 
 <file path=ppt/slideLayouts/slideLayout10.xml><?xml version="1.0" encoding="utf-8"?>
-<p:sldLayout xmlns:a="http://schemas.openxmlformats.org/drawingml/2006/main" xmlns:r="http://schemas.openxmlformats.org/officeDocument/2006/relationships" xmlns:mc="http://schemas.openxmlformats.org/markup-compatibility/2006" xmlns:mv="urn:schemas-microsoft-com:mac:vml" xmlns:p="http://schemas.openxmlformats.org/presentationml/2006/main" xmlns:c="http://schemas.openxmlformats.org/drawingml/2006/chart" xmlns:dgm="http://schemas.openxmlformats.org/drawingml/2006/diagram" xmlns:o="urn:schemas-microsoft-com:office:office" xmlns:v="urn:schemas-microsoft-com:vml" xmlns:pvml="urn:schemas-microsoft-com:office:powerpoint" xmlns:com="http://schemas.openxmlformats.org/drawingml/2006/compatibility" xmlns:p14="http://schemas.microsoft.com/office/powerpoint/2010/main" xmlns:p15="http://schemas.microsoft.com/office/powerpoint/2012/main" xmlns:ahyp="http://schemas.microsoft.com/office/drawing/2018/hyperlinkcolor" matchingName="Big number">
+<p:sldLayout xmlns:a="http://schemas.openxmlformats.org/drawingml/2006/main" xmlns:r="http://schemas.openxmlformats.org/officeDocument/2006/relationships" xmlns:p="http://schemas.openxmlformats.org/presentationml/2006/main" matchingName="Big number">
   <p:cSld name="BIG_NUMBER">
     <p:bg>
       <p:bgPr>
         <a:solidFill>
           <a:schemeClr val="dk1"/>
         </a:solidFill>
+        <a:effectLst/>
       </p:bgPr>
     </p:bg>
     <p:spTree>
       <p:nvGrpSpPr>
-        <p:cNvPr id="54" name="Shape 54"/>
+        <p:cNvPr id="1" name="Shape 54"/>
         <p:cNvGrpSpPr/>
         <p:nvPr/>
       </p:nvGrpSpPr>
@@ -2152,9 +2228,11 @@
       <p:sp>
         <p:nvSpPr>
           <p:cNvPr id="55" name="Google Shape;55;p11"/>
-          <p:cNvSpPr txBox="1"/>
+          <p:cNvSpPr txBox="1">
+            <a:spLocks noGrp="1"/>
+          </p:cNvSpPr>
           <p:nvPr>
-            <p:ph hasCustomPrompt="1" type="title"/>
+            <p:ph type="title" hasCustomPrompt="1"/>
           </p:nvPr>
         </p:nvSpPr>
         <p:spPr>
@@ -2167,7 +2245,7 @@
           </a:prstGeom>
         </p:spPr>
         <p:txBody>
-          <a:bodyPr anchorCtr="0" anchor="b" bIns="91425" lIns="91425" spcFirstLastPara="1" rIns="91425" wrap="square" tIns="91425">
+          <a:bodyPr spcFirstLastPara="1" wrap="square" lIns="91425" tIns="91425" rIns="91425" bIns="91425" anchor="b" anchorCtr="0">
             <a:normAutofit/>
           </a:bodyPr>
           <a:lstStyle>
@@ -2344,9 +2422,11 @@
       <p:sp>
         <p:nvSpPr>
           <p:cNvPr id="56" name="Google Shape;56;p11"/>
-          <p:cNvSpPr txBox="1"/>
+          <p:cNvSpPr txBox="1">
+            <a:spLocks noGrp="1"/>
+          </p:cNvSpPr>
           <p:nvPr>
-            <p:ph idx="1" type="body"/>
+            <p:ph type="body" idx="1"/>
           </p:nvPr>
         </p:nvSpPr>
         <p:spPr>
@@ -2359,11 +2439,11 @@
           </a:prstGeom>
         </p:spPr>
         <p:txBody>
-          <a:bodyPr anchorCtr="0" anchor="t" bIns="91425" lIns="91425" spcFirstLastPara="1" rIns="91425" wrap="square" tIns="91425">
+          <a:bodyPr spcFirstLastPara="1" wrap="square" lIns="91425" tIns="91425" rIns="91425" bIns="91425" anchor="t" anchorCtr="0">
             <a:normAutofit/>
           </a:bodyPr>
           <a:lstStyle>
-            <a:lvl1pPr indent="-311150" lvl="0" marL="457200">
+            <a:lvl1pPr marL="457200" lvl="0" indent="-311150">
               <a:spcBef>
                 <a:spcPts val="0"/>
               </a:spcBef>
@@ -2381,7 +2461,7 @@
                 </a:solidFill>
               </a:defRPr>
             </a:lvl1pPr>
-            <a:lvl2pPr indent="-298450" lvl="1" marL="914400">
+            <a:lvl2pPr marL="914400" lvl="1" indent="-298450">
               <a:spcBef>
                 <a:spcPts val="0"/>
               </a:spcBef>
@@ -2399,7 +2479,7 @@
                 </a:solidFill>
               </a:defRPr>
             </a:lvl2pPr>
-            <a:lvl3pPr indent="-298450" lvl="2" marL="1371600">
+            <a:lvl3pPr marL="1371600" lvl="2" indent="-298450">
               <a:spcBef>
                 <a:spcPts val="0"/>
               </a:spcBef>
@@ -2417,7 +2497,7 @@
                 </a:solidFill>
               </a:defRPr>
             </a:lvl3pPr>
-            <a:lvl4pPr indent="-298450" lvl="3" marL="1828800">
+            <a:lvl4pPr marL="1828800" lvl="3" indent="-298450">
               <a:spcBef>
                 <a:spcPts val="0"/>
               </a:spcBef>
@@ -2435,7 +2515,7 @@
                 </a:solidFill>
               </a:defRPr>
             </a:lvl4pPr>
-            <a:lvl5pPr indent="-298450" lvl="4" marL="2286000">
+            <a:lvl5pPr marL="2286000" lvl="4" indent="-298450">
               <a:spcBef>
                 <a:spcPts val="0"/>
               </a:spcBef>
@@ -2453,7 +2533,7 @@
                 </a:solidFill>
               </a:defRPr>
             </a:lvl5pPr>
-            <a:lvl6pPr indent="-298450" lvl="5" marL="2743200">
+            <a:lvl6pPr marL="2743200" lvl="5" indent="-298450">
               <a:spcBef>
                 <a:spcPts val="0"/>
               </a:spcBef>
@@ -2471,7 +2551,7 @@
                 </a:solidFill>
               </a:defRPr>
             </a:lvl6pPr>
-            <a:lvl7pPr indent="-298450" lvl="6" marL="3200400">
+            <a:lvl7pPr marL="3200400" lvl="6" indent="-298450">
               <a:spcBef>
                 <a:spcPts val="0"/>
               </a:spcBef>
@@ -2489,7 +2569,7 @@
                 </a:solidFill>
               </a:defRPr>
             </a:lvl7pPr>
-            <a:lvl8pPr indent="-298450" lvl="7" marL="3657600">
+            <a:lvl8pPr marL="3657600" lvl="7" indent="-298450">
               <a:spcBef>
                 <a:spcPts val="0"/>
               </a:spcBef>
@@ -2507,7 +2587,7 @@
                 </a:solidFill>
               </a:defRPr>
             </a:lvl8pPr>
-            <a:lvl9pPr indent="-298450" lvl="8" marL="4114800">
+            <a:lvl9pPr marL="4114800" lvl="8" indent="-298450">
               <a:spcBef>
                 <a:spcPts val="0"/>
               </a:spcBef>
@@ -2526,15 +2606,19 @@
               </a:defRPr>
             </a:lvl9pPr>
           </a:lstStyle>
-          <a:p/>
+          <a:p>
+            <a:endParaRPr/>
+          </a:p>
         </p:txBody>
       </p:sp>
       <p:sp>
         <p:nvSpPr>
           <p:cNvPr id="57" name="Google Shape;57;p11"/>
-          <p:cNvSpPr txBox="1"/>
+          <p:cNvSpPr txBox="1">
+            <a:spLocks noGrp="1"/>
+          </p:cNvSpPr>
           <p:nvPr>
-            <p:ph idx="12" type="sldNum"/>
+            <p:ph type="sldNum" idx="12"/>
           </p:nvPr>
         </p:nvSpPr>
         <p:spPr>
@@ -2547,7 +2631,7 @@
           </a:prstGeom>
         </p:spPr>
         <p:txBody>
-          <a:bodyPr anchorCtr="0" anchor="ctr" bIns="91425" lIns="91425" spcFirstLastPara="1" rIns="91425" wrap="square" tIns="91425">
+          <a:bodyPr spcFirstLastPara="1" wrap="square" lIns="91425" tIns="91425" rIns="91425" bIns="91425" anchor="ctr" anchorCtr="0">
             <a:normAutofit/>
           </a:bodyPr>
           <a:lstStyle>
@@ -2625,7 +2709,7 @@
             </a:lvl9pPr>
           </a:lstStyle>
           <a:p>
-            <a:pPr indent="0" lvl="0" marL="0" rtl="0" algn="r">
+            <a:pPr marL="0" lvl="0" indent="0" algn="r" rtl="0">
               <a:spcBef>
                 <a:spcPts val="0"/>
               </a:spcBef>
@@ -2651,11 +2735,11 @@
 </file>
 
 <file path=ppt/slideLayouts/slideLayout11.xml><?xml version="1.0" encoding="utf-8"?>
-<p:sldLayout xmlns:a="http://schemas.openxmlformats.org/drawingml/2006/main" xmlns:r="http://schemas.openxmlformats.org/officeDocument/2006/relationships" xmlns:mc="http://schemas.openxmlformats.org/markup-compatibility/2006" xmlns:mv="urn:schemas-microsoft-com:mac:vml" xmlns:p="http://schemas.openxmlformats.org/presentationml/2006/main" xmlns:c="http://schemas.openxmlformats.org/drawingml/2006/chart" xmlns:dgm="http://schemas.openxmlformats.org/drawingml/2006/diagram" xmlns:o="urn:schemas-microsoft-com:office:office" xmlns:v="urn:schemas-microsoft-com:vml" xmlns:pvml="urn:schemas-microsoft-com:office:powerpoint" xmlns:com="http://schemas.openxmlformats.org/drawingml/2006/compatibility" xmlns:p14="http://schemas.microsoft.com/office/powerpoint/2010/main" xmlns:p15="http://schemas.microsoft.com/office/powerpoint/2012/main" xmlns:ahyp="http://schemas.microsoft.com/office/drawing/2018/hyperlinkcolor" matchingName="Blank" type="blank">
+<p:sldLayout xmlns:a="http://schemas.openxmlformats.org/drawingml/2006/main" xmlns:r="http://schemas.openxmlformats.org/officeDocument/2006/relationships" xmlns:p="http://schemas.openxmlformats.org/presentationml/2006/main" matchingName="Blank" type="blank">
   <p:cSld name="BLANK">
     <p:spTree>
       <p:nvGrpSpPr>
-        <p:cNvPr id="58" name="Shape 58"/>
+        <p:cNvPr id="1" name="Shape 58"/>
         <p:cNvGrpSpPr/>
         <p:nvPr/>
       </p:nvGrpSpPr>
@@ -2670,9 +2754,11 @@
       <p:sp>
         <p:nvSpPr>
           <p:cNvPr id="59" name="Google Shape;59;p12"/>
-          <p:cNvSpPr txBox="1"/>
+          <p:cNvSpPr txBox="1">
+            <a:spLocks noGrp="1"/>
+          </p:cNvSpPr>
           <p:nvPr>
-            <p:ph idx="12" type="sldNum"/>
+            <p:ph type="sldNum" idx="12"/>
           </p:nvPr>
         </p:nvSpPr>
         <p:spPr>
@@ -2685,7 +2771,7 @@
           </a:prstGeom>
         </p:spPr>
         <p:txBody>
-          <a:bodyPr anchorCtr="0" anchor="ctr" bIns="91425" lIns="91425" spcFirstLastPara="1" rIns="91425" wrap="square" tIns="91425">
+          <a:bodyPr spcFirstLastPara="1" wrap="square" lIns="91425" tIns="91425" rIns="91425" bIns="91425" anchor="ctr" anchorCtr="0">
             <a:normAutofit/>
           </a:bodyPr>
           <a:lstStyle>
@@ -2727,7 +2813,7 @@
             </a:lvl9pPr>
           </a:lstStyle>
           <a:p>
-            <a:pPr indent="0" lvl="0" marL="0" rtl="0" algn="r">
+            <a:pPr marL="0" lvl="0" indent="0" algn="r" rtl="0">
               <a:spcBef>
                 <a:spcPts val="0"/>
               </a:spcBef>
@@ -2753,18 +2839,19 @@
 </file>
 
 <file path=ppt/slideLayouts/slideLayout2.xml><?xml version="1.0" encoding="utf-8"?>
-<p:sldLayout xmlns:a="http://schemas.openxmlformats.org/drawingml/2006/main" xmlns:r="http://schemas.openxmlformats.org/officeDocument/2006/relationships" xmlns:mc="http://schemas.openxmlformats.org/markup-compatibility/2006" xmlns:mv="urn:schemas-microsoft-com:mac:vml" xmlns:p="http://schemas.openxmlformats.org/presentationml/2006/main" xmlns:c="http://schemas.openxmlformats.org/drawingml/2006/chart" xmlns:dgm="http://schemas.openxmlformats.org/drawingml/2006/diagram" xmlns:o="urn:schemas-microsoft-com:office:office" xmlns:v="urn:schemas-microsoft-com:vml" xmlns:pvml="urn:schemas-microsoft-com:office:powerpoint" xmlns:com="http://schemas.openxmlformats.org/drawingml/2006/compatibility" xmlns:p14="http://schemas.microsoft.com/office/powerpoint/2010/main" xmlns:p15="http://schemas.microsoft.com/office/powerpoint/2012/main" xmlns:ahyp="http://schemas.microsoft.com/office/drawing/2018/hyperlinkcolor" matchingName="Section header" type="secHead">
+<p:sldLayout xmlns:a="http://schemas.openxmlformats.org/drawingml/2006/main" xmlns:r="http://schemas.openxmlformats.org/officeDocument/2006/relationships" xmlns:p="http://schemas.openxmlformats.org/presentationml/2006/main" matchingName="Section header" type="secHead">
   <p:cSld name="SECTION_HEADER">
     <p:bg>
       <p:bgPr>
         <a:solidFill>
           <a:schemeClr val="accent3"/>
         </a:solidFill>
+        <a:effectLst/>
       </p:bgPr>
     </p:bg>
     <p:spTree>
       <p:nvGrpSpPr>
-        <p:cNvPr id="14" name="Shape 14"/>
+        <p:cNvPr id="1" name="Shape 14"/>
         <p:cNvGrpSpPr/>
         <p:nvPr/>
       </p:nvGrpSpPr>
@@ -2788,9 +2875,13 @@
             <a:ext cx="9144250" cy="4398100"/>
           </a:xfrm>
           <a:custGeom>
-            <a:rect b="b" l="l" r="r" t="t"/>
+            <a:avLst/>
+            <a:gdLst/>
+            <a:ahLst/>
+            <a:cxnLst/>
+            <a:rect l="l" t="t" r="r" b="b"/>
             <a:pathLst>
-              <a:path extrusionOk="0" h="175924" w="365770">
+              <a:path w="365770" h="175924" extrusionOk="0">
                 <a:moveTo>
                   <a:pt x="0" y="0"/>
                 </a:moveTo>
@@ -2827,9 +2918,13 @@
             <a:ext cx="9144250" cy="4398100"/>
           </a:xfrm>
           <a:custGeom>
-            <a:rect b="b" l="l" r="r" t="t"/>
+            <a:avLst/>
+            <a:gdLst/>
+            <a:ahLst/>
+            <a:cxnLst/>
+            <a:rect l="l" t="t" r="r" b="b"/>
             <a:pathLst>
-              <a:path extrusionOk="0" h="175924" w="365770">
+              <a:path w="365770" h="175924" extrusionOk="0">
                 <a:moveTo>
                   <a:pt x="0" y="0"/>
                 </a:moveTo>
@@ -2857,7 +2952,9 @@
       <p:sp>
         <p:nvSpPr>
           <p:cNvPr id="17" name="Google Shape;17;p3"/>
-          <p:cNvSpPr txBox="1"/>
+          <p:cNvSpPr txBox="1">
+            <a:spLocks noGrp="1"/>
+          </p:cNvSpPr>
           <p:nvPr>
             <p:ph type="title"/>
           </p:nvPr>
@@ -2872,7 +2969,7 @@
           </a:prstGeom>
         </p:spPr>
         <p:txBody>
-          <a:bodyPr anchorCtr="0" anchor="t" bIns="91425" lIns="91425" spcFirstLastPara="1" rIns="91425" wrap="square" tIns="91425">
+          <a:bodyPr spcFirstLastPara="1" wrap="square" lIns="91425" tIns="91425" rIns="91425" bIns="91425" anchor="t" anchorCtr="0">
             <a:normAutofit/>
           </a:bodyPr>
           <a:lstStyle>
@@ -2976,15 +3073,19 @@
               <a:defRPr sz="3600"/>
             </a:lvl9pPr>
           </a:lstStyle>
-          <a:p/>
+          <a:p>
+            <a:endParaRPr/>
+          </a:p>
         </p:txBody>
       </p:sp>
       <p:sp>
         <p:nvSpPr>
           <p:cNvPr id="18" name="Google Shape;18;p3"/>
-          <p:cNvSpPr txBox="1"/>
+          <p:cNvSpPr txBox="1">
+            <a:spLocks noGrp="1"/>
+          </p:cNvSpPr>
           <p:nvPr>
-            <p:ph idx="12" type="sldNum"/>
+            <p:ph type="sldNum" idx="12"/>
           </p:nvPr>
         </p:nvSpPr>
         <p:spPr>
@@ -2997,7 +3098,7 @@
           </a:prstGeom>
         </p:spPr>
         <p:txBody>
-          <a:bodyPr anchorCtr="0" anchor="ctr" bIns="91425" lIns="91425" spcFirstLastPara="1" rIns="91425" wrap="square" tIns="91425">
+          <a:bodyPr spcFirstLastPara="1" wrap="square" lIns="91425" tIns="91425" rIns="91425" bIns="91425" anchor="ctr" anchorCtr="0">
             <a:normAutofit/>
           </a:bodyPr>
           <a:lstStyle>
@@ -3075,7 +3176,7 @@
             </a:lvl9pPr>
           </a:lstStyle>
           <a:p>
-            <a:pPr indent="0" lvl="0" marL="0" rtl="0" algn="r">
+            <a:pPr marL="0" lvl="0" indent="0" algn="r" rtl="0">
               <a:spcBef>
                 <a:spcPts val="0"/>
               </a:spcBef>
@@ -3101,11 +3202,11 @@
 </file>
 
 <file path=ppt/slideLayouts/slideLayout3.xml><?xml version="1.0" encoding="utf-8"?>
-<p:sldLayout xmlns:a="http://schemas.openxmlformats.org/drawingml/2006/main" xmlns:r="http://schemas.openxmlformats.org/officeDocument/2006/relationships" xmlns:mc="http://schemas.openxmlformats.org/markup-compatibility/2006" xmlns:mv="urn:schemas-microsoft-com:mac:vml" xmlns:p="http://schemas.openxmlformats.org/presentationml/2006/main" xmlns:c="http://schemas.openxmlformats.org/drawingml/2006/chart" xmlns:dgm="http://schemas.openxmlformats.org/drawingml/2006/diagram" xmlns:o="urn:schemas-microsoft-com:office:office" xmlns:v="urn:schemas-microsoft-com:vml" xmlns:pvml="urn:schemas-microsoft-com:office:powerpoint" xmlns:com="http://schemas.openxmlformats.org/drawingml/2006/compatibility" xmlns:p14="http://schemas.microsoft.com/office/powerpoint/2010/main" xmlns:p15="http://schemas.microsoft.com/office/powerpoint/2012/main" xmlns:ahyp="http://schemas.microsoft.com/office/drawing/2018/hyperlinkcolor" matchingName="Title and body" type="tx">
+<p:sldLayout xmlns:a="http://schemas.openxmlformats.org/drawingml/2006/main" xmlns:r="http://schemas.openxmlformats.org/officeDocument/2006/relationships" xmlns:p="http://schemas.openxmlformats.org/presentationml/2006/main" matchingName="Title and body" type="tx">
   <p:cSld name="TITLE_AND_BODY">
     <p:spTree>
       <p:nvGrpSpPr>
-        <p:cNvPr id="19" name="Shape 19"/>
+        <p:cNvPr id="1" name="Shape 19"/>
         <p:cNvGrpSpPr/>
         <p:nvPr/>
       </p:nvGrpSpPr>
@@ -3139,12 +3240,12 @@
           </a:ln>
         </p:spPr>
         <p:txBody>
-          <a:bodyPr anchorCtr="0" anchor="ctr" bIns="91425" lIns="91425" spcFirstLastPara="1" rIns="91425" wrap="square" tIns="91425">
+          <a:bodyPr spcFirstLastPara="1" wrap="square" lIns="91425" tIns="91425" rIns="91425" bIns="91425" anchor="ctr" anchorCtr="0">
             <a:noAutofit/>
           </a:bodyPr>
           <a:lstStyle/>
           <a:p>
-            <a:pPr indent="0" lvl="0" marL="0" rtl="0" algn="l">
+            <a:pPr marL="0" lvl="0" indent="0" algn="l" rtl="0">
               <a:spcBef>
                 <a:spcPts val="0"/>
               </a:spcBef>
@@ -3153,9 +3254,6 @@
               </a:spcAft>
               <a:buNone/>
             </a:pPr>
-            <a:r>
-              <a:t/>
-            </a:r>
             <a:endParaRPr/>
           </a:p>
         </p:txBody>
@@ -3172,9 +3270,13 @@
             <a:ext cx="4313625" cy="4399375"/>
           </a:xfrm>
           <a:custGeom>
-            <a:rect b="b" l="l" r="r" t="t"/>
+            <a:avLst/>
+            <a:gdLst/>
+            <a:ahLst/>
+            <a:cxnLst/>
+            <a:rect l="l" t="t" r="r" b="b"/>
             <a:pathLst>
-              <a:path extrusionOk="0" h="175975" w="172545">
+              <a:path w="172545" h="175975" extrusionOk="0">
                 <a:moveTo>
                   <a:pt x="0" y="157"/>
                 </a:moveTo>
@@ -3211,9 +3313,13 @@
             <a:ext cx="4316900" cy="4395600"/>
           </a:xfrm>
           <a:custGeom>
-            <a:rect b="b" l="l" r="r" t="t"/>
+            <a:avLst/>
+            <a:gdLst/>
+            <a:ahLst/>
+            <a:cxnLst/>
+            <a:rect l="l" t="t" r="r" b="b"/>
             <a:pathLst>
-              <a:path extrusionOk="0" h="175824" w="172676">
+              <a:path w="172676" h="175824" extrusionOk="0">
                 <a:moveTo>
                   <a:pt x="0" y="6"/>
                 </a:moveTo>
@@ -3241,7 +3347,9 @@
       <p:sp>
         <p:nvSpPr>
           <p:cNvPr id="23" name="Google Shape;23;p4"/>
-          <p:cNvSpPr txBox="1"/>
+          <p:cNvSpPr txBox="1">
+            <a:spLocks noGrp="1"/>
+          </p:cNvSpPr>
           <p:nvPr>
             <p:ph type="title"/>
           </p:nvPr>
@@ -3256,7 +3364,7 @@
           </a:prstGeom>
         </p:spPr>
         <p:txBody>
-          <a:bodyPr anchorCtr="0" anchor="t" bIns="91425" lIns="91425" spcFirstLastPara="1" rIns="91425" wrap="square" tIns="91425">
+          <a:bodyPr spcFirstLastPara="1" wrap="square" lIns="91425" tIns="91425" rIns="91425" bIns="91425" anchor="t" anchorCtr="0">
             <a:normAutofit/>
           </a:bodyPr>
           <a:lstStyle>
@@ -3423,15 +3531,19 @@
               </a:defRPr>
             </a:lvl9pPr>
           </a:lstStyle>
-          <a:p/>
+          <a:p>
+            <a:endParaRPr/>
+          </a:p>
         </p:txBody>
       </p:sp>
       <p:sp>
         <p:nvSpPr>
           <p:cNvPr id="24" name="Google Shape;24;p4"/>
-          <p:cNvSpPr txBox="1"/>
+          <p:cNvSpPr txBox="1">
+            <a:spLocks noGrp="1"/>
+          </p:cNvSpPr>
           <p:nvPr>
-            <p:ph idx="1" type="body"/>
+            <p:ph type="body" idx="1"/>
           </p:nvPr>
         </p:nvSpPr>
         <p:spPr>
@@ -3444,11 +3556,11 @@
           </a:prstGeom>
         </p:spPr>
         <p:txBody>
-          <a:bodyPr anchorCtr="0" anchor="t" bIns="91425" lIns="91425" spcFirstLastPara="1" rIns="91425" wrap="square" tIns="91425">
+          <a:bodyPr spcFirstLastPara="1" wrap="square" lIns="91425" tIns="91425" rIns="91425" bIns="91425" anchor="t" anchorCtr="0">
             <a:normAutofit/>
           </a:bodyPr>
           <a:lstStyle>
-            <a:lvl1pPr indent="-311150" lvl="0" marL="457200">
+            <a:lvl1pPr marL="457200" lvl="0" indent="-311150">
               <a:spcBef>
                 <a:spcPts val="0"/>
               </a:spcBef>
@@ -3459,7 +3571,7 @@
               <a:buChar char="●"/>
               <a:defRPr/>
             </a:lvl1pPr>
-            <a:lvl2pPr indent="-298450" lvl="1" marL="914400">
+            <a:lvl2pPr marL="914400" lvl="1" indent="-298450">
               <a:spcBef>
                 <a:spcPts val="0"/>
               </a:spcBef>
@@ -3470,7 +3582,7 @@
               <a:buChar char="○"/>
               <a:defRPr/>
             </a:lvl2pPr>
-            <a:lvl3pPr indent="-298450" lvl="2" marL="1371600">
+            <a:lvl3pPr marL="1371600" lvl="2" indent="-298450">
               <a:spcBef>
                 <a:spcPts val="0"/>
               </a:spcBef>
@@ -3481,7 +3593,7 @@
               <a:buChar char="■"/>
               <a:defRPr/>
             </a:lvl3pPr>
-            <a:lvl4pPr indent="-298450" lvl="3" marL="1828800">
+            <a:lvl4pPr marL="1828800" lvl="3" indent="-298450">
               <a:spcBef>
                 <a:spcPts val="0"/>
               </a:spcBef>
@@ -3492,7 +3604,7 @@
               <a:buChar char="●"/>
               <a:defRPr/>
             </a:lvl4pPr>
-            <a:lvl5pPr indent="-298450" lvl="4" marL="2286000">
+            <a:lvl5pPr marL="2286000" lvl="4" indent="-298450">
               <a:spcBef>
                 <a:spcPts val="0"/>
               </a:spcBef>
@@ -3503,7 +3615,7 @@
               <a:buChar char="○"/>
               <a:defRPr/>
             </a:lvl5pPr>
-            <a:lvl6pPr indent="-298450" lvl="5" marL="2743200">
+            <a:lvl6pPr marL="2743200" lvl="5" indent="-298450">
               <a:spcBef>
                 <a:spcPts val="0"/>
               </a:spcBef>
@@ -3514,7 +3626,7 @@
               <a:buChar char="■"/>
               <a:defRPr/>
             </a:lvl6pPr>
-            <a:lvl7pPr indent="-298450" lvl="6" marL="3200400">
+            <a:lvl7pPr marL="3200400" lvl="6" indent="-298450">
               <a:spcBef>
                 <a:spcPts val="0"/>
               </a:spcBef>
@@ -3525,7 +3637,7 @@
               <a:buChar char="●"/>
               <a:defRPr/>
             </a:lvl7pPr>
-            <a:lvl8pPr indent="-298450" lvl="7" marL="3657600">
+            <a:lvl8pPr marL="3657600" lvl="7" indent="-298450">
               <a:spcBef>
                 <a:spcPts val="0"/>
               </a:spcBef>
@@ -3536,7 +3648,7 @@
               <a:buChar char="○"/>
               <a:defRPr/>
             </a:lvl8pPr>
-            <a:lvl9pPr indent="-298450" lvl="8" marL="4114800">
+            <a:lvl9pPr marL="4114800" lvl="8" indent="-298450">
               <a:spcBef>
                 <a:spcPts val="0"/>
               </a:spcBef>
@@ -3548,15 +3660,19 @@
               <a:defRPr/>
             </a:lvl9pPr>
           </a:lstStyle>
-          <a:p/>
+          <a:p>
+            <a:endParaRPr/>
+          </a:p>
         </p:txBody>
       </p:sp>
       <p:sp>
         <p:nvSpPr>
           <p:cNvPr id="25" name="Google Shape;25;p4"/>
-          <p:cNvSpPr txBox="1"/>
+          <p:cNvSpPr txBox="1">
+            <a:spLocks noGrp="1"/>
+          </p:cNvSpPr>
           <p:nvPr>
-            <p:ph idx="12" type="sldNum"/>
+            <p:ph type="sldNum" idx="12"/>
           </p:nvPr>
         </p:nvSpPr>
         <p:spPr>
@@ -3569,7 +3685,7 @@
           </a:prstGeom>
         </p:spPr>
         <p:txBody>
-          <a:bodyPr anchorCtr="0" anchor="ctr" bIns="91425" lIns="91425" spcFirstLastPara="1" rIns="91425" wrap="square" tIns="91425">
+          <a:bodyPr spcFirstLastPara="1" wrap="square" lIns="91425" tIns="91425" rIns="91425" bIns="91425" anchor="ctr" anchorCtr="0">
             <a:normAutofit/>
           </a:bodyPr>
           <a:lstStyle>
@@ -3611,7 +3727,7 @@
             </a:lvl9pPr>
           </a:lstStyle>
           <a:p>
-            <a:pPr indent="0" lvl="0" marL="0" rtl="0" algn="r">
+            <a:pPr marL="0" lvl="0" indent="0" algn="r" rtl="0">
               <a:spcBef>
                 <a:spcPts val="0"/>
               </a:spcBef>
@@ -3637,11 +3753,11 @@
 </file>
 
 <file path=ppt/slideLayouts/slideLayout4.xml><?xml version="1.0" encoding="utf-8"?>
-<p:sldLayout xmlns:a="http://schemas.openxmlformats.org/drawingml/2006/main" xmlns:r="http://schemas.openxmlformats.org/officeDocument/2006/relationships" xmlns:mc="http://schemas.openxmlformats.org/markup-compatibility/2006" xmlns:mv="urn:schemas-microsoft-com:mac:vml" xmlns:p="http://schemas.openxmlformats.org/presentationml/2006/main" xmlns:c="http://schemas.openxmlformats.org/drawingml/2006/chart" xmlns:dgm="http://schemas.openxmlformats.org/drawingml/2006/diagram" xmlns:o="urn:schemas-microsoft-com:office:office" xmlns:v="urn:schemas-microsoft-com:vml" xmlns:pvml="urn:schemas-microsoft-com:office:powerpoint" xmlns:com="http://schemas.openxmlformats.org/drawingml/2006/compatibility" xmlns:p14="http://schemas.microsoft.com/office/powerpoint/2010/main" xmlns:p15="http://schemas.microsoft.com/office/powerpoint/2012/main" xmlns:ahyp="http://schemas.microsoft.com/office/drawing/2018/hyperlinkcolor" matchingName="Title and two columns" type="twoColTx">
+<p:sldLayout xmlns:a="http://schemas.openxmlformats.org/drawingml/2006/main" xmlns:r="http://schemas.openxmlformats.org/officeDocument/2006/relationships" xmlns:p="http://schemas.openxmlformats.org/presentationml/2006/main" matchingName="Title and two columns" type="twoColTx">
   <p:cSld name="TITLE_AND_TWO_COLUMNS">
     <p:spTree>
       <p:nvGrpSpPr>
-        <p:cNvPr id="26" name="Shape 26"/>
+        <p:cNvPr id="1" name="Shape 26"/>
         <p:cNvGrpSpPr/>
         <p:nvPr/>
       </p:nvGrpSpPr>
@@ -3675,12 +3791,12 @@
           </a:ln>
         </p:spPr>
         <p:txBody>
-          <a:bodyPr anchorCtr="0" anchor="ctr" bIns="91425" lIns="91425" spcFirstLastPara="1" rIns="91425" wrap="square" tIns="91425">
+          <a:bodyPr spcFirstLastPara="1" wrap="square" lIns="91425" tIns="91425" rIns="91425" bIns="91425" anchor="ctr" anchorCtr="0">
             <a:noAutofit/>
           </a:bodyPr>
           <a:lstStyle/>
           <a:p>
-            <a:pPr indent="0" lvl="0" marL="0" rtl="0" algn="l">
+            <a:pPr marL="0" lvl="0" indent="0" algn="l" rtl="0">
               <a:spcBef>
                 <a:spcPts val="0"/>
               </a:spcBef>
@@ -3689,9 +3805,6 @@
               </a:spcAft>
               <a:buNone/>
             </a:pPr>
-            <a:r>
-              <a:t/>
-            </a:r>
             <a:endParaRPr/>
           </a:p>
         </p:txBody>
@@ -3699,7 +3812,9 @@
       <p:sp>
         <p:nvSpPr>
           <p:cNvPr id="28" name="Google Shape;28;p5"/>
-          <p:cNvSpPr txBox="1"/>
+          <p:cNvSpPr txBox="1">
+            <a:spLocks noGrp="1"/>
+          </p:cNvSpPr>
           <p:nvPr>
             <p:ph type="title"/>
           </p:nvPr>
@@ -3714,7 +3829,7 @@
           </a:prstGeom>
         </p:spPr>
         <p:txBody>
-          <a:bodyPr anchorCtr="0" anchor="t" bIns="91425" lIns="91425" spcFirstLastPara="1" rIns="91425" wrap="square" tIns="91425">
+          <a:bodyPr spcFirstLastPara="1" wrap="square" lIns="91425" tIns="91425" rIns="91425" bIns="91425" anchor="t" anchorCtr="0">
             <a:normAutofit/>
           </a:bodyPr>
           <a:lstStyle>
@@ -3881,15 +3996,19 @@
               </a:defRPr>
             </a:lvl9pPr>
           </a:lstStyle>
-          <a:p/>
+          <a:p>
+            <a:endParaRPr/>
+          </a:p>
         </p:txBody>
       </p:sp>
       <p:sp>
         <p:nvSpPr>
           <p:cNvPr id="29" name="Google Shape;29;p5"/>
-          <p:cNvSpPr txBox="1"/>
+          <p:cNvSpPr txBox="1">
+            <a:spLocks noGrp="1"/>
+          </p:cNvSpPr>
           <p:nvPr>
-            <p:ph idx="1" type="body"/>
+            <p:ph type="body" idx="1"/>
           </p:nvPr>
         </p:nvSpPr>
         <p:spPr>
@@ -3902,11 +4021,11 @@
           </a:prstGeom>
         </p:spPr>
         <p:txBody>
-          <a:bodyPr anchorCtr="0" anchor="t" bIns="91425" lIns="91425" spcFirstLastPara="1" rIns="91425" wrap="square" tIns="91425">
+          <a:bodyPr spcFirstLastPara="1" wrap="square" lIns="91425" tIns="91425" rIns="91425" bIns="91425" anchor="t" anchorCtr="0">
             <a:normAutofit/>
           </a:bodyPr>
           <a:lstStyle>
-            <a:lvl1pPr indent="-311150" lvl="0" marL="457200">
+            <a:lvl1pPr marL="457200" lvl="0" indent="-311150">
               <a:spcBef>
                 <a:spcPts val="0"/>
               </a:spcBef>
@@ -3917,7 +4036,7 @@
               <a:buChar char="●"/>
               <a:defRPr/>
             </a:lvl1pPr>
-            <a:lvl2pPr indent="-298450" lvl="1" marL="914400">
+            <a:lvl2pPr marL="914400" lvl="1" indent="-298450">
               <a:spcBef>
                 <a:spcPts val="0"/>
               </a:spcBef>
@@ -3928,7 +4047,7 @@
               <a:buChar char="○"/>
               <a:defRPr/>
             </a:lvl2pPr>
-            <a:lvl3pPr indent="-298450" lvl="2" marL="1371600">
+            <a:lvl3pPr marL="1371600" lvl="2" indent="-298450">
               <a:spcBef>
                 <a:spcPts val="0"/>
               </a:spcBef>
@@ -3939,7 +4058,7 @@
               <a:buChar char="■"/>
               <a:defRPr/>
             </a:lvl3pPr>
-            <a:lvl4pPr indent="-298450" lvl="3" marL="1828800">
+            <a:lvl4pPr marL="1828800" lvl="3" indent="-298450">
               <a:spcBef>
                 <a:spcPts val="0"/>
               </a:spcBef>
@@ -3950,7 +4069,7 @@
               <a:buChar char="●"/>
               <a:defRPr/>
             </a:lvl4pPr>
-            <a:lvl5pPr indent="-298450" lvl="4" marL="2286000">
+            <a:lvl5pPr marL="2286000" lvl="4" indent="-298450">
               <a:spcBef>
                 <a:spcPts val="0"/>
               </a:spcBef>
@@ -3961,7 +4080,7 @@
               <a:buChar char="○"/>
               <a:defRPr/>
             </a:lvl5pPr>
-            <a:lvl6pPr indent="-298450" lvl="5" marL="2743200">
+            <a:lvl6pPr marL="2743200" lvl="5" indent="-298450">
               <a:spcBef>
                 <a:spcPts val="0"/>
               </a:spcBef>
@@ -3972,7 +4091,7 @@
               <a:buChar char="■"/>
               <a:defRPr/>
             </a:lvl6pPr>
-            <a:lvl7pPr indent="-298450" lvl="6" marL="3200400">
+            <a:lvl7pPr marL="3200400" lvl="6" indent="-298450">
               <a:spcBef>
                 <a:spcPts val="0"/>
               </a:spcBef>
@@ -3983,7 +4102,7 @@
               <a:buChar char="●"/>
               <a:defRPr/>
             </a:lvl7pPr>
-            <a:lvl8pPr indent="-298450" lvl="7" marL="3657600">
+            <a:lvl8pPr marL="3657600" lvl="7" indent="-298450">
               <a:spcBef>
                 <a:spcPts val="0"/>
               </a:spcBef>
@@ -3994,7 +4113,7 @@
               <a:buChar char="○"/>
               <a:defRPr/>
             </a:lvl8pPr>
-            <a:lvl9pPr indent="-298450" lvl="8" marL="4114800">
+            <a:lvl9pPr marL="4114800" lvl="8" indent="-298450">
               <a:spcBef>
                 <a:spcPts val="0"/>
               </a:spcBef>
@@ -4006,15 +4125,19 @@
               <a:defRPr/>
             </a:lvl9pPr>
           </a:lstStyle>
-          <a:p/>
+          <a:p>
+            <a:endParaRPr/>
+          </a:p>
         </p:txBody>
       </p:sp>
       <p:sp>
         <p:nvSpPr>
           <p:cNvPr id="30" name="Google Shape;30;p5"/>
-          <p:cNvSpPr txBox="1"/>
+          <p:cNvSpPr txBox="1">
+            <a:spLocks noGrp="1"/>
+          </p:cNvSpPr>
           <p:nvPr>
-            <p:ph idx="2" type="body"/>
+            <p:ph type="body" idx="2"/>
           </p:nvPr>
         </p:nvSpPr>
         <p:spPr>
@@ -4027,11 +4150,11 @@
           </a:prstGeom>
         </p:spPr>
         <p:txBody>
-          <a:bodyPr anchorCtr="0" anchor="t" bIns="91425" lIns="91425" spcFirstLastPara="1" rIns="91425" wrap="square" tIns="91425">
+          <a:bodyPr spcFirstLastPara="1" wrap="square" lIns="91425" tIns="91425" rIns="91425" bIns="91425" anchor="t" anchorCtr="0">
             <a:normAutofit/>
           </a:bodyPr>
           <a:lstStyle>
-            <a:lvl1pPr indent="-311150" lvl="0" marL="457200">
+            <a:lvl1pPr marL="457200" lvl="0" indent="-311150">
               <a:spcBef>
                 <a:spcPts val="0"/>
               </a:spcBef>
@@ -4042,7 +4165,7 @@
               <a:buChar char="●"/>
               <a:defRPr/>
             </a:lvl1pPr>
-            <a:lvl2pPr indent="-298450" lvl="1" marL="914400">
+            <a:lvl2pPr marL="914400" lvl="1" indent="-298450">
               <a:spcBef>
                 <a:spcPts val="0"/>
               </a:spcBef>
@@ -4053,7 +4176,7 @@
               <a:buChar char="○"/>
               <a:defRPr/>
             </a:lvl2pPr>
-            <a:lvl3pPr indent="-298450" lvl="2" marL="1371600">
+            <a:lvl3pPr marL="1371600" lvl="2" indent="-298450">
               <a:spcBef>
                 <a:spcPts val="0"/>
               </a:spcBef>
@@ -4064,7 +4187,7 @@
               <a:buChar char="■"/>
               <a:defRPr/>
             </a:lvl3pPr>
-            <a:lvl4pPr indent="-298450" lvl="3" marL="1828800">
+            <a:lvl4pPr marL="1828800" lvl="3" indent="-298450">
               <a:spcBef>
                 <a:spcPts val="0"/>
               </a:spcBef>
@@ -4075,7 +4198,7 @@
               <a:buChar char="●"/>
               <a:defRPr/>
             </a:lvl4pPr>
-            <a:lvl5pPr indent="-298450" lvl="4" marL="2286000">
+            <a:lvl5pPr marL="2286000" lvl="4" indent="-298450">
               <a:spcBef>
                 <a:spcPts val="0"/>
               </a:spcBef>
@@ -4086,7 +4209,7 @@
               <a:buChar char="○"/>
               <a:defRPr/>
             </a:lvl5pPr>
-            <a:lvl6pPr indent="-298450" lvl="5" marL="2743200">
+            <a:lvl6pPr marL="2743200" lvl="5" indent="-298450">
               <a:spcBef>
                 <a:spcPts val="0"/>
               </a:spcBef>
@@ -4097,7 +4220,7 @@
               <a:buChar char="■"/>
               <a:defRPr/>
             </a:lvl6pPr>
-            <a:lvl7pPr indent="-298450" lvl="6" marL="3200400">
+            <a:lvl7pPr marL="3200400" lvl="6" indent="-298450">
               <a:spcBef>
                 <a:spcPts val="0"/>
               </a:spcBef>
@@ -4108,7 +4231,7 @@
               <a:buChar char="●"/>
               <a:defRPr/>
             </a:lvl7pPr>
-            <a:lvl8pPr indent="-298450" lvl="7" marL="3657600">
+            <a:lvl8pPr marL="3657600" lvl="7" indent="-298450">
               <a:spcBef>
                 <a:spcPts val="0"/>
               </a:spcBef>
@@ -4119,7 +4242,7 @@
               <a:buChar char="○"/>
               <a:defRPr/>
             </a:lvl8pPr>
-            <a:lvl9pPr indent="-298450" lvl="8" marL="4114800">
+            <a:lvl9pPr marL="4114800" lvl="8" indent="-298450">
               <a:spcBef>
                 <a:spcPts val="0"/>
               </a:spcBef>
@@ -4131,15 +4254,19 @@
               <a:defRPr/>
             </a:lvl9pPr>
           </a:lstStyle>
-          <a:p/>
+          <a:p>
+            <a:endParaRPr/>
+          </a:p>
         </p:txBody>
       </p:sp>
       <p:sp>
         <p:nvSpPr>
           <p:cNvPr id="31" name="Google Shape;31;p5"/>
-          <p:cNvSpPr txBox="1"/>
+          <p:cNvSpPr txBox="1">
+            <a:spLocks noGrp="1"/>
+          </p:cNvSpPr>
           <p:nvPr>
-            <p:ph idx="12" type="sldNum"/>
+            <p:ph type="sldNum" idx="12"/>
           </p:nvPr>
         </p:nvSpPr>
         <p:spPr>
@@ -4152,7 +4279,7 @@
           </a:prstGeom>
         </p:spPr>
         <p:txBody>
-          <a:bodyPr anchorCtr="0" anchor="ctr" bIns="91425" lIns="91425" spcFirstLastPara="1" rIns="91425" wrap="square" tIns="91425">
+          <a:bodyPr spcFirstLastPara="1" wrap="square" lIns="91425" tIns="91425" rIns="91425" bIns="91425" anchor="ctr" anchorCtr="0">
             <a:normAutofit/>
           </a:bodyPr>
           <a:lstStyle>
@@ -4194,7 +4321,7 @@
             </a:lvl9pPr>
           </a:lstStyle>
           <a:p>
-            <a:pPr indent="0" lvl="0" marL="0" rtl="0" algn="r">
+            <a:pPr marL="0" lvl="0" indent="0" algn="r" rtl="0">
               <a:spcBef>
                 <a:spcPts val="0"/>
               </a:spcBef>
@@ -4220,11 +4347,11 @@
 </file>
 
 <file path=ppt/slideLayouts/slideLayout5.xml><?xml version="1.0" encoding="utf-8"?>
-<p:sldLayout xmlns:a="http://schemas.openxmlformats.org/drawingml/2006/main" xmlns:r="http://schemas.openxmlformats.org/officeDocument/2006/relationships" xmlns:mc="http://schemas.openxmlformats.org/markup-compatibility/2006" xmlns:mv="urn:schemas-microsoft-com:mac:vml" xmlns:p="http://schemas.openxmlformats.org/presentationml/2006/main" xmlns:c="http://schemas.openxmlformats.org/drawingml/2006/chart" xmlns:dgm="http://schemas.openxmlformats.org/drawingml/2006/diagram" xmlns:o="urn:schemas-microsoft-com:office:office" xmlns:v="urn:schemas-microsoft-com:vml" xmlns:pvml="urn:schemas-microsoft-com:office:powerpoint" xmlns:com="http://schemas.openxmlformats.org/drawingml/2006/compatibility" xmlns:p14="http://schemas.microsoft.com/office/powerpoint/2010/main" xmlns:p15="http://schemas.microsoft.com/office/powerpoint/2012/main" xmlns:ahyp="http://schemas.microsoft.com/office/drawing/2018/hyperlinkcolor" matchingName="Title only" type="titleOnly">
+<p:sldLayout xmlns:a="http://schemas.openxmlformats.org/drawingml/2006/main" xmlns:r="http://schemas.openxmlformats.org/officeDocument/2006/relationships" xmlns:p="http://schemas.openxmlformats.org/presentationml/2006/main" matchingName="Title only" type="titleOnly">
   <p:cSld name="TITLE_ONLY">
     <p:spTree>
       <p:nvGrpSpPr>
-        <p:cNvPr id="32" name="Shape 32"/>
+        <p:cNvPr id="1" name="Shape 32"/>
         <p:cNvGrpSpPr/>
         <p:nvPr/>
       </p:nvGrpSpPr>
@@ -4258,12 +4385,12 @@
           </a:ln>
         </p:spPr>
         <p:txBody>
-          <a:bodyPr anchorCtr="0" anchor="ctr" bIns="91425" lIns="91425" spcFirstLastPara="1" rIns="91425" wrap="square" tIns="91425">
+          <a:bodyPr spcFirstLastPara="1" wrap="square" lIns="91425" tIns="91425" rIns="91425" bIns="91425" anchor="ctr" anchorCtr="0">
             <a:noAutofit/>
           </a:bodyPr>
           <a:lstStyle/>
           <a:p>
-            <a:pPr indent="0" lvl="0" marL="0" rtl="0" algn="l">
+            <a:pPr marL="0" lvl="0" indent="0" algn="l" rtl="0">
               <a:spcBef>
                 <a:spcPts val="0"/>
               </a:spcBef>
@@ -4272,9 +4399,6 @@
               </a:spcAft>
               <a:buNone/>
             </a:pPr>
-            <a:r>
-              <a:t/>
-            </a:r>
             <a:endParaRPr/>
           </a:p>
         </p:txBody>
@@ -4282,7 +4406,9 @@
       <p:sp>
         <p:nvSpPr>
           <p:cNvPr id="34" name="Google Shape;34;p6"/>
-          <p:cNvSpPr txBox="1"/>
+          <p:cNvSpPr txBox="1">
+            <a:spLocks noGrp="1"/>
+          </p:cNvSpPr>
           <p:nvPr>
             <p:ph type="title"/>
           </p:nvPr>
@@ -4297,7 +4423,7 @@
           </a:prstGeom>
         </p:spPr>
         <p:txBody>
-          <a:bodyPr anchorCtr="0" anchor="t" bIns="91425" lIns="91425" spcFirstLastPara="1" rIns="91425" wrap="square" tIns="91425">
+          <a:bodyPr spcFirstLastPara="1" wrap="square" lIns="91425" tIns="91425" rIns="91425" bIns="91425" anchor="t" anchorCtr="0">
             <a:normAutofit/>
           </a:bodyPr>
           <a:lstStyle>
@@ -4464,15 +4590,19 @@
               </a:defRPr>
             </a:lvl9pPr>
           </a:lstStyle>
-          <a:p/>
+          <a:p>
+            <a:endParaRPr/>
+          </a:p>
         </p:txBody>
       </p:sp>
       <p:sp>
         <p:nvSpPr>
           <p:cNvPr id="35" name="Google Shape;35;p6"/>
-          <p:cNvSpPr txBox="1"/>
+          <p:cNvSpPr txBox="1">
+            <a:spLocks noGrp="1"/>
+          </p:cNvSpPr>
           <p:nvPr>
-            <p:ph idx="12" type="sldNum"/>
+            <p:ph type="sldNum" idx="12"/>
           </p:nvPr>
         </p:nvSpPr>
         <p:spPr>
@@ -4485,7 +4615,7 @@
           </a:prstGeom>
         </p:spPr>
         <p:txBody>
-          <a:bodyPr anchorCtr="0" anchor="ctr" bIns="91425" lIns="91425" spcFirstLastPara="1" rIns="91425" wrap="square" tIns="91425">
+          <a:bodyPr spcFirstLastPara="1" wrap="square" lIns="91425" tIns="91425" rIns="91425" bIns="91425" anchor="ctr" anchorCtr="0">
             <a:normAutofit/>
           </a:bodyPr>
           <a:lstStyle>
@@ -4527,7 +4657,7 @@
             </a:lvl9pPr>
           </a:lstStyle>
           <a:p>
-            <a:pPr indent="0" lvl="0" marL="0" rtl="0" algn="r">
+            <a:pPr marL="0" lvl="0" indent="0" algn="r" rtl="0">
               <a:spcBef>
                 <a:spcPts val="0"/>
               </a:spcBef>
@@ -4553,11 +4683,11 @@
 </file>
 
 <file path=ppt/slideLayouts/slideLayout6.xml><?xml version="1.0" encoding="utf-8"?>
-<p:sldLayout xmlns:a="http://schemas.openxmlformats.org/drawingml/2006/main" xmlns:r="http://schemas.openxmlformats.org/officeDocument/2006/relationships" xmlns:mc="http://schemas.openxmlformats.org/markup-compatibility/2006" xmlns:mv="urn:schemas-microsoft-com:mac:vml" xmlns:p="http://schemas.openxmlformats.org/presentationml/2006/main" xmlns:c="http://schemas.openxmlformats.org/drawingml/2006/chart" xmlns:dgm="http://schemas.openxmlformats.org/drawingml/2006/diagram" xmlns:o="urn:schemas-microsoft-com:office:office" xmlns:v="urn:schemas-microsoft-com:vml" xmlns:pvml="urn:schemas-microsoft-com:office:powerpoint" xmlns:com="http://schemas.openxmlformats.org/drawingml/2006/compatibility" xmlns:p14="http://schemas.microsoft.com/office/powerpoint/2010/main" xmlns:p15="http://schemas.microsoft.com/office/powerpoint/2012/main" xmlns:ahyp="http://schemas.microsoft.com/office/drawing/2018/hyperlinkcolor" matchingName="One column text">
+<p:sldLayout xmlns:a="http://schemas.openxmlformats.org/drawingml/2006/main" xmlns:r="http://schemas.openxmlformats.org/officeDocument/2006/relationships" xmlns:p="http://schemas.openxmlformats.org/presentationml/2006/main" matchingName="One column text">
   <p:cSld name="ONE_COLUMN_TEXT">
     <p:spTree>
       <p:nvGrpSpPr>
-        <p:cNvPr id="36" name="Shape 36"/>
+        <p:cNvPr id="1" name="Shape 36"/>
         <p:cNvGrpSpPr/>
         <p:nvPr/>
       </p:nvGrpSpPr>
@@ -4591,12 +4721,12 @@
           </a:ln>
         </p:spPr>
         <p:txBody>
-          <a:bodyPr anchorCtr="0" anchor="ctr" bIns="91425" lIns="91425" spcFirstLastPara="1" rIns="91425" wrap="square" tIns="91425">
+          <a:bodyPr spcFirstLastPara="1" wrap="square" lIns="91425" tIns="91425" rIns="91425" bIns="91425" anchor="ctr" anchorCtr="0">
             <a:noAutofit/>
           </a:bodyPr>
           <a:lstStyle/>
           <a:p>
-            <a:pPr indent="0" lvl="0" marL="0" rtl="0" algn="l">
+            <a:pPr marL="0" lvl="0" indent="0" algn="l" rtl="0">
               <a:spcBef>
                 <a:spcPts val="0"/>
               </a:spcBef>
@@ -4605,9 +4735,6 @@
               </a:spcAft>
               <a:buNone/>
             </a:pPr>
-            <a:r>
-              <a:t/>
-            </a:r>
             <a:endParaRPr/>
           </a:p>
         </p:txBody>
@@ -4615,7 +4742,9 @@
       <p:sp>
         <p:nvSpPr>
           <p:cNvPr id="38" name="Google Shape;38;p7"/>
-          <p:cNvSpPr txBox="1"/>
+          <p:cNvSpPr txBox="1">
+            <a:spLocks noGrp="1"/>
+          </p:cNvSpPr>
           <p:nvPr>
             <p:ph type="title"/>
           </p:nvPr>
@@ -4630,7 +4759,7 @@
           </a:prstGeom>
         </p:spPr>
         <p:txBody>
-          <a:bodyPr anchorCtr="0" anchor="t" bIns="91425" lIns="91425" spcFirstLastPara="1" rIns="91425" wrap="square" tIns="91425">
+          <a:bodyPr spcFirstLastPara="1" wrap="square" lIns="91425" tIns="91425" rIns="91425" bIns="91425" anchor="t" anchorCtr="0">
             <a:normAutofit/>
           </a:bodyPr>
           <a:lstStyle>
@@ -4797,15 +4926,19 @@
               </a:defRPr>
             </a:lvl9pPr>
           </a:lstStyle>
-          <a:p/>
+          <a:p>
+            <a:endParaRPr/>
+          </a:p>
         </p:txBody>
       </p:sp>
       <p:sp>
         <p:nvSpPr>
           <p:cNvPr id="39" name="Google Shape;39;p7"/>
-          <p:cNvSpPr txBox="1"/>
+          <p:cNvSpPr txBox="1">
+            <a:spLocks noGrp="1"/>
+          </p:cNvSpPr>
           <p:nvPr>
-            <p:ph idx="1" type="body"/>
+            <p:ph type="body" idx="1"/>
           </p:nvPr>
         </p:nvSpPr>
         <p:spPr>
@@ -4818,11 +4951,11 @@
           </a:prstGeom>
         </p:spPr>
         <p:txBody>
-          <a:bodyPr anchorCtr="0" anchor="t" bIns="91425" lIns="91425" spcFirstLastPara="1" rIns="91425" wrap="square" tIns="91425">
+          <a:bodyPr spcFirstLastPara="1" wrap="square" lIns="91425" tIns="91425" rIns="91425" bIns="91425" anchor="t" anchorCtr="0">
             <a:normAutofit/>
           </a:bodyPr>
           <a:lstStyle>
-            <a:lvl1pPr indent="-311150" lvl="0" marL="457200">
+            <a:lvl1pPr marL="457200" lvl="0" indent="-311150">
               <a:spcBef>
                 <a:spcPts val="0"/>
               </a:spcBef>
@@ -4840,7 +4973,7 @@
                 </a:solidFill>
               </a:defRPr>
             </a:lvl1pPr>
-            <a:lvl2pPr indent="-298450" lvl="1" marL="914400">
+            <a:lvl2pPr marL="914400" lvl="1" indent="-298450">
               <a:spcBef>
                 <a:spcPts val="0"/>
               </a:spcBef>
@@ -4858,7 +4991,7 @@
                 </a:solidFill>
               </a:defRPr>
             </a:lvl2pPr>
-            <a:lvl3pPr indent="-298450" lvl="2" marL="1371600">
+            <a:lvl3pPr marL="1371600" lvl="2" indent="-298450">
               <a:spcBef>
                 <a:spcPts val="0"/>
               </a:spcBef>
@@ -4876,7 +5009,7 @@
                 </a:solidFill>
               </a:defRPr>
             </a:lvl3pPr>
-            <a:lvl4pPr indent="-298450" lvl="3" marL="1828800">
+            <a:lvl4pPr marL="1828800" lvl="3" indent="-298450">
               <a:spcBef>
                 <a:spcPts val="0"/>
               </a:spcBef>
@@ -4894,7 +5027,7 @@
                 </a:solidFill>
               </a:defRPr>
             </a:lvl4pPr>
-            <a:lvl5pPr indent="-298450" lvl="4" marL="2286000">
+            <a:lvl5pPr marL="2286000" lvl="4" indent="-298450">
               <a:spcBef>
                 <a:spcPts val="0"/>
               </a:spcBef>
@@ -4912,7 +5045,7 @@
                 </a:solidFill>
               </a:defRPr>
             </a:lvl5pPr>
-            <a:lvl6pPr indent="-298450" lvl="5" marL="2743200">
+            <a:lvl6pPr marL="2743200" lvl="5" indent="-298450">
               <a:spcBef>
                 <a:spcPts val="0"/>
               </a:spcBef>
@@ -4930,7 +5063,7 @@
                 </a:solidFill>
               </a:defRPr>
             </a:lvl6pPr>
-            <a:lvl7pPr indent="-298450" lvl="6" marL="3200400">
+            <a:lvl7pPr marL="3200400" lvl="6" indent="-298450">
               <a:spcBef>
                 <a:spcPts val="0"/>
               </a:spcBef>
@@ -4948,7 +5081,7 @@
                 </a:solidFill>
               </a:defRPr>
             </a:lvl7pPr>
-            <a:lvl8pPr indent="-298450" lvl="7" marL="3657600">
+            <a:lvl8pPr marL="3657600" lvl="7" indent="-298450">
               <a:spcBef>
                 <a:spcPts val="0"/>
               </a:spcBef>
@@ -4966,7 +5099,7 @@
                 </a:solidFill>
               </a:defRPr>
             </a:lvl8pPr>
-            <a:lvl9pPr indent="-298450" lvl="8" marL="4114800">
+            <a:lvl9pPr marL="4114800" lvl="8" indent="-298450">
               <a:spcBef>
                 <a:spcPts val="0"/>
               </a:spcBef>
@@ -4985,15 +5118,19 @@
               </a:defRPr>
             </a:lvl9pPr>
           </a:lstStyle>
-          <a:p/>
+          <a:p>
+            <a:endParaRPr/>
+          </a:p>
         </p:txBody>
       </p:sp>
       <p:sp>
         <p:nvSpPr>
           <p:cNvPr id="40" name="Google Shape;40;p7"/>
-          <p:cNvSpPr txBox="1"/>
+          <p:cNvSpPr txBox="1">
+            <a:spLocks noGrp="1"/>
+          </p:cNvSpPr>
           <p:nvPr>
-            <p:ph idx="12" type="sldNum"/>
+            <p:ph type="sldNum" idx="12"/>
           </p:nvPr>
         </p:nvSpPr>
         <p:spPr>
@@ -5006,7 +5143,7 @@
           </a:prstGeom>
         </p:spPr>
         <p:txBody>
-          <a:bodyPr anchorCtr="0" anchor="ctr" bIns="91425" lIns="91425" spcFirstLastPara="1" rIns="91425" wrap="square" tIns="91425">
+          <a:bodyPr spcFirstLastPara="1" wrap="square" lIns="91425" tIns="91425" rIns="91425" bIns="91425" anchor="ctr" anchorCtr="0">
             <a:normAutofit/>
           </a:bodyPr>
           <a:lstStyle>
@@ -5048,7 +5185,7 @@
             </a:lvl9pPr>
           </a:lstStyle>
           <a:p>
-            <a:pPr indent="0" lvl="0" marL="0" rtl="0" algn="r">
+            <a:pPr marL="0" lvl="0" indent="0" algn="r" rtl="0">
               <a:spcBef>
                 <a:spcPts val="0"/>
               </a:spcBef>
@@ -5074,18 +5211,19 @@
 </file>
 
 <file path=ppt/slideLayouts/slideLayout7.xml><?xml version="1.0" encoding="utf-8"?>
-<p:sldLayout xmlns:a="http://schemas.openxmlformats.org/drawingml/2006/main" xmlns:r="http://schemas.openxmlformats.org/officeDocument/2006/relationships" xmlns:mc="http://schemas.openxmlformats.org/markup-compatibility/2006" xmlns:mv="urn:schemas-microsoft-com:mac:vml" xmlns:p="http://schemas.openxmlformats.org/presentationml/2006/main" xmlns:c="http://schemas.openxmlformats.org/drawingml/2006/chart" xmlns:dgm="http://schemas.openxmlformats.org/drawingml/2006/diagram" xmlns:o="urn:schemas-microsoft-com:office:office" xmlns:v="urn:schemas-microsoft-com:vml" xmlns:pvml="urn:schemas-microsoft-com:office:powerpoint" xmlns:com="http://schemas.openxmlformats.org/drawingml/2006/compatibility" xmlns:p14="http://schemas.microsoft.com/office/powerpoint/2010/main" xmlns:p15="http://schemas.microsoft.com/office/powerpoint/2012/main" xmlns:ahyp="http://schemas.microsoft.com/office/drawing/2018/hyperlinkcolor" matchingName="Main point">
+<p:sldLayout xmlns:a="http://schemas.openxmlformats.org/drawingml/2006/main" xmlns:r="http://schemas.openxmlformats.org/officeDocument/2006/relationships" xmlns:p="http://schemas.openxmlformats.org/presentationml/2006/main" matchingName="Main point">
   <p:cSld name="MAIN_POINT">
     <p:bg>
       <p:bgPr>
         <a:solidFill>
           <a:schemeClr val="accent3"/>
         </a:solidFill>
+        <a:effectLst/>
       </p:bgPr>
     </p:bg>
     <p:spTree>
       <p:nvGrpSpPr>
-        <p:cNvPr id="41" name="Shape 41"/>
+        <p:cNvPr id="1" name="Shape 41"/>
         <p:cNvGrpSpPr/>
         <p:nvPr/>
       </p:nvGrpSpPr>
@@ -5100,7 +5238,9 @@
       <p:sp>
         <p:nvSpPr>
           <p:cNvPr id="42" name="Google Shape;42;p8"/>
-          <p:cNvSpPr txBox="1"/>
+          <p:cNvSpPr txBox="1">
+            <a:spLocks noGrp="1"/>
+          </p:cNvSpPr>
           <p:nvPr>
             <p:ph type="title"/>
           </p:nvPr>
@@ -5115,7 +5255,7 @@
           </a:prstGeom>
         </p:spPr>
         <p:txBody>
-          <a:bodyPr anchorCtr="0" anchor="ctr" bIns="91425" lIns="91425" spcFirstLastPara="1" rIns="91425" wrap="square" tIns="91425">
+          <a:bodyPr spcFirstLastPara="1" wrap="square" lIns="91425" tIns="91425" rIns="91425" bIns="91425" anchor="ctr" anchorCtr="0">
             <a:normAutofit/>
           </a:bodyPr>
           <a:lstStyle>
@@ -5219,15 +5359,19 @@
               <a:defRPr sz="3600"/>
             </a:lvl9pPr>
           </a:lstStyle>
-          <a:p/>
+          <a:p>
+            <a:endParaRPr/>
+          </a:p>
         </p:txBody>
       </p:sp>
       <p:sp>
         <p:nvSpPr>
           <p:cNvPr id="43" name="Google Shape;43;p8"/>
-          <p:cNvSpPr txBox="1"/>
+          <p:cNvSpPr txBox="1">
+            <a:spLocks noGrp="1"/>
+          </p:cNvSpPr>
           <p:nvPr>
-            <p:ph idx="12" type="sldNum"/>
+            <p:ph type="sldNum" idx="12"/>
           </p:nvPr>
         </p:nvSpPr>
         <p:spPr>
@@ -5240,7 +5384,7 @@
           </a:prstGeom>
         </p:spPr>
         <p:txBody>
-          <a:bodyPr anchorCtr="0" anchor="ctr" bIns="91425" lIns="91425" spcFirstLastPara="1" rIns="91425" wrap="square" tIns="91425">
+          <a:bodyPr spcFirstLastPara="1" wrap="square" lIns="91425" tIns="91425" rIns="91425" bIns="91425" anchor="ctr" anchorCtr="0">
             <a:normAutofit/>
           </a:bodyPr>
           <a:lstStyle>
@@ -5318,7 +5462,7 @@
             </a:lvl9pPr>
           </a:lstStyle>
           <a:p>
-            <a:pPr indent="0" lvl="0" marL="0" rtl="0" algn="r">
+            <a:pPr marL="0" lvl="0" indent="0" algn="r" rtl="0">
               <a:spcBef>
                 <a:spcPts val="0"/>
               </a:spcBef>
@@ -5344,11 +5488,11 @@
 </file>
 
 <file path=ppt/slideLayouts/slideLayout8.xml><?xml version="1.0" encoding="utf-8"?>
-<p:sldLayout xmlns:a="http://schemas.openxmlformats.org/drawingml/2006/main" xmlns:r="http://schemas.openxmlformats.org/officeDocument/2006/relationships" xmlns:mc="http://schemas.openxmlformats.org/markup-compatibility/2006" xmlns:mv="urn:schemas-microsoft-com:mac:vml" xmlns:p="http://schemas.openxmlformats.org/presentationml/2006/main" xmlns:c="http://schemas.openxmlformats.org/drawingml/2006/chart" xmlns:dgm="http://schemas.openxmlformats.org/drawingml/2006/diagram" xmlns:o="urn:schemas-microsoft-com:office:office" xmlns:v="urn:schemas-microsoft-com:vml" xmlns:pvml="urn:schemas-microsoft-com:office:powerpoint" xmlns:com="http://schemas.openxmlformats.org/drawingml/2006/compatibility" xmlns:p14="http://schemas.microsoft.com/office/powerpoint/2010/main" xmlns:p15="http://schemas.microsoft.com/office/powerpoint/2012/main" xmlns:ahyp="http://schemas.microsoft.com/office/drawing/2018/hyperlinkcolor" matchingName="Section title and description">
+<p:sldLayout xmlns:a="http://schemas.openxmlformats.org/drawingml/2006/main" xmlns:r="http://schemas.openxmlformats.org/officeDocument/2006/relationships" xmlns:p="http://schemas.openxmlformats.org/presentationml/2006/main" matchingName="Section title and description">
   <p:cSld name="SECTION_TITLE_AND_DESCRIPTION">
     <p:spTree>
       <p:nvGrpSpPr>
-        <p:cNvPr id="44" name="Shape 44"/>
+        <p:cNvPr id="1" name="Shape 44"/>
         <p:cNvGrpSpPr/>
         <p:nvPr/>
       </p:nvGrpSpPr>
@@ -5382,12 +5526,12 @@
           </a:ln>
         </p:spPr>
         <p:txBody>
-          <a:bodyPr anchorCtr="0" anchor="ctr" bIns="91425" lIns="91425" spcFirstLastPara="1" rIns="91425" wrap="square" tIns="91425">
+          <a:bodyPr spcFirstLastPara="1" wrap="square" lIns="91425" tIns="91425" rIns="91425" bIns="91425" anchor="ctr" anchorCtr="0">
             <a:noAutofit/>
           </a:bodyPr>
           <a:lstStyle/>
           <a:p>
-            <a:pPr indent="0" lvl="0" marL="0" rtl="0" algn="l">
+            <a:pPr marL="0" lvl="0" indent="0" algn="l" rtl="0">
               <a:spcBef>
                 <a:spcPts val="0"/>
               </a:spcBef>
@@ -5396,9 +5540,6 @@
               </a:spcAft>
               <a:buNone/>
             </a:pPr>
-            <a:r>
-              <a:t/>
-            </a:r>
             <a:endParaRPr/>
           </a:p>
         </p:txBody>
@@ -5406,7 +5547,9 @@
       <p:sp>
         <p:nvSpPr>
           <p:cNvPr id="46" name="Google Shape;46;p9"/>
-          <p:cNvSpPr txBox="1"/>
+          <p:cNvSpPr txBox="1">
+            <a:spLocks noGrp="1"/>
+          </p:cNvSpPr>
           <p:nvPr>
             <p:ph type="title"/>
           </p:nvPr>
@@ -5421,7 +5564,7 @@
           </a:prstGeom>
         </p:spPr>
         <p:txBody>
-          <a:bodyPr anchorCtr="0" anchor="t" bIns="91425" lIns="91425" spcFirstLastPara="1" rIns="91425" wrap="square" tIns="91425">
+          <a:bodyPr spcFirstLastPara="1" wrap="square" lIns="91425" tIns="91425" rIns="91425" bIns="91425" anchor="t" anchorCtr="0">
             <a:normAutofit/>
           </a:bodyPr>
           <a:lstStyle>
@@ -5588,15 +5731,19 @@
               </a:defRPr>
             </a:lvl9pPr>
           </a:lstStyle>
-          <a:p/>
+          <a:p>
+            <a:endParaRPr/>
+          </a:p>
         </p:txBody>
       </p:sp>
       <p:sp>
         <p:nvSpPr>
           <p:cNvPr id="47" name="Google Shape;47;p9"/>
-          <p:cNvSpPr txBox="1"/>
+          <p:cNvSpPr txBox="1">
+            <a:spLocks noGrp="1"/>
+          </p:cNvSpPr>
           <p:nvPr>
-            <p:ph idx="1" type="subTitle"/>
+            <p:ph type="subTitle" idx="1"/>
           </p:nvPr>
         </p:nvSpPr>
         <p:spPr>
@@ -5609,7 +5756,7 @@
           </a:prstGeom>
         </p:spPr>
         <p:txBody>
-          <a:bodyPr anchorCtr="0" anchor="t" bIns="91425" lIns="91425" spcFirstLastPara="1" rIns="91425" wrap="square" tIns="91425">
+          <a:bodyPr spcFirstLastPara="1" wrap="square" lIns="91425" tIns="91425" rIns="91425" bIns="91425" anchor="t" anchorCtr="0">
             <a:normAutofit/>
           </a:bodyPr>
           <a:lstStyle>
@@ -5803,15 +5950,19 @@
               </a:defRPr>
             </a:lvl9pPr>
           </a:lstStyle>
-          <a:p/>
+          <a:p>
+            <a:endParaRPr/>
+          </a:p>
         </p:txBody>
       </p:sp>
       <p:sp>
         <p:nvSpPr>
           <p:cNvPr id="48" name="Google Shape;48;p9"/>
-          <p:cNvSpPr txBox="1"/>
+          <p:cNvSpPr txBox="1">
+            <a:spLocks noGrp="1"/>
+          </p:cNvSpPr>
           <p:nvPr>
-            <p:ph idx="2" type="body"/>
+            <p:ph type="body" idx="2"/>
           </p:nvPr>
         </p:nvSpPr>
         <p:spPr>
@@ -5824,11 +5975,11 @@
           </a:prstGeom>
         </p:spPr>
         <p:txBody>
-          <a:bodyPr anchorCtr="0" anchor="t" bIns="91425" lIns="91425" spcFirstLastPara="1" rIns="91425" wrap="square" tIns="91425">
+          <a:bodyPr spcFirstLastPara="1" wrap="square" lIns="91425" tIns="91425" rIns="91425" bIns="91425" anchor="t" anchorCtr="0">
             <a:normAutofit/>
           </a:bodyPr>
           <a:lstStyle>
-            <a:lvl1pPr indent="-311150" lvl="0" marL="457200">
+            <a:lvl1pPr marL="457200" lvl="0" indent="-311150">
               <a:spcBef>
                 <a:spcPts val="0"/>
               </a:spcBef>
@@ -5839,7 +5990,7 @@
               <a:buChar char="●"/>
               <a:defRPr/>
             </a:lvl1pPr>
-            <a:lvl2pPr indent="-298450" lvl="1" marL="914400">
+            <a:lvl2pPr marL="914400" lvl="1" indent="-298450">
               <a:spcBef>
                 <a:spcPts val="0"/>
               </a:spcBef>
@@ -5850,7 +6001,7 @@
               <a:buChar char="○"/>
               <a:defRPr/>
             </a:lvl2pPr>
-            <a:lvl3pPr indent="-298450" lvl="2" marL="1371600">
+            <a:lvl3pPr marL="1371600" lvl="2" indent="-298450">
               <a:spcBef>
                 <a:spcPts val="0"/>
               </a:spcBef>
@@ -5861,7 +6012,7 @@
               <a:buChar char="■"/>
               <a:defRPr/>
             </a:lvl3pPr>
-            <a:lvl4pPr indent="-298450" lvl="3" marL="1828800">
+            <a:lvl4pPr marL="1828800" lvl="3" indent="-298450">
               <a:spcBef>
                 <a:spcPts val="0"/>
               </a:spcBef>
@@ -5872,7 +6023,7 @@
               <a:buChar char="●"/>
               <a:defRPr/>
             </a:lvl4pPr>
-            <a:lvl5pPr indent="-298450" lvl="4" marL="2286000">
+            <a:lvl5pPr marL="2286000" lvl="4" indent="-298450">
               <a:spcBef>
                 <a:spcPts val="0"/>
               </a:spcBef>
@@ -5883,7 +6034,7 @@
               <a:buChar char="○"/>
               <a:defRPr/>
             </a:lvl5pPr>
-            <a:lvl6pPr indent="-298450" lvl="5" marL="2743200">
+            <a:lvl6pPr marL="2743200" lvl="5" indent="-298450">
               <a:spcBef>
                 <a:spcPts val="0"/>
               </a:spcBef>
@@ -5894,7 +6045,7 @@
               <a:buChar char="■"/>
               <a:defRPr/>
             </a:lvl6pPr>
-            <a:lvl7pPr indent="-298450" lvl="6" marL="3200400">
+            <a:lvl7pPr marL="3200400" lvl="6" indent="-298450">
               <a:spcBef>
                 <a:spcPts val="0"/>
               </a:spcBef>
@@ -5905,7 +6056,7 @@
               <a:buChar char="●"/>
               <a:defRPr/>
             </a:lvl7pPr>
-            <a:lvl8pPr indent="-298450" lvl="7" marL="3657600">
+            <a:lvl8pPr marL="3657600" lvl="7" indent="-298450">
               <a:spcBef>
                 <a:spcPts val="0"/>
               </a:spcBef>
@@ -5916,7 +6067,7 @@
               <a:buChar char="○"/>
               <a:defRPr/>
             </a:lvl8pPr>
-            <a:lvl9pPr indent="-298450" lvl="8" marL="4114800">
+            <a:lvl9pPr marL="4114800" lvl="8" indent="-298450">
               <a:spcBef>
                 <a:spcPts val="0"/>
               </a:spcBef>
@@ -5928,15 +6079,19 @@
               <a:defRPr/>
             </a:lvl9pPr>
           </a:lstStyle>
-          <a:p/>
+          <a:p>
+            <a:endParaRPr/>
+          </a:p>
         </p:txBody>
       </p:sp>
       <p:sp>
         <p:nvSpPr>
           <p:cNvPr id="49" name="Google Shape;49;p9"/>
-          <p:cNvSpPr txBox="1"/>
+          <p:cNvSpPr txBox="1">
+            <a:spLocks noGrp="1"/>
+          </p:cNvSpPr>
           <p:nvPr>
-            <p:ph idx="12" type="sldNum"/>
+            <p:ph type="sldNum" idx="12"/>
           </p:nvPr>
         </p:nvSpPr>
         <p:spPr>
@@ -5949,7 +6104,7 @@
           </a:prstGeom>
         </p:spPr>
         <p:txBody>
-          <a:bodyPr anchorCtr="0" anchor="ctr" bIns="91425" lIns="91425" spcFirstLastPara="1" rIns="91425" wrap="square" tIns="91425">
+          <a:bodyPr spcFirstLastPara="1" wrap="square" lIns="91425" tIns="91425" rIns="91425" bIns="91425" anchor="ctr" anchorCtr="0">
             <a:normAutofit/>
           </a:bodyPr>
           <a:lstStyle>
@@ -5991,7 +6146,7 @@
             </a:lvl9pPr>
           </a:lstStyle>
           <a:p>
-            <a:pPr indent="0" lvl="0" marL="0" rtl="0" algn="r">
+            <a:pPr marL="0" lvl="0" indent="0" algn="r" rtl="0">
               <a:spcBef>
                 <a:spcPts val="0"/>
               </a:spcBef>
@@ -6017,11 +6172,11 @@
 </file>
 
 <file path=ppt/slideLayouts/slideLayout9.xml><?xml version="1.0" encoding="utf-8"?>
-<p:sldLayout xmlns:a="http://schemas.openxmlformats.org/drawingml/2006/main" xmlns:r="http://schemas.openxmlformats.org/officeDocument/2006/relationships" xmlns:mc="http://schemas.openxmlformats.org/markup-compatibility/2006" xmlns:mv="urn:schemas-microsoft-com:mac:vml" xmlns:p="http://schemas.openxmlformats.org/presentationml/2006/main" xmlns:c="http://schemas.openxmlformats.org/drawingml/2006/chart" xmlns:dgm="http://schemas.openxmlformats.org/drawingml/2006/diagram" xmlns:o="urn:schemas-microsoft-com:office:office" xmlns:v="urn:schemas-microsoft-com:vml" xmlns:pvml="urn:schemas-microsoft-com:office:powerpoint" xmlns:com="http://schemas.openxmlformats.org/drawingml/2006/compatibility" xmlns:p14="http://schemas.microsoft.com/office/powerpoint/2010/main" xmlns:p15="http://schemas.microsoft.com/office/powerpoint/2012/main" xmlns:ahyp="http://schemas.microsoft.com/office/drawing/2018/hyperlinkcolor" matchingName="Caption">
+<p:sldLayout xmlns:a="http://schemas.openxmlformats.org/drawingml/2006/main" xmlns:r="http://schemas.openxmlformats.org/officeDocument/2006/relationships" xmlns:p="http://schemas.openxmlformats.org/presentationml/2006/main" matchingName="Caption">
   <p:cSld name="CAPTION_ONLY">
     <p:spTree>
       <p:nvGrpSpPr>
-        <p:cNvPr id="50" name="Shape 50"/>
+        <p:cNvPr id="1" name="Shape 50"/>
         <p:cNvGrpSpPr/>
         <p:nvPr/>
       </p:nvGrpSpPr>
@@ -6055,12 +6210,12 @@
           </a:ln>
         </p:spPr>
         <p:txBody>
-          <a:bodyPr anchorCtr="0" anchor="ctr" bIns="91425" lIns="91425" spcFirstLastPara="1" rIns="91425" wrap="square" tIns="91425">
+          <a:bodyPr spcFirstLastPara="1" wrap="square" lIns="91425" tIns="91425" rIns="91425" bIns="91425" anchor="ctr" anchorCtr="0">
             <a:noAutofit/>
           </a:bodyPr>
           <a:lstStyle/>
           <a:p>
-            <a:pPr indent="0" lvl="0" marL="0" rtl="0" algn="l">
+            <a:pPr marL="0" lvl="0" indent="0" algn="l" rtl="0">
               <a:spcBef>
                 <a:spcPts val="0"/>
               </a:spcBef>
@@ -6069,9 +6224,6 @@
               </a:spcAft>
               <a:buNone/>
             </a:pPr>
-            <a:r>
-              <a:t/>
-            </a:r>
             <a:endParaRPr/>
           </a:p>
         </p:txBody>
@@ -6079,9 +6231,11 @@
       <p:sp>
         <p:nvSpPr>
           <p:cNvPr id="52" name="Google Shape;52;p10"/>
-          <p:cNvSpPr txBox="1"/>
+          <p:cNvSpPr txBox="1">
+            <a:spLocks noGrp="1"/>
+          </p:cNvSpPr>
           <p:nvPr>
-            <p:ph idx="1" type="body"/>
+            <p:ph type="body" idx="1"/>
           </p:nvPr>
         </p:nvSpPr>
         <p:spPr>
@@ -6094,11 +6248,11 @@
           </a:prstGeom>
         </p:spPr>
         <p:txBody>
-          <a:bodyPr anchorCtr="0" anchor="ctr" bIns="91425" lIns="91425" spcFirstLastPara="1" rIns="91425" wrap="square" tIns="91425">
+          <a:bodyPr spcFirstLastPara="1" wrap="square" lIns="91425" tIns="91425" rIns="91425" bIns="91425" anchor="ctr" anchorCtr="0">
             <a:normAutofit/>
           </a:bodyPr>
           <a:lstStyle>
-            <a:lvl1pPr indent="-228600" lvl="0" marL="457200">
+            <a:lvl1pPr marL="457200" lvl="0" indent="-228600">
               <a:lnSpc>
                 <a:spcPct val="100000"/>
               </a:lnSpc>
@@ -6125,15 +6279,19 @@
               </a:defRPr>
             </a:lvl1pPr>
           </a:lstStyle>
-          <a:p/>
+          <a:p>
+            <a:endParaRPr/>
+          </a:p>
         </p:txBody>
       </p:sp>
       <p:sp>
         <p:nvSpPr>
           <p:cNvPr id="53" name="Google Shape;53;p10"/>
-          <p:cNvSpPr txBox="1"/>
+          <p:cNvSpPr txBox="1">
+            <a:spLocks noGrp="1"/>
+          </p:cNvSpPr>
           <p:nvPr>
-            <p:ph idx="12" type="sldNum"/>
+            <p:ph type="sldNum" idx="12"/>
           </p:nvPr>
         </p:nvSpPr>
         <p:spPr>
@@ -6146,7 +6304,7 @@
           </a:prstGeom>
         </p:spPr>
         <p:txBody>
-          <a:bodyPr anchorCtr="0" anchor="ctr" bIns="91425" lIns="91425" spcFirstLastPara="1" rIns="91425" wrap="square" tIns="91425">
+          <a:bodyPr spcFirstLastPara="1" wrap="square" lIns="91425" tIns="91425" rIns="91425" bIns="91425" anchor="ctr" anchorCtr="0">
             <a:normAutofit/>
           </a:bodyPr>
           <a:lstStyle>
@@ -6224,7 +6382,7 @@
             </a:lvl9pPr>
           </a:lstStyle>
           <a:p>
-            <a:pPr indent="0" lvl="0" marL="0" rtl="0" algn="r">
+            <a:pPr marL="0" lvl="0" indent="0" algn="r" rtl="0">
               <a:spcBef>
                 <a:spcPts val="0"/>
               </a:spcBef>
@@ -6250,18 +6408,19 @@
 </file>
 
 <file path=ppt/slideMasters/slideMaster1.xml><?xml version="1.0" encoding="utf-8"?>
-<p:sldMaster xmlns:a="http://schemas.openxmlformats.org/drawingml/2006/main" xmlns:r="http://schemas.openxmlformats.org/officeDocument/2006/relationships" xmlns:mc="http://schemas.openxmlformats.org/markup-compatibility/2006" xmlns:mv="urn:schemas-microsoft-com:mac:vml" xmlns:p="http://schemas.openxmlformats.org/presentationml/2006/main" xmlns:c="http://schemas.openxmlformats.org/drawingml/2006/chart" xmlns:dgm="http://schemas.openxmlformats.org/drawingml/2006/diagram" xmlns:o="urn:schemas-microsoft-com:office:office" xmlns:v="urn:schemas-microsoft-com:vml" xmlns:pvml="urn:schemas-microsoft-com:office:powerpoint" xmlns:com="http://schemas.openxmlformats.org/drawingml/2006/compatibility" xmlns:p14="http://schemas.microsoft.com/office/powerpoint/2010/main" xmlns:p15="http://schemas.microsoft.com/office/powerpoint/2012/main" xmlns:ahyp="http://schemas.microsoft.com/office/drawing/2018/hyperlinkcolor">
+<p:sldMaster xmlns:a="http://schemas.openxmlformats.org/drawingml/2006/main" xmlns:r="http://schemas.openxmlformats.org/officeDocument/2006/relationships" xmlns:p="http://schemas.openxmlformats.org/presentationml/2006/main">
   <p:cSld name="paradigm">
     <p:bg>
       <p:bgPr>
         <a:solidFill>
           <a:schemeClr val="lt1"/>
         </a:solidFill>
+        <a:effectLst/>
       </p:bgPr>
     </p:bg>
     <p:spTree>
       <p:nvGrpSpPr>
-        <p:cNvPr id="5" name="Shape 5"/>
+        <p:cNvPr id="1" name="Shape 5"/>
         <p:cNvGrpSpPr/>
         <p:nvPr/>
       </p:nvGrpSpPr>
@@ -6276,7 +6435,9 @@
       <p:sp>
         <p:nvSpPr>
           <p:cNvPr id="6" name="Google Shape;6;p1"/>
-          <p:cNvSpPr txBox="1"/>
+          <p:cNvSpPr txBox="1">
+            <a:spLocks noGrp="1"/>
+          </p:cNvSpPr>
           <p:nvPr>
             <p:ph type="title"/>
           </p:nvPr>
@@ -6295,7 +6456,7 @@
           </a:ln>
         </p:spPr>
         <p:txBody>
-          <a:bodyPr anchorCtr="0" anchor="t" bIns="91425" lIns="91425" spcFirstLastPara="1" rIns="91425" wrap="square" tIns="91425">
+          <a:bodyPr spcFirstLastPara="1" wrap="square" lIns="91425" tIns="91425" rIns="91425" bIns="91425" anchor="t" anchorCtr="0">
             <a:normAutofit/>
           </a:bodyPr>
           <a:lstStyle>
@@ -6507,15 +6668,19 @@
               </a:defRPr>
             </a:lvl9pPr>
           </a:lstStyle>
-          <a:p/>
+          <a:p>
+            <a:endParaRPr/>
+          </a:p>
         </p:txBody>
       </p:sp>
       <p:sp>
         <p:nvSpPr>
           <p:cNvPr id="7" name="Google Shape;7;p1"/>
-          <p:cNvSpPr txBox="1"/>
+          <p:cNvSpPr txBox="1">
+            <a:spLocks noGrp="1"/>
+          </p:cNvSpPr>
           <p:nvPr>
-            <p:ph idx="1" type="body"/>
+            <p:ph type="body" idx="1"/>
           </p:nvPr>
         </p:nvSpPr>
         <p:spPr>
@@ -6532,11 +6697,11 @@
           </a:ln>
         </p:spPr>
         <p:txBody>
-          <a:bodyPr anchorCtr="0" anchor="t" bIns="91425" lIns="91425" spcFirstLastPara="1" rIns="91425" wrap="square" tIns="91425">
+          <a:bodyPr spcFirstLastPara="1" wrap="square" lIns="91425" tIns="91425" rIns="91425" bIns="91425" anchor="t" anchorCtr="0">
             <a:normAutofit/>
           </a:bodyPr>
           <a:lstStyle>
-            <a:lvl1pPr indent="-311150" lvl="0" marL="457200">
+            <a:lvl1pPr marL="457200" lvl="0" indent="-311150">
               <a:lnSpc>
                 <a:spcPct val="115000"/>
               </a:lnSpc>
@@ -6562,7 +6727,7 @@
                 <a:sym typeface="Roboto"/>
               </a:defRPr>
             </a:lvl1pPr>
-            <a:lvl2pPr indent="-298450" lvl="1" marL="914400">
+            <a:lvl2pPr marL="914400" lvl="1" indent="-298450">
               <a:lnSpc>
                 <a:spcPct val="115000"/>
               </a:lnSpc>
@@ -6588,7 +6753,7 @@
                 <a:sym typeface="Roboto"/>
               </a:defRPr>
             </a:lvl2pPr>
-            <a:lvl3pPr indent="-298450" lvl="2" marL="1371600">
+            <a:lvl3pPr marL="1371600" lvl="2" indent="-298450">
               <a:lnSpc>
                 <a:spcPct val="115000"/>
               </a:lnSpc>
@@ -6614,7 +6779,7 @@
                 <a:sym typeface="Roboto"/>
               </a:defRPr>
             </a:lvl3pPr>
-            <a:lvl4pPr indent="-298450" lvl="3" marL="1828800">
+            <a:lvl4pPr marL="1828800" lvl="3" indent="-298450">
               <a:lnSpc>
                 <a:spcPct val="115000"/>
               </a:lnSpc>
@@ -6640,7 +6805,7 @@
                 <a:sym typeface="Roboto"/>
               </a:defRPr>
             </a:lvl4pPr>
-            <a:lvl5pPr indent="-298450" lvl="4" marL="2286000">
+            <a:lvl5pPr marL="2286000" lvl="4" indent="-298450">
               <a:lnSpc>
                 <a:spcPct val="115000"/>
               </a:lnSpc>
@@ -6666,7 +6831,7 @@
                 <a:sym typeface="Roboto"/>
               </a:defRPr>
             </a:lvl5pPr>
-            <a:lvl6pPr indent="-298450" lvl="5" marL="2743200">
+            <a:lvl6pPr marL="2743200" lvl="5" indent="-298450">
               <a:lnSpc>
                 <a:spcPct val="115000"/>
               </a:lnSpc>
@@ -6692,7 +6857,7 @@
                 <a:sym typeface="Roboto"/>
               </a:defRPr>
             </a:lvl6pPr>
-            <a:lvl7pPr indent="-298450" lvl="6" marL="3200400">
+            <a:lvl7pPr marL="3200400" lvl="6" indent="-298450">
               <a:lnSpc>
                 <a:spcPct val="115000"/>
               </a:lnSpc>
@@ -6718,7 +6883,7 @@
                 <a:sym typeface="Roboto"/>
               </a:defRPr>
             </a:lvl7pPr>
-            <a:lvl8pPr indent="-298450" lvl="7" marL="3657600">
+            <a:lvl8pPr marL="3657600" lvl="7" indent="-298450">
               <a:lnSpc>
                 <a:spcPct val="115000"/>
               </a:lnSpc>
@@ -6744,7 +6909,7 @@
                 <a:sym typeface="Roboto"/>
               </a:defRPr>
             </a:lvl8pPr>
-            <a:lvl9pPr indent="-298450" lvl="8" marL="4114800">
+            <a:lvl9pPr marL="4114800" lvl="8" indent="-298450">
               <a:lnSpc>
                 <a:spcPct val="115000"/>
               </a:lnSpc>
@@ -6771,15 +6936,19 @@
               </a:defRPr>
             </a:lvl9pPr>
           </a:lstStyle>
-          <a:p/>
+          <a:p>
+            <a:endParaRPr/>
+          </a:p>
         </p:txBody>
       </p:sp>
       <p:sp>
         <p:nvSpPr>
           <p:cNvPr id="8" name="Google Shape;8;p1"/>
-          <p:cNvSpPr txBox="1"/>
+          <p:cNvSpPr txBox="1">
+            <a:spLocks noGrp="1"/>
+          </p:cNvSpPr>
           <p:nvPr>
-            <p:ph idx="12" type="sldNum"/>
+            <p:ph type="sldNum" idx="12"/>
           </p:nvPr>
         </p:nvSpPr>
         <p:spPr>
@@ -6796,7 +6965,7 @@
           </a:ln>
         </p:spPr>
         <p:txBody>
-          <a:bodyPr anchorCtr="0" anchor="ctr" bIns="91425" lIns="91425" spcFirstLastPara="1" rIns="91425" wrap="square" tIns="91425">
+          <a:bodyPr spcFirstLastPara="1" wrap="square" lIns="91425" tIns="91425" rIns="91425" bIns="91425" anchor="ctr" anchorCtr="0">
             <a:normAutofit/>
           </a:bodyPr>
           <a:lstStyle>
@@ -6910,7 +7079,7 @@
             </a:lvl9pPr>
           </a:lstStyle>
           <a:p>
-            <a:pPr indent="0" lvl="0" marL="0" rtl="0" algn="r">
+            <a:pPr marL="0" lvl="0" indent="0" algn="r" rtl="0">
               <a:spcBef>
                 <a:spcPts val="0"/>
               </a:spcBef>
@@ -6929,7 +7098,7 @@
       </p:sp>
     </p:spTree>
   </p:cSld>
-  <p:clrMap accent1="accent1" accent2="accent2" accent3="accent3" accent4="accent4" accent5="accent5" accent6="accent6" bg1="lt1" bg2="dk2" tx1="dk1" tx2="lt2" folHlink="folHlink" hlink="hlink"/>
+  <p:clrMap bg1="lt1" tx1="dk1" bg2="dk2" tx2="lt2" accent1="accent1" accent2="accent2" accent3="accent3" accent4="accent4" accent5="accent5" accent6="accent6" hlink="hlink" folHlink="folHlink"/>
   <p:sldLayoutIdLst>
     <p:sldLayoutId id="2147483648" r:id="rId1"/>
     <p:sldLayoutId id="2147483649" r:id="rId2"/>
@@ -6943,10 +7112,10 @@
     <p:sldLayoutId id="2147483657" r:id="rId10"/>
     <p:sldLayoutId id="2147483658" r:id="rId11"/>
   </p:sldLayoutIdLst>
-  <p:hf dt="0" ftr="0" hdr="0" sldNum="0"/>
+  <p:hf sldNum="0" hdr="0" ftr="0" dt="0"/>
   <p:txStyles>
     <p:titleStyle>
-      <a:defPPr lvl="0" marR="0" rtl="0" algn="l">
+      <a:defPPr marR="0" lvl="0" algn="l" rtl="0">
         <a:lnSpc>
           <a:spcPct val="100000"/>
         </a:lnSpc>
@@ -6957,7 +7126,7 @@
           <a:spcPts val="0"/>
         </a:spcAft>
       </a:defPPr>
-      <a:lvl1pPr lvl="0" marR="0" rtl="0" algn="l">
+      <a:lvl1pPr marR="0" lvl="0" algn="l" rtl="0">
         <a:lnSpc>
           <a:spcPct val="100000"/>
         </a:lnSpc>
@@ -6971,7 +7140,7 @@
           <a:srgbClr val="000000"/>
         </a:buClr>
         <a:buFont typeface="Arial"/>
-        <a:defRPr b="0" i="0" sz="1400" u="none" cap="none" strike="noStrike">
+        <a:defRPr sz="1400" b="0" i="0" u="none" strike="noStrike" cap="none">
           <a:solidFill>
             <a:srgbClr val="000000"/>
           </a:solidFill>
@@ -6981,7 +7150,7 @@
           <a:sym typeface="Arial"/>
         </a:defRPr>
       </a:lvl1pPr>
-      <a:lvl2pPr lvl="1" marR="0" rtl="0" algn="l">
+      <a:lvl2pPr marR="0" lvl="1" algn="l" rtl="0">
         <a:lnSpc>
           <a:spcPct val="100000"/>
         </a:lnSpc>
@@ -6995,7 +7164,7 @@
           <a:srgbClr val="000000"/>
         </a:buClr>
         <a:buFont typeface="Arial"/>
-        <a:defRPr b="0" i="0" sz="1400" u="none" cap="none" strike="noStrike">
+        <a:defRPr sz="1400" b="0" i="0" u="none" strike="noStrike" cap="none">
           <a:solidFill>
             <a:srgbClr val="000000"/>
           </a:solidFill>
@@ -7005,7 +7174,7 @@
           <a:sym typeface="Arial"/>
         </a:defRPr>
       </a:lvl2pPr>
-      <a:lvl3pPr lvl="2" marR="0" rtl="0" algn="l">
+      <a:lvl3pPr marR="0" lvl="2" algn="l" rtl="0">
         <a:lnSpc>
           <a:spcPct val="100000"/>
         </a:lnSpc>
@@ -7019,7 +7188,7 @@
           <a:srgbClr val="000000"/>
         </a:buClr>
         <a:buFont typeface="Arial"/>
-        <a:defRPr b="0" i="0" sz="1400" u="none" cap="none" strike="noStrike">
+        <a:defRPr sz="1400" b="0" i="0" u="none" strike="noStrike" cap="none">
           <a:solidFill>
             <a:srgbClr val="000000"/>
           </a:solidFill>
@@ -7029,7 +7198,7 @@
           <a:sym typeface="Arial"/>
         </a:defRPr>
       </a:lvl3pPr>
-      <a:lvl4pPr lvl="3" marR="0" rtl="0" algn="l">
+      <a:lvl4pPr marR="0" lvl="3" algn="l" rtl="0">
         <a:lnSpc>
           <a:spcPct val="100000"/>
         </a:lnSpc>
@@ -7043,7 +7212,7 @@
           <a:srgbClr val="000000"/>
         </a:buClr>
         <a:buFont typeface="Arial"/>
-        <a:defRPr b="0" i="0" sz="1400" u="none" cap="none" strike="noStrike">
+        <a:defRPr sz="1400" b="0" i="0" u="none" strike="noStrike" cap="none">
           <a:solidFill>
             <a:srgbClr val="000000"/>
           </a:solidFill>
@@ -7053,7 +7222,7 @@
           <a:sym typeface="Arial"/>
         </a:defRPr>
       </a:lvl4pPr>
-      <a:lvl5pPr lvl="4" marR="0" rtl="0" algn="l">
+      <a:lvl5pPr marR="0" lvl="4" algn="l" rtl="0">
         <a:lnSpc>
           <a:spcPct val="100000"/>
         </a:lnSpc>
@@ -7067,7 +7236,7 @@
           <a:srgbClr val="000000"/>
         </a:buClr>
         <a:buFont typeface="Arial"/>
-        <a:defRPr b="0" i="0" sz="1400" u="none" cap="none" strike="noStrike">
+        <a:defRPr sz="1400" b="0" i="0" u="none" strike="noStrike" cap="none">
           <a:solidFill>
             <a:srgbClr val="000000"/>
           </a:solidFill>
@@ -7077,7 +7246,7 @@
           <a:sym typeface="Arial"/>
         </a:defRPr>
       </a:lvl5pPr>
-      <a:lvl6pPr lvl="5" marR="0" rtl="0" algn="l">
+      <a:lvl6pPr marR="0" lvl="5" algn="l" rtl="0">
         <a:lnSpc>
           <a:spcPct val="100000"/>
         </a:lnSpc>
@@ -7091,7 +7260,7 @@
           <a:srgbClr val="000000"/>
         </a:buClr>
         <a:buFont typeface="Arial"/>
-        <a:defRPr b="0" i="0" sz="1400" u="none" cap="none" strike="noStrike">
+        <a:defRPr sz="1400" b="0" i="0" u="none" strike="noStrike" cap="none">
           <a:solidFill>
             <a:srgbClr val="000000"/>
           </a:solidFill>
@@ -7101,7 +7270,7 @@
           <a:sym typeface="Arial"/>
         </a:defRPr>
       </a:lvl6pPr>
-      <a:lvl7pPr lvl="6" marR="0" rtl="0" algn="l">
+      <a:lvl7pPr marR="0" lvl="6" algn="l" rtl="0">
         <a:lnSpc>
           <a:spcPct val="100000"/>
         </a:lnSpc>
@@ -7115,7 +7284,7 @@
           <a:srgbClr val="000000"/>
         </a:buClr>
         <a:buFont typeface="Arial"/>
-        <a:defRPr b="0" i="0" sz="1400" u="none" cap="none" strike="noStrike">
+        <a:defRPr sz="1400" b="0" i="0" u="none" strike="noStrike" cap="none">
           <a:solidFill>
             <a:srgbClr val="000000"/>
           </a:solidFill>
@@ -7125,7 +7294,7 @@
           <a:sym typeface="Arial"/>
         </a:defRPr>
       </a:lvl7pPr>
-      <a:lvl8pPr lvl="7" marR="0" rtl="0" algn="l">
+      <a:lvl8pPr marR="0" lvl="7" algn="l" rtl="0">
         <a:lnSpc>
           <a:spcPct val="100000"/>
         </a:lnSpc>
@@ -7139,7 +7308,7 @@
           <a:srgbClr val="000000"/>
         </a:buClr>
         <a:buFont typeface="Arial"/>
-        <a:defRPr b="0" i="0" sz="1400" u="none" cap="none" strike="noStrike">
+        <a:defRPr sz="1400" b="0" i="0" u="none" strike="noStrike" cap="none">
           <a:solidFill>
             <a:srgbClr val="000000"/>
           </a:solidFill>
@@ -7149,7 +7318,7 @@
           <a:sym typeface="Arial"/>
         </a:defRPr>
       </a:lvl8pPr>
-      <a:lvl9pPr lvl="8" marR="0" rtl="0" algn="l">
+      <a:lvl9pPr marR="0" lvl="8" algn="l" rtl="0">
         <a:lnSpc>
           <a:spcPct val="100000"/>
         </a:lnSpc>
@@ -7163,7 +7332,7 @@
           <a:srgbClr val="000000"/>
         </a:buClr>
         <a:buFont typeface="Arial"/>
-        <a:defRPr b="0" i="0" sz="1400" u="none" cap="none" strike="noStrike">
+        <a:defRPr sz="1400" b="0" i="0" u="none" strike="noStrike" cap="none">
           <a:solidFill>
             <a:srgbClr val="000000"/>
           </a:solidFill>
@@ -7175,7 +7344,7 @@
       </a:lvl9pPr>
     </p:titleStyle>
     <p:bodyStyle>
-      <a:defPPr lvl="0" marR="0" rtl="0" algn="l">
+      <a:defPPr marR="0" lvl="0" algn="l" rtl="0">
         <a:lnSpc>
           <a:spcPct val="100000"/>
         </a:lnSpc>
@@ -7186,7 +7355,7 @@
           <a:spcPts val="0"/>
         </a:spcAft>
       </a:defPPr>
-      <a:lvl1pPr lvl="0" marR="0" rtl="0" algn="l">
+      <a:lvl1pPr marR="0" lvl="0" algn="l" rtl="0">
         <a:lnSpc>
           <a:spcPct val="100000"/>
         </a:lnSpc>
@@ -7200,7 +7369,7 @@
           <a:srgbClr val="000000"/>
         </a:buClr>
         <a:buFont typeface="Arial"/>
-        <a:defRPr b="0" i="0" sz="1400" u="none" cap="none" strike="noStrike">
+        <a:defRPr sz="1400" b="0" i="0" u="none" strike="noStrike" cap="none">
           <a:solidFill>
             <a:srgbClr val="000000"/>
           </a:solidFill>
@@ -7210,7 +7379,7 @@
           <a:sym typeface="Arial"/>
         </a:defRPr>
       </a:lvl1pPr>
-      <a:lvl2pPr lvl="1" marR="0" rtl="0" algn="l">
+      <a:lvl2pPr marR="0" lvl="1" algn="l" rtl="0">
         <a:lnSpc>
           <a:spcPct val="100000"/>
         </a:lnSpc>
@@ -7224,7 +7393,7 @@
           <a:srgbClr val="000000"/>
         </a:buClr>
         <a:buFont typeface="Arial"/>
-        <a:defRPr b="0" i="0" sz="1400" u="none" cap="none" strike="noStrike">
+        <a:defRPr sz="1400" b="0" i="0" u="none" strike="noStrike" cap="none">
           <a:solidFill>
             <a:srgbClr val="000000"/>
           </a:solidFill>
@@ -7234,7 +7403,7 @@
           <a:sym typeface="Arial"/>
         </a:defRPr>
       </a:lvl2pPr>
-      <a:lvl3pPr lvl="2" marR="0" rtl="0" algn="l">
+      <a:lvl3pPr marR="0" lvl="2" algn="l" rtl="0">
         <a:lnSpc>
           <a:spcPct val="100000"/>
         </a:lnSpc>
@@ -7248,7 +7417,7 @@
           <a:srgbClr val="000000"/>
         </a:buClr>
         <a:buFont typeface="Arial"/>
-        <a:defRPr b="0" i="0" sz="1400" u="none" cap="none" strike="noStrike">
+        <a:defRPr sz="1400" b="0" i="0" u="none" strike="noStrike" cap="none">
           <a:solidFill>
             <a:srgbClr val="000000"/>
           </a:solidFill>
@@ -7258,7 +7427,7 @@
           <a:sym typeface="Arial"/>
         </a:defRPr>
       </a:lvl3pPr>
-      <a:lvl4pPr lvl="3" marR="0" rtl="0" algn="l">
+      <a:lvl4pPr marR="0" lvl="3" algn="l" rtl="0">
         <a:lnSpc>
           <a:spcPct val="100000"/>
         </a:lnSpc>
@@ -7272,7 +7441,7 @@
           <a:srgbClr val="000000"/>
         </a:buClr>
         <a:buFont typeface="Arial"/>
-        <a:defRPr b="0" i="0" sz="1400" u="none" cap="none" strike="noStrike">
+        <a:defRPr sz="1400" b="0" i="0" u="none" strike="noStrike" cap="none">
           <a:solidFill>
             <a:srgbClr val="000000"/>
           </a:solidFill>
@@ -7282,7 +7451,7 @@
           <a:sym typeface="Arial"/>
         </a:defRPr>
       </a:lvl4pPr>
-      <a:lvl5pPr lvl="4" marR="0" rtl="0" algn="l">
+      <a:lvl5pPr marR="0" lvl="4" algn="l" rtl="0">
         <a:lnSpc>
           <a:spcPct val="100000"/>
         </a:lnSpc>
@@ -7296,7 +7465,7 @@
           <a:srgbClr val="000000"/>
         </a:buClr>
         <a:buFont typeface="Arial"/>
-        <a:defRPr b="0" i="0" sz="1400" u="none" cap="none" strike="noStrike">
+        <a:defRPr sz="1400" b="0" i="0" u="none" strike="noStrike" cap="none">
           <a:solidFill>
             <a:srgbClr val="000000"/>
           </a:solidFill>
@@ -7306,7 +7475,7 @@
           <a:sym typeface="Arial"/>
         </a:defRPr>
       </a:lvl5pPr>
-      <a:lvl6pPr lvl="5" marR="0" rtl="0" algn="l">
+      <a:lvl6pPr marR="0" lvl="5" algn="l" rtl="0">
         <a:lnSpc>
           <a:spcPct val="100000"/>
         </a:lnSpc>
@@ -7320,7 +7489,7 @@
           <a:srgbClr val="000000"/>
         </a:buClr>
         <a:buFont typeface="Arial"/>
-        <a:defRPr b="0" i="0" sz="1400" u="none" cap="none" strike="noStrike">
+        <a:defRPr sz="1400" b="0" i="0" u="none" strike="noStrike" cap="none">
           <a:solidFill>
             <a:srgbClr val="000000"/>
           </a:solidFill>
@@ -7330,7 +7499,7 @@
           <a:sym typeface="Arial"/>
         </a:defRPr>
       </a:lvl6pPr>
-      <a:lvl7pPr lvl="6" marR="0" rtl="0" algn="l">
+      <a:lvl7pPr marR="0" lvl="6" algn="l" rtl="0">
         <a:lnSpc>
           <a:spcPct val="100000"/>
         </a:lnSpc>
@@ -7344,7 +7513,7 @@
           <a:srgbClr val="000000"/>
         </a:buClr>
         <a:buFont typeface="Arial"/>
-        <a:defRPr b="0" i="0" sz="1400" u="none" cap="none" strike="noStrike">
+        <a:defRPr sz="1400" b="0" i="0" u="none" strike="noStrike" cap="none">
           <a:solidFill>
             <a:srgbClr val="000000"/>
           </a:solidFill>
@@ -7354,7 +7523,7 @@
           <a:sym typeface="Arial"/>
         </a:defRPr>
       </a:lvl7pPr>
-      <a:lvl8pPr lvl="7" marR="0" rtl="0" algn="l">
+      <a:lvl8pPr marR="0" lvl="7" algn="l" rtl="0">
         <a:lnSpc>
           <a:spcPct val="100000"/>
         </a:lnSpc>
@@ -7368,7 +7537,7 @@
           <a:srgbClr val="000000"/>
         </a:buClr>
         <a:buFont typeface="Arial"/>
-        <a:defRPr b="0" i="0" sz="1400" u="none" cap="none" strike="noStrike">
+        <a:defRPr sz="1400" b="0" i="0" u="none" strike="noStrike" cap="none">
           <a:solidFill>
             <a:srgbClr val="000000"/>
           </a:solidFill>
@@ -7378,7 +7547,7 @@
           <a:sym typeface="Arial"/>
         </a:defRPr>
       </a:lvl8pPr>
-      <a:lvl9pPr lvl="8" marR="0" rtl="0" algn="l">
+      <a:lvl9pPr marR="0" lvl="8" algn="l" rtl="0">
         <a:lnSpc>
           <a:spcPct val="100000"/>
         </a:lnSpc>
@@ -7392,7 +7561,7 @@
           <a:srgbClr val="000000"/>
         </a:buClr>
         <a:buFont typeface="Arial"/>
-        <a:defRPr b="0" i="0" sz="1400" u="none" cap="none" strike="noStrike">
+        <a:defRPr sz="1400" b="0" i="0" u="none" strike="noStrike" cap="none">
           <a:solidFill>
             <a:srgbClr val="000000"/>
           </a:solidFill>
@@ -7404,7 +7573,7 @@
       </a:lvl9pPr>
     </p:bodyStyle>
     <p:otherStyle>
-      <a:defPPr lvl="0" marR="0" rtl="0" algn="l">
+      <a:defPPr marR="0" lvl="0" algn="l" rtl="0">
         <a:lnSpc>
           <a:spcPct val="100000"/>
         </a:lnSpc>
@@ -7415,7 +7584,7 @@
           <a:spcPts val="0"/>
         </a:spcAft>
       </a:defPPr>
-      <a:lvl1pPr lvl="0" marR="0" rtl="0" algn="l">
+      <a:lvl1pPr marR="0" lvl="0" algn="l" rtl="0">
         <a:lnSpc>
           <a:spcPct val="100000"/>
         </a:lnSpc>
@@ -7429,7 +7598,7 @@
           <a:srgbClr val="000000"/>
         </a:buClr>
         <a:buFont typeface="Arial"/>
-        <a:defRPr b="0" i="0" sz="1400" u="none" cap="none" strike="noStrike">
+        <a:defRPr sz="1400" b="0" i="0" u="none" strike="noStrike" cap="none">
           <a:solidFill>
             <a:srgbClr val="000000"/>
           </a:solidFill>
@@ -7439,7 +7608,7 @@
           <a:sym typeface="Arial"/>
         </a:defRPr>
       </a:lvl1pPr>
-      <a:lvl2pPr lvl="1" marR="0" rtl="0" algn="l">
+      <a:lvl2pPr marR="0" lvl="1" algn="l" rtl="0">
         <a:lnSpc>
           <a:spcPct val="100000"/>
         </a:lnSpc>
@@ -7453,7 +7622,7 @@
           <a:srgbClr val="000000"/>
         </a:buClr>
         <a:buFont typeface="Arial"/>
-        <a:defRPr b="0" i="0" sz="1400" u="none" cap="none" strike="noStrike">
+        <a:defRPr sz="1400" b="0" i="0" u="none" strike="noStrike" cap="none">
           <a:solidFill>
             <a:srgbClr val="000000"/>
           </a:solidFill>
@@ -7463,7 +7632,7 @@
           <a:sym typeface="Arial"/>
         </a:defRPr>
       </a:lvl2pPr>
-      <a:lvl3pPr lvl="2" marR="0" rtl="0" algn="l">
+      <a:lvl3pPr marR="0" lvl="2" algn="l" rtl="0">
         <a:lnSpc>
           <a:spcPct val="100000"/>
         </a:lnSpc>
@@ -7477,7 +7646,7 @@
           <a:srgbClr val="000000"/>
         </a:buClr>
         <a:buFont typeface="Arial"/>
-        <a:defRPr b="0" i="0" sz="1400" u="none" cap="none" strike="noStrike">
+        <a:defRPr sz="1400" b="0" i="0" u="none" strike="noStrike" cap="none">
           <a:solidFill>
             <a:srgbClr val="000000"/>
           </a:solidFill>
@@ -7487,7 +7656,7 @@
           <a:sym typeface="Arial"/>
         </a:defRPr>
       </a:lvl3pPr>
-      <a:lvl4pPr lvl="3" marR="0" rtl="0" algn="l">
+      <a:lvl4pPr marR="0" lvl="3" algn="l" rtl="0">
         <a:lnSpc>
           <a:spcPct val="100000"/>
         </a:lnSpc>
@@ -7501,7 +7670,7 @@
           <a:srgbClr val="000000"/>
         </a:buClr>
         <a:buFont typeface="Arial"/>
-        <a:defRPr b="0" i="0" sz="1400" u="none" cap="none" strike="noStrike">
+        <a:defRPr sz="1400" b="0" i="0" u="none" strike="noStrike" cap="none">
           <a:solidFill>
             <a:srgbClr val="000000"/>
           </a:solidFill>
@@ -7511,7 +7680,7 @@
           <a:sym typeface="Arial"/>
         </a:defRPr>
       </a:lvl4pPr>
-      <a:lvl5pPr lvl="4" marR="0" rtl="0" algn="l">
+      <a:lvl5pPr marR="0" lvl="4" algn="l" rtl="0">
         <a:lnSpc>
           <a:spcPct val="100000"/>
         </a:lnSpc>
@@ -7525,7 +7694,7 @@
           <a:srgbClr val="000000"/>
         </a:buClr>
         <a:buFont typeface="Arial"/>
-        <a:defRPr b="0" i="0" sz="1400" u="none" cap="none" strike="noStrike">
+        <a:defRPr sz="1400" b="0" i="0" u="none" strike="noStrike" cap="none">
           <a:solidFill>
             <a:srgbClr val="000000"/>
           </a:solidFill>
@@ -7535,7 +7704,7 @@
           <a:sym typeface="Arial"/>
         </a:defRPr>
       </a:lvl5pPr>
-      <a:lvl6pPr lvl="5" marR="0" rtl="0" algn="l">
+      <a:lvl6pPr marR="0" lvl="5" algn="l" rtl="0">
         <a:lnSpc>
           <a:spcPct val="100000"/>
         </a:lnSpc>
@@ -7549,7 +7718,7 @@
           <a:srgbClr val="000000"/>
         </a:buClr>
         <a:buFont typeface="Arial"/>
-        <a:defRPr b="0" i="0" sz="1400" u="none" cap="none" strike="noStrike">
+        <a:defRPr sz="1400" b="0" i="0" u="none" strike="noStrike" cap="none">
           <a:solidFill>
             <a:srgbClr val="000000"/>
           </a:solidFill>
@@ -7559,7 +7728,7 @@
           <a:sym typeface="Arial"/>
         </a:defRPr>
       </a:lvl6pPr>
-      <a:lvl7pPr lvl="6" marR="0" rtl="0" algn="l">
+      <a:lvl7pPr marR="0" lvl="6" algn="l" rtl="0">
         <a:lnSpc>
           <a:spcPct val="100000"/>
         </a:lnSpc>
@@ -7573,7 +7742,7 @@
           <a:srgbClr val="000000"/>
         </a:buClr>
         <a:buFont typeface="Arial"/>
-        <a:defRPr b="0" i="0" sz="1400" u="none" cap="none" strike="noStrike">
+        <a:defRPr sz="1400" b="0" i="0" u="none" strike="noStrike" cap="none">
           <a:solidFill>
             <a:srgbClr val="000000"/>
           </a:solidFill>
@@ -7583,7 +7752,7 @@
           <a:sym typeface="Arial"/>
         </a:defRPr>
       </a:lvl7pPr>
-      <a:lvl8pPr lvl="7" marR="0" rtl="0" algn="l">
+      <a:lvl8pPr marR="0" lvl="7" algn="l" rtl="0">
         <a:lnSpc>
           <a:spcPct val="100000"/>
         </a:lnSpc>
@@ -7597,7 +7766,7 @@
           <a:srgbClr val="000000"/>
         </a:buClr>
         <a:buFont typeface="Arial"/>
-        <a:defRPr b="0" i="0" sz="1400" u="none" cap="none" strike="noStrike">
+        <a:defRPr sz="1400" b="0" i="0" u="none" strike="noStrike" cap="none">
           <a:solidFill>
             <a:srgbClr val="000000"/>
           </a:solidFill>
@@ -7607,7 +7776,7 @@
           <a:sym typeface="Arial"/>
         </a:defRPr>
       </a:lvl8pPr>
-      <a:lvl9pPr lvl="8" marR="0" rtl="0" algn="l">
+      <a:lvl9pPr marR="0" lvl="8" algn="l" rtl="0">
         <a:lnSpc>
           <a:spcPct val="100000"/>
         </a:lnSpc>
@@ -7621,7 +7790,7 @@
           <a:srgbClr val="000000"/>
         </a:buClr>
         <a:buFont typeface="Arial"/>
-        <a:defRPr b="0" i="0" sz="1400" u="none" cap="none" strike="noStrike">
+        <a:defRPr sz="1400" b="0" i="0" u="none" strike="noStrike" cap="none">
           <a:solidFill>
             <a:srgbClr val="000000"/>
           </a:solidFill>
@@ -7637,11 +7806,11 @@
 </file>
 
 <file path=ppt/slides/slide1.xml><?xml version="1.0" encoding="utf-8"?>
-<p:sld xmlns:a="http://schemas.openxmlformats.org/drawingml/2006/main" xmlns:r="http://schemas.openxmlformats.org/officeDocument/2006/relationships" xmlns:mc="http://schemas.openxmlformats.org/markup-compatibility/2006" xmlns:mv="urn:schemas-microsoft-com:mac:vml" xmlns:p="http://schemas.openxmlformats.org/presentationml/2006/main" xmlns:c="http://schemas.openxmlformats.org/drawingml/2006/chart" xmlns:dgm="http://schemas.openxmlformats.org/drawingml/2006/diagram" xmlns:o="urn:schemas-microsoft-com:office:office" xmlns:v="urn:schemas-microsoft-com:vml" xmlns:pvml="urn:schemas-microsoft-com:office:powerpoint" xmlns:com="http://schemas.openxmlformats.org/drawingml/2006/compatibility" xmlns:p14="http://schemas.microsoft.com/office/powerpoint/2010/main" xmlns:p15="http://schemas.microsoft.com/office/powerpoint/2012/main" xmlns:ahyp="http://schemas.microsoft.com/office/drawing/2018/hyperlinkcolor">
+<p:sld xmlns:a="http://schemas.openxmlformats.org/drawingml/2006/main" xmlns:r="http://schemas.openxmlformats.org/officeDocument/2006/relationships" xmlns:p="http://schemas.openxmlformats.org/presentationml/2006/main">
   <p:cSld>
     <p:spTree>
       <p:nvGrpSpPr>
-        <p:cNvPr id="63" name="Shape 63"/>
+        <p:cNvPr id="1" name="Shape 63"/>
         <p:cNvGrpSpPr/>
         <p:nvPr/>
       </p:nvGrpSpPr>
@@ -7656,7 +7825,9 @@
       <p:sp>
         <p:nvSpPr>
           <p:cNvPr id="64" name="Google Shape;64;p13"/>
-          <p:cNvSpPr txBox="1"/>
+          <p:cNvSpPr txBox="1">
+            <a:spLocks noGrp="1"/>
+          </p:cNvSpPr>
           <p:nvPr>
             <p:ph type="ctrTitle"/>
           </p:nvPr>
@@ -7671,12 +7842,12 @@
           </a:prstGeom>
         </p:spPr>
         <p:txBody>
-          <a:bodyPr anchorCtr="0" anchor="t" bIns="91425" lIns="91425" spcFirstLastPara="1" rIns="91425" wrap="square" tIns="91425">
+          <a:bodyPr spcFirstLastPara="1" wrap="square" lIns="91425" tIns="91425" rIns="91425" bIns="91425" anchor="t" anchorCtr="0">
             <a:normAutofit/>
           </a:bodyPr>
           <a:lstStyle/>
           <a:p>
-            <a:pPr indent="0" lvl="0" marL="0" rtl="0" algn="l">
+            <a:pPr marL="0" lvl="0" indent="0" algn="l" rtl="0">
               <a:spcBef>
                 <a:spcPts val="0"/>
               </a:spcBef>
@@ -7696,9 +7867,11 @@
       <p:sp>
         <p:nvSpPr>
           <p:cNvPr id="65" name="Google Shape;65;p13"/>
-          <p:cNvSpPr txBox="1"/>
+          <p:cNvSpPr txBox="1">
+            <a:spLocks noGrp="1"/>
+          </p:cNvSpPr>
           <p:nvPr>
-            <p:ph idx="1" type="subTitle"/>
+            <p:ph type="subTitle" idx="1"/>
           </p:nvPr>
         </p:nvSpPr>
         <p:spPr>
@@ -7711,12 +7884,12 @@
           </a:prstGeom>
         </p:spPr>
         <p:txBody>
-          <a:bodyPr anchorCtr="0" anchor="t" bIns="91425" lIns="91425" spcFirstLastPara="1" rIns="91425" wrap="square" tIns="91425">
+          <a:bodyPr spcFirstLastPara="1" wrap="square" lIns="91425" tIns="91425" rIns="91425" bIns="91425" anchor="t" anchorCtr="0">
             <a:normAutofit/>
           </a:bodyPr>
           <a:lstStyle/>
           <a:p>
-            <a:pPr indent="0" lvl="0" marL="0" rtl="0" algn="l">
+            <a:pPr marL="0" lvl="0" indent="0" algn="l" rtl="0">
               <a:spcBef>
                 <a:spcPts val="0"/>
               </a:spcBef>
@@ -7725,9 +7898,6 @@
               </a:spcAft>
               <a:buNone/>
             </a:pPr>
-            <a:r>
-              <a:t/>
-            </a:r>
             <a:endParaRPr/>
           </a:p>
         </p:txBody>
@@ -7741,11 +7911,11 @@
 </file>
 
 <file path=ppt/slides/slide2.xml><?xml version="1.0" encoding="utf-8"?>
-<p:sld xmlns:a="http://schemas.openxmlformats.org/drawingml/2006/main" xmlns:r="http://schemas.openxmlformats.org/officeDocument/2006/relationships" xmlns:mc="http://schemas.openxmlformats.org/markup-compatibility/2006" xmlns:mv="urn:schemas-microsoft-com:mac:vml" xmlns:p="http://schemas.openxmlformats.org/presentationml/2006/main" xmlns:c="http://schemas.openxmlformats.org/drawingml/2006/chart" xmlns:dgm="http://schemas.openxmlformats.org/drawingml/2006/diagram" xmlns:o="urn:schemas-microsoft-com:office:office" xmlns:v="urn:schemas-microsoft-com:vml" xmlns:pvml="urn:schemas-microsoft-com:office:powerpoint" xmlns:com="http://schemas.openxmlformats.org/drawingml/2006/compatibility" xmlns:p14="http://schemas.microsoft.com/office/powerpoint/2010/main" xmlns:p15="http://schemas.microsoft.com/office/powerpoint/2012/main" xmlns:ahyp="http://schemas.microsoft.com/office/drawing/2018/hyperlinkcolor">
+<p:sld xmlns:a="http://schemas.openxmlformats.org/drawingml/2006/main" xmlns:r="http://schemas.openxmlformats.org/officeDocument/2006/relationships" xmlns:p="http://schemas.openxmlformats.org/presentationml/2006/main">
   <p:cSld>
     <p:spTree>
       <p:nvGrpSpPr>
-        <p:cNvPr id="69" name="Shape 69"/>
+        <p:cNvPr id="1" name="Shape 69"/>
         <p:cNvGrpSpPr/>
         <p:nvPr/>
       </p:nvGrpSpPr>
@@ -7760,7 +7930,9 @@
       <p:sp>
         <p:nvSpPr>
           <p:cNvPr id="70" name="Google Shape;70;p14"/>
-          <p:cNvSpPr txBox="1"/>
+          <p:cNvSpPr txBox="1">
+            <a:spLocks noGrp="1"/>
+          </p:cNvSpPr>
           <p:nvPr>
             <p:ph type="title"/>
           </p:nvPr>
@@ -7775,12 +7947,12 @@
           </a:prstGeom>
         </p:spPr>
         <p:txBody>
-          <a:bodyPr anchorCtr="0" anchor="t" bIns="91425" lIns="91425" spcFirstLastPara="1" rIns="91425" wrap="square" tIns="91425">
+          <a:bodyPr spcFirstLastPara="1" wrap="square" lIns="91425" tIns="91425" rIns="91425" bIns="91425" anchor="t" anchorCtr="0">
             <a:normAutofit/>
           </a:bodyPr>
           <a:lstStyle/>
           <a:p>
-            <a:pPr indent="0" lvl="0" marL="0" rtl="0" algn="l">
+            <a:pPr marL="0" lvl="0" indent="0" algn="l" rtl="0">
               <a:spcBef>
                 <a:spcPts val="0"/>
               </a:spcBef>
@@ -7800,9 +7972,11 @@
       <p:sp>
         <p:nvSpPr>
           <p:cNvPr id="71" name="Google Shape;71;p14"/>
-          <p:cNvSpPr txBox="1"/>
+          <p:cNvSpPr txBox="1">
+            <a:spLocks noGrp="1"/>
+          </p:cNvSpPr>
           <p:nvPr>
-            <p:ph idx="1" type="body"/>
+            <p:ph type="body" idx="1"/>
           </p:nvPr>
         </p:nvSpPr>
         <p:spPr>
@@ -7815,12 +7989,12 @@
           </a:prstGeom>
         </p:spPr>
         <p:txBody>
-          <a:bodyPr anchorCtr="0" anchor="t" bIns="91425" lIns="91425" spcFirstLastPara="1" rIns="91425" wrap="square" tIns="91425">
+          <a:bodyPr spcFirstLastPara="1" wrap="square" lIns="91425" tIns="91425" rIns="91425" bIns="91425" anchor="t" anchorCtr="0">
             <a:normAutofit/>
           </a:bodyPr>
           <a:lstStyle/>
           <a:p>
-            <a:pPr indent="0" lvl="0" marL="0" rtl="0" algn="just">
+            <a:pPr marL="0" lvl="0" indent="0" algn="just" rtl="0">
               <a:spcBef>
                 <a:spcPts val="0"/>
               </a:spcBef>
@@ -7831,20 +8005,12 @@
             </a:pPr>
             <a:r>
               <a:rPr lang="en" sz="1500"/>
-              <a:t>It is used to convert a file from one type to </a:t>
-            </a:r>
-            <a:r>
-              <a:rPr lang="en" sz="1500"/>
-              <a:t>another</a:t>
-            </a:r>
-            <a:r>
-              <a:rPr lang="en" sz="1500"/>
-              <a:t>. This can be useful to reduce file size or simply to save the file in a different format. Supported types of file conversion includes: </a:t>
+              <a:t>It is used to convert a file from one type to another. This can be useful to reduce file size or simply to save the file in a different format. Supported types of file conversion includes: </a:t>
             </a:r>
             <a:endParaRPr sz="1500"/>
           </a:p>
           <a:p>
-            <a:pPr indent="-323850" lvl="0" marL="457200" rtl="0" algn="just">
+            <a:pPr marL="457200" lvl="0" indent="-323850" algn="just" rtl="0">
               <a:spcBef>
                 <a:spcPts val="1200"/>
               </a:spcBef>
@@ -7861,7 +8027,7 @@
             <a:endParaRPr sz="1500"/>
           </a:p>
           <a:p>
-            <a:pPr indent="-323850" lvl="0" marL="457200" rtl="0" algn="just">
+            <a:pPr marL="457200" lvl="0" indent="-323850" algn="just" rtl="0">
               <a:spcBef>
                 <a:spcPts val="0"/>
               </a:spcBef>
@@ -7878,7 +8044,7 @@
             <a:endParaRPr sz="1500"/>
           </a:p>
           <a:p>
-            <a:pPr indent="-323850" lvl="0" marL="457200" rtl="0" algn="just">
+            <a:pPr marL="457200" lvl="0" indent="-323850" algn="just" rtl="0">
               <a:spcBef>
                 <a:spcPts val="0"/>
               </a:spcBef>
@@ -7895,7 +8061,7 @@
             <a:endParaRPr sz="1500"/>
           </a:p>
           <a:p>
-            <a:pPr indent="-323850" lvl="0" marL="457200" rtl="0" algn="just">
+            <a:pPr marL="457200" lvl="0" indent="-323850" algn="just" rtl="0">
               <a:spcBef>
                 <a:spcPts val="0"/>
               </a:spcBef>
@@ -7912,7 +8078,7 @@
             <a:endParaRPr sz="1500"/>
           </a:p>
           <a:p>
-            <a:pPr indent="0" lvl="0" marL="0" rtl="0" algn="l">
+            <a:pPr marL="0" lvl="0" indent="0" algn="l" rtl="0">
               <a:spcBef>
                 <a:spcPts val="1200"/>
               </a:spcBef>
@@ -7921,9 +8087,6 @@
               </a:spcAft>
               <a:buNone/>
             </a:pPr>
-            <a:r>
-              <a:t/>
-            </a:r>
             <a:endParaRPr/>
           </a:p>
         </p:txBody>
@@ -7937,11 +8100,11 @@
 </file>
 
 <file path=ppt/slides/slide3.xml><?xml version="1.0" encoding="utf-8"?>
-<p:sld xmlns:a="http://schemas.openxmlformats.org/drawingml/2006/main" xmlns:r="http://schemas.openxmlformats.org/officeDocument/2006/relationships" xmlns:mc="http://schemas.openxmlformats.org/markup-compatibility/2006" xmlns:mv="urn:schemas-microsoft-com:mac:vml" xmlns:p="http://schemas.openxmlformats.org/presentationml/2006/main" xmlns:c="http://schemas.openxmlformats.org/drawingml/2006/chart" xmlns:dgm="http://schemas.openxmlformats.org/drawingml/2006/diagram" xmlns:o="urn:schemas-microsoft-com:office:office" xmlns:v="urn:schemas-microsoft-com:vml" xmlns:pvml="urn:schemas-microsoft-com:office:powerpoint" xmlns:com="http://schemas.openxmlformats.org/drawingml/2006/compatibility" xmlns:p14="http://schemas.microsoft.com/office/powerpoint/2010/main" xmlns:p15="http://schemas.microsoft.com/office/powerpoint/2012/main" xmlns:ahyp="http://schemas.microsoft.com/office/drawing/2018/hyperlinkcolor">
+<p:sld xmlns:a="http://schemas.openxmlformats.org/drawingml/2006/main" xmlns:r="http://schemas.openxmlformats.org/officeDocument/2006/relationships" xmlns:p="http://schemas.openxmlformats.org/presentationml/2006/main">
   <p:cSld>
     <p:spTree>
       <p:nvGrpSpPr>
-        <p:cNvPr id="75" name="Shape 75"/>
+        <p:cNvPr id="1" name="Shape 75"/>
         <p:cNvGrpSpPr/>
         <p:nvPr/>
       </p:nvGrpSpPr>
@@ -7956,7 +8119,9 @@
       <p:sp>
         <p:nvSpPr>
           <p:cNvPr id="76" name="Google Shape;76;p15"/>
-          <p:cNvSpPr txBox="1"/>
+          <p:cNvSpPr txBox="1">
+            <a:spLocks noGrp="1"/>
+          </p:cNvSpPr>
           <p:nvPr>
             <p:ph type="title"/>
           </p:nvPr>
@@ -7971,12 +8136,12 @@
           </a:prstGeom>
         </p:spPr>
         <p:txBody>
-          <a:bodyPr anchorCtr="0" anchor="t" bIns="91425" lIns="91425" spcFirstLastPara="1" rIns="91425" wrap="square" tIns="91425">
+          <a:bodyPr spcFirstLastPara="1" wrap="square" lIns="91425" tIns="91425" rIns="91425" bIns="91425" anchor="t" anchorCtr="0">
             <a:normAutofit/>
           </a:bodyPr>
           <a:lstStyle/>
           <a:p>
-            <a:pPr indent="0" lvl="0" marL="0" rtl="0" algn="l">
+            <a:pPr marL="0" lvl="0" indent="0" algn="l" rtl="0">
               <a:spcBef>
                 <a:spcPts val="0"/>
               </a:spcBef>
@@ -7996,9 +8161,11 @@
       <p:sp>
         <p:nvSpPr>
           <p:cNvPr id="77" name="Google Shape;77;p15"/>
-          <p:cNvSpPr txBox="1"/>
+          <p:cNvSpPr txBox="1">
+            <a:spLocks noGrp="1"/>
+          </p:cNvSpPr>
           <p:nvPr>
-            <p:ph idx="1" type="body"/>
+            <p:ph type="body" idx="1"/>
           </p:nvPr>
         </p:nvSpPr>
         <p:spPr>
@@ -8011,12 +8178,12 @@
           </a:prstGeom>
         </p:spPr>
         <p:txBody>
-          <a:bodyPr anchorCtr="0" anchor="t" bIns="91425" lIns="91425" spcFirstLastPara="1" rIns="91425" wrap="square" tIns="91425">
+          <a:bodyPr spcFirstLastPara="1" wrap="square" lIns="91425" tIns="91425" rIns="91425" bIns="91425" anchor="t" anchorCtr="0">
             <a:normAutofit/>
           </a:bodyPr>
           <a:lstStyle/>
           <a:p>
-            <a:pPr indent="0" lvl="0" marL="0" rtl="0" algn="l">
+            <a:pPr marL="0" lvl="0" indent="0" algn="l" rtl="0">
               <a:spcBef>
                 <a:spcPts val="0"/>
               </a:spcBef>
@@ -8026,21 +8193,21 @@
               <a:buNone/>
             </a:pPr>
             <a:r>
-              <a:rPr lang="en" sz="1400">
+              <a:rPr lang="en" sz="1400" dirty="0">
                 <a:solidFill>
                   <a:schemeClr val="lt1"/>
                 </a:solidFill>
               </a:rPr>
               <a:t>Video</a:t>
             </a:r>
-            <a:endParaRPr sz="1400">
+            <a:endParaRPr sz="1400" dirty="0">
               <a:solidFill>
                 <a:schemeClr val="lt1"/>
               </a:solidFill>
             </a:endParaRPr>
           </a:p>
           <a:p>
-            <a:pPr indent="-317500" lvl="0" marL="457200" rtl="0" algn="l">
+            <a:pPr marL="457200" lvl="0" indent="-317500" algn="l" rtl="0">
               <a:spcBef>
                 <a:spcPts val="1200"/>
               </a:spcBef>
@@ -8054,29 +8221,21 @@
               <a:buChar char="●"/>
             </a:pPr>
             <a:r>
-              <a:rPr lang="en" sz="1400">
+              <a:rPr lang="en" sz="1400" dirty="0">
                 <a:solidFill>
                   <a:schemeClr val="lt1"/>
                 </a:solidFill>
               </a:rPr>
-              <a:t>m</a:t>
+              <a:t>mp4</a:t>
             </a:r>
-            <a:r>
-              <a:rPr lang="en" sz="1400">
-                <a:solidFill>
-                  <a:schemeClr val="lt1"/>
-                </a:solidFill>
-              </a:rPr>
-              <a:t>p4</a:t>
-            </a:r>
-            <a:endParaRPr sz="1400">
+            <a:endParaRPr sz="1400" dirty="0">
               <a:solidFill>
                 <a:schemeClr val="lt1"/>
               </a:solidFill>
             </a:endParaRPr>
           </a:p>
           <a:p>
-            <a:pPr indent="-317500" lvl="0" marL="457200" rtl="0" algn="l">
+            <a:pPr marL="457200" lvl="0" indent="-317500" algn="l" rtl="0">
               <a:spcBef>
                 <a:spcPts val="0"/>
               </a:spcBef>
@@ -8090,29 +8249,21 @@
               <a:buChar char="●"/>
             </a:pPr>
             <a:r>
-              <a:rPr lang="en" sz="1400">
+              <a:rPr lang="en" sz="1400" dirty="0">
                 <a:solidFill>
                   <a:schemeClr val="lt1"/>
                 </a:solidFill>
               </a:rPr>
-              <a:t>m</a:t>
+              <a:t>mkv</a:t>
             </a:r>
-            <a:r>
-              <a:rPr lang="en" sz="1400">
-                <a:solidFill>
-                  <a:schemeClr val="lt1"/>
-                </a:solidFill>
-              </a:rPr>
-              <a:t>kv</a:t>
-            </a:r>
-            <a:endParaRPr sz="1400">
+            <a:endParaRPr sz="1400" dirty="0">
               <a:solidFill>
                 <a:schemeClr val="lt1"/>
               </a:solidFill>
             </a:endParaRPr>
           </a:p>
           <a:p>
-            <a:pPr indent="-317500" lvl="0" marL="457200" rtl="0" algn="l">
+            <a:pPr marL="457200" lvl="0" indent="-317500" algn="l" rtl="0">
               <a:spcBef>
                 <a:spcPts val="0"/>
               </a:spcBef>
@@ -8126,29 +8277,21 @@
               <a:buChar char="●"/>
             </a:pPr>
             <a:r>
-              <a:rPr lang="en" sz="1400">
+              <a:rPr lang="en" sz="1400" dirty="0">
                 <a:solidFill>
                   <a:schemeClr val="lt1"/>
                 </a:solidFill>
               </a:rPr>
-              <a:t>m</a:t>
+              <a:t>mov</a:t>
             </a:r>
-            <a:r>
-              <a:rPr lang="en" sz="1400">
-                <a:solidFill>
-                  <a:schemeClr val="lt1"/>
-                </a:solidFill>
-              </a:rPr>
-              <a:t>ov</a:t>
-            </a:r>
-            <a:endParaRPr sz="1400">
+            <a:endParaRPr sz="1400" dirty="0">
               <a:solidFill>
                 <a:schemeClr val="lt1"/>
               </a:solidFill>
             </a:endParaRPr>
           </a:p>
           <a:p>
-            <a:pPr indent="-317500" lvl="0" marL="457200" rtl="0" algn="l">
+            <a:pPr marL="457200" lvl="0" indent="-317500" algn="l" rtl="0">
               <a:spcBef>
                 <a:spcPts val="0"/>
               </a:spcBef>
@@ -8162,29 +8305,21 @@
               <a:buChar char="●"/>
             </a:pPr>
             <a:r>
-              <a:rPr lang="en" sz="1400">
+              <a:rPr lang="en" sz="1400" dirty="0">
                 <a:solidFill>
                   <a:schemeClr val="lt1"/>
                 </a:solidFill>
               </a:rPr>
-              <a:t>a</a:t>
+              <a:t>avi</a:t>
             </a:r>
-            <a:r>
-              <a:rPr lang="en" sz="1400">
-                <a:solidFill>
-                  <a:schemeClr val="lt1"/>
-                </a:solidFill>
-              </a:rPr>
-              <a:t>vi</a:t>
-            </a:r>
-            <a:endParaRPr sz="1400">
+            <a:endParaRPr sz="1400" dirty="0">
               <a:solidFill>
                 <a:schemeClr val="lt1"/>
               </a:solidFill>
             </a:endParaRPr>
           </a:p>
           <a:p>
-            <a:pPr indent="-317500" lvl="0" marL="457200" rtl="0" algn="l">
+            <a:pPr marL="457200" lvl="0" indent="-317500" algn="l" rtl="0">
               <a:spcBef>
                 <a:spcPts val="0"/>
               </a:spcBef>
@@ -8198,29 +8333,21 @@
               <a:buChar char="●"/>
             </a:pPr>
             <a:r>
-              <a:rPr lang="en" sz="1400">
+              <a:rPr lang="en" sz="1400" dirty="0">
                 <a:solidFill>
                   <a:schemeClr val="lt1"/>
                 </a:solidFill>
               </a:rPr>
-              <a:t>w</a:t>
+              <a:t>wmv</a:t>
             </a:r>
-            <a:r>
-              <a:rPr lang="en" sz="1400">
-                <a:solidFill>
-                  <a:schemeClr val="lt1"/>
-                </a:solidFill>
-              </a:rPr>
-              <a:t>mv</a:t>
-            </a:r>
-            <a:endParaRPr sz="1400">
+            <a:endParaRPr sz="1400" dirty="0">
               <a:solidFill>
                 <a:schemeClr val="lt1"/>
               </a:solidFill>
             </a:endParaRPr>
           </a:p>
           <a:p>
-            <a:pPr indent="-317500" lvl="0" marL="457200" rtl="0" algn="l">
+            <a:pPr marL="139700" lvl="0" indent="0" algn="l" rtl="0">
               <a:spcBef>
                 <a:spcPts val="0"/>
               </a:spcBef>
@@ -8231,17 +8358,9 @@
                 <a:schemeClr val="lt1"/>
               </a:buClr>
               <a:buSzPts val="1400"/>
-              <a:buChar char="●"/>
+              <a:buNone/>
             </a:pPr>
-            <a:r>
-              <a:rPr lang="en" sz="1400">
-                <a:solidFill>
-                  <a:schemeClr val="lt1"/>
-                </a:solidFill>
-              </a:rPr>
-              <a:t>flv</a:t>
-            </a:r>
-            <a:endParaRPr sz="1400">
+            <a:endParaRPr sz="1400" dirty="0">
               <a:solidFill>
                 <a:schemeClr val="lt1"/>
               </a:solidFill>
@@ -8252,9 +8371,11 @@
       <p:sp>
         <p:nvSpPr>
           <p:cNvPr id="78" name="Google Shape;78;p15"/>
-          <p:cNvSpPr txBox="1"/>
+          <p:cNvSpPr txBox="1">
+            <a:spLocks noGrp="1"/>
+          </p:cNvSpPr>
           <p:nvPr>
-            <p:ph idx="1" type="body"/>
+            <p:ph type="body" idx="1"/>
           </p:nvPr>
         </p:nvSpPr>
         <p:spPr>
@@ -8267,12 +8388,12 @@
           </a:prstGeom>
         </p:spPr>
         <p:txBody>
-          <a:bodyPr anchorCtr="0" anchor="t" bIns="91425" lIns="91425" spcFirstLastPara="1" rIns="91425" wrap="square" tIns="91425">
+          <a:bodyPr spcFirstLastPara="1" wrap="square" lIns="91425" tIns="91425" rIns="91425" bIns="91425" anchor="t" anchorCtr="0">
             <a:normAutofit/>
           </a:bodyPr>
           <a:lstStyle/>
           <a:p>
-            <a:pPr indent="0" lvl="0" marL="0" rtl="0" algn="l">
+            <a:pPr marL="0" lvl="0" indent="0" algn="l" rtl="0">
               <a:spcBef>
                 <a:spcPts val="0"/>
               </a:spcBef>
@@ -8282,21 +8403,21 @@
               <a:buNone/>
             </a:pPr>
             <a:r>
-              <a:rPr lang="en" sz="1400">
+              <a:rPr lang="en" sz="1400" dirty="0">
                 <a:solidFill>
                   <a:schemeClr val="lt1"/>
                 </a:solidFill>
               </a:rPr>
               <a:t>Audio</a:t>
             </a:r>
-            <a:endParaRPr sz="1400">
+            <a:endParaRPr sz="1400" dirty="0">
               <a:solidFill>
                 <a:schemeClr val="lt1"/>
               </a:solidFill>
             </a:endParaRPr>
           </a:p>
           <a:p>
-            <a:pPr indent="-317500" lvl="0" marL="457200" rtl="0" algn="l">
+            <a:pPr marL="457200" lvl="0" indent="-317500" algn="l" rtl="0">
               <a:spcBef>
                 <a:spcPts val="1200"/>
               </a:spcBef>
@@ -8310,21 +8431,21 @@
               <a:buChar char="●"/>
             </a:pPr>
             <a:r>
-              <a:rPr lang="en" sz="1400">
+              <a:rPr lang="en" sz="1400" dirty="0">
                 <a:solidFill>
                   <a:schemeClr val="lt1"/>
                 </a:solidFill>
               </a:rPr>
               <a:t>mp3</a:t>
             </a:r>
-            <a:endParaRPr sz="1400">
+            <a:endParaRPr sz="1400" dirty="0">
               <a:solidFill>
                 <a:schemeClr val="lt1"/>
               </a:solidFill>
             </a:endParaRPr>
           </a:p>
           <a:p>
-            <a:pPr indent="-317500" lvl="0" marL="457200" rtl="0" algn="l">
+            <a:pPr marL="457200" lvl="0" indent="-317500" algn="l" rtl="0">
               <a:spcBef>
                 <a:spcPts val="0"/>
               </a:spcBef>
@@ -8338,21 +8459,21 @@
               <a:buChar char="●"/>
             </a:pPr>
             <a:r>
-              <a:rPr lang="en" sz="1400">
+              <a:rPr lang="en" sz="1400" dirty="0">
                 <a:solidFill>
                   <a:schemeClr val="lt1"/>
                 </a:solidFill>
               </a:rPr>
               <a:t>wav</a:t>
             </a:r>
-            <a:endParaRPr sz="1400">
+            <a:endParaRPr sz="1400" dirty="0">
               <a:solidFill>
                 <a:schemeClr val="lt1"/>
               </a:solidFill>
             </a:endParaRPr>
           </a:p>
           <a:p>
-            <a:pPr indent="-317500" lvl="0" marL="457200" rtl="0" algn="l">
+            <a:pPr marL="457200" lvl="0" indent="-317500" algn="l" rtl="0">
               <a:spcBef>
                 <a:spcPts val="0"/>
               </a:spcBef>
@@ -8366,21 +8487,21 @@
               <a:buChar char="●"/>
             </a:pPr>
             <a:r>
-              <a:rPr lang="en" sz="1400">
+              <a:rPr lang="en" sz="1400" dirty="0">
                 <a:solidFill>
                   <a:schemeClr val="lt1"/>
                 </a:solidFill>
               </a:rPr>
               <a:t>ogg</a:t>
             </a:r>
-            <a:endParaRPr sz="1400">
+            <a:endParaRPr sz="1400" dirty="0">
               <a:solidFill>
                 <a:schemeClr val="lt1"/>
               </a:solidFill>
             </a:endParaRPr>
           </a:p>
           <a:p>
-            <a:pPr indent="-317500" lvl="0" marL="457200" rtl="0" algn="l">
+            <a:pPr marL="457200" lvl="0" indent="-317500" algn="l" rtl="0">
               <a:spcBef>
                 <a:spcPts val="0"/>
               </a:spcBef>
@@ -8394,21 +8515,21 @@
               <a:buChar char="●"/>
             </a:pPr>
             <a:r>
-              <a:rPr lang="en" sz="1400">
+              <a:rPr lang="en" sz="1400" dirty="0">
                 <a:solidFill>
                   <a:schemeClr val="lt1"/>
                 </a:solidFill>
               </a:rPr>
               <a:t>flac</a:t>
             </a:r>
-            <a:endParaRPr sz="1400">
+            <a:endParaRPr sz="1400" dirty="0">
               <a:solidFill>
                 <a:schemeClr val="lt1"/>
               </a:solidFill>
             </a:endParaRPr>
           </a:p>
           <a:p>
-            <a:pPr indent="-317500" lvl="0" marL="457200" rtl="0" algn="l">
+            <a:pPr marL="457200" lvl="0" indent="-317500" algn="l" rtl="0">
               <a:spcBef>
                 <a:spcPts val="0"/>
               </a:spcBef>
@@ -8422,38 +8543,14 @@
               <a:buChar char="●"/>
             </a:pPr>
             <a:r>
-              <a:rPr lang="en" sz="1400">
+              <a:rPr lang="en" sz="1400" dirty="0">
                 <a:solidFill>
                   <a:schemeClr val="lt1"/>
                 </a:solidFill>
               </a:rPr>
-              <a:t>m</a:t>
+              <a:t>mp4 (upload only)</a:t>
             </a:r>
-            <a:r>
-              <a:rPr lang="en" sz="1400">
-                <a:solidFill>
-                  <a:schemeClr val="lt1"/>
-                </a:solidFill>
-              </a:rPr>
-              <a:t>p4</a:t>
-            </a:r>
-            <a:r>
-              <a:rPr lang="en" sz="1400">
-                <a:solidFill>
-                  <a:schemeClr val="lt1"/>
-                </a:solidFill>
-              </a:rPr>
-              <a:t> </a:t>
-            </a:r>
-            <a:r>
-              <a:rPr lang="en" sz="1400">
-                <a:solidFill>
-                  <a:schemeClr val="lt1"/>
-                </a:solidFill>
-              </a:rPr>
-              <a:t>(upload only)</a:t>
-            </a:r>
-            <a:endParaRPr sz="1400">
+            <a:endParaRPr sz="1400" dirty="0">
               <a:solidFill>
                 <a:schemeClr val="lt1"/>
               </a:solidFill>
@@ -8464,9 +8561,11 @@
       <p:sp>
         <p:nvSpPr>
           <p:cNvPr id="79" name="Google Shape;79;p15"/>
-          <p:cNvSpPr txBox="1"/>
+          <p:cNvSpPr txBox="1">
+            <a:spLocks noGrp="1"/>
+          </p:cNvSpPr>
           <p:nvPr>
-            <p:ph idx="1" type="body"/>
+            <p:ph type="body" idx="1"/>
           </p:nvPr>
         </p:nvSpPr>
         <p:spPr>
@@ -8479,12 +8578,12 @@
           </a:prstGeom>
         </p:spPr>
         <p:txBody>
-          <a:bodyPr anchorCtr="0" anchor="t" bIns="91425" lIns="91425" spcFirstLastPara="1" rIns="91425" wrap="square" tIns="91425">
+          <a:bodyPr spcFirstLastPara="1" wrap="square" lIns="91425" tIns="91425" rIns="91425" bIns="91425" anchor="t" anchorCtr="0">
             <a:normAutofit/>
           </a:bodyPr>
           <a:lstStyle/>
           <a:p>
-            <a:pPr indent="0" lvl="0" marL="0" rtl="0" algn="l">
+            <a:pPr marL="0" lvl="0" indent="0" algn="l" rtl="0">
               <a:spcBef>
                 <a:spcPts val="0"/>
               </a:spcBef>
@@ -8500,7 +8599,7 @@
             <a:endParaRPr sz="1400"/>
           </a:p>
           <a:p>
-            <a:pPr indent="-317500" lvl="0" marL="457200" rtl="0" algn="l">
+            <a:pPr marL="457200" lvl="0" indent="-317500" algn="l" rtl="0">
               <a:spcBef>
                 <a:spcPts val="1200"/>
               </a:spcBef>
@@ -8517,7 +8616,7 @@
             <a:endParaRPr sz="1400"/>
           </a:p>
           <a:p>
-            <a:pPr indent="-317500" lvl="0" marL="457200" rtl="0" algn="l">
+            <a:pPr marL="457200" lvl="0" indent="-317500" algn="l" rtl="0">
               <a:spcBef>
                 <a:spcPts val="0"/>
               </a:spcBef>
@@ -8534,7 +8633,7 @@
             <a:endParaRPr sz="1400"/>
           </a:p>
           <a:p>
-            <a:pPr indent="-317500" lvl="0" marL="457200" rtl="0" algn="l">
+            <a:pPr marL="457200" lvl="0" indent="-317500" algn="l" rtl="0">
               <a:spcBef>
                 <a:spcPts val="0"/>
               </a:spcBef>
@@ -8551,7 +8650,7 @@
             <a:endParaRPr sz="1400"/>
           </a:p>
           <a:p>
-            <a:pPr indent="-317500" lvl="0" marL="457200" rtl="0" algn="l">
+            <a:pPr marL="457200" lvl="0" indent="-317500" algn="l" rtl="0">
               <a:spcBef>
                 <a:spcPts val="0"/>
               </a:spcBef>
@@ -8568,7 +8667,7 @@
             <a:endParaRPr sz="1400"/>
           </a:p>
           <a:p>
-            <a:pPr indent="-317500" lvl="0" marL="457200" rtl="0" algn="l">
+            <a:pPr marL="457200" lvl="0" indent="-317500" algn="l" rtl="0">
               <a:spcBef>
                 <a:spcPts val="0"/>
               </a:spcBef>
@@ -8585,7 +8684,7 @@
             <a:endParaRPr sz="1400"/>
           </a:p>
           <a:p>
-            <a:pPr indent="-317500" lvl="0" marL="457200" rtl="0" algn="l">
+            <a:pPr marL="457200" lvl="0" indent="-317500" algn="l" rtl="0">
               <a:spcBef>
                 <a:spcPts val="0"/>
               </a:spcBef>
@@ -8606,9 +8705,11 @@
       <p:sp>
         <p:nvSpPr>
           <p:cNvPr id="80" name="Google Shape;80;p15"/>
-          <p:cNvSpPr txBox="1"/>
+          <p:cNvSpPr txBox="1">
+            <a:spLocks noGrp="1"/>
+          </p:cNvSpPr>
           <p:nvPr>
-            <p:ph idx="1" type="body"/>
+            <p:ph type="body" idx="1"/>
           </p:nvPr>
         </p:nvSpPr>
         <p:spPr>
@@ -8621,12 +8722,12 @@
           </a:prstGeom>
         </p:spPr>
         <p:txBody>
-          <a:bodyPr anchorCtr="0" anchor="t" bIns="91425" lIns="91425" spcFirstLastPara="1" rIns="91425" wrap="square" tIns="91425">
+          <a:bodyPr spcFirstLastPara="1" wrap="square" lIns="91425" tIns="91425" rIns="91425" bIns="91425" anchor="t" anchorCtr="0">
             <a:normAutofit/>
           </a:bodyPr>
           <a:lstStyle/>
           <a:p>
-            <a:pPr indent="0" lvl="0" marL="0" rtl="0" algn="l">
+            <a:pPr marL="0" lvl="0" indent="0" algn="l" rtl="0">
               <a:spcBef>
                 <a:spcPts val="0"/>
               </a:spcBef>
@@ -8642,7 +8743,7 @@
             <a:endParaRPr sz="1400"/>
           </a:p>
           <a:p>
-            <a:pPr indent="-317500" lvl="0" marL="457200" rtl="0" algn="l">
+            <a:pPr marL="457200" lvl="0" indent="-317500" algn="l" rtl="0">
               <a:spcBef>
                 <a:spcPts val="1200"/>
               </a:spcBef>
@@ -8659,7 +8760,7 @@
             <a:endParaRPr sz="1400"/>
           </a:p>
           <a:p>
-            <a:pPr indent="-317500" lvl="0" marL="457200" rtl="0" algn="l">
+            <a:pPr marL="457200" lvl="0" indent="-317500" algn="l" rtl="0">
               <a:spcBef>
                 <a:spcPts val="0"/>
               </a:spcBef>
@@ -8686,11 +8787,11 @@
 </file>
 
 <file path=ppt/slides/slide4.xml><?xml version="1.0" encoding="utf-8"?>
-<p:sld xmlns:a="http://schemas.openxmlformats.org/drawingml/2006/main" xmlns:r="http://schemas.openxmlformats.org/officeDocument/2006/relationships" xmlns:mc="http://schemas.openxmlformats.org/markup-compatibility/2006" xmlns:mv="urn:schemas-microsoft-com:mac:vml" xmlns:p="http://schemas.openxmlformats.org/presentationml/2006/main" xmlns:c="http://schemas.openxmlformats.org/drawingml/2006/chart" xmlns:dgm="http://schemas.openxmlformats.org/drawingml/2006/diagram" xmlns:o="urn:schemas-microsoft-com:office:office" xmlns:v="urn:schemas-microsoft-com:vml" xmlns:pvml="urn:schemas-microsoft-com:office:powerpoint" xmlns:com="http://schemas.openxmlformats.org/drawingml/2006/compatibility" xmlns:p14="http://schemas.microsoft.com/office/powerpoint/2010/main" xmlns:p15="http://schemas.microsoft.com/office/powerpoint/2012/main" xmlns:ahyp="http://schemas.microsoft.com/office/drawing/2018/hyperlinkcolor">
+<p:sld xmlns:a="http://schemas.openxmlformats.org/drawingml/2006/main" xmlns:r="http://schemas.openxmlformats.org/officeDocument/2006/relationships" xmlns:p="http://schemas.openxmlformats.org/presentationml/2006/main">
   <p:cSld>
     <p:spTree>
       <p:nvGrpSpPr>
-        <p:cNvPr id="84" name="Shape 84"/>
+        <p:cNvPr id="1" name="Shape 84"/>
         <p:cNvGrpSpPr/>
         <p:nvPr/>
       </p:nvGrpSpPr>
@@ -8705,7 +8806,9 @@
       <p:sp>
         <p:nvSpPr>
           <p:cNvPr id="85" name="Google Shape;85;p16"/>
-          <p:cNvSpPr txBox="1"/>
+          <p:cNvSpPr txBox="1">
+            <a:spLocks noGrp="1"/>
+          </p:cNvSpPr>
           <p:nvPr>
             <p:ph type="title"/>
           </p:nvPr>
@@ -8720,12 +8823,12 @@
           </a:prstGeom>
         </p:spPr>
         <p:txBody>
-          <a:bodyPr anchorCtr="0" anchor="t" bIns="91425" lIns="91425" spcFirstLastPara="1" rIns="91425" wrap="square" tIns="91425">
+          <a:bodyPr spcFirstLastPara="1" wrap="square" lIns="91425" tIns="91425" rIns="91425" bIns="91425" anchor="t" anchorCtr="0">
             <a:normAutofit/>
           </a:bodyPr>
           <a:lstStyle/>
           <a:p>
-            <a:pPr indent="0" lvl="0" marL="0" rtl="0" algn="l">
+            <a:pPr marL="0" lvl="0" indent="0" algn="l" rtl="0">
               <a:spcBef>
                 <a:spcPts val="0"/>
               </a:spcBef>
@@ -8745,9 +8848,11 @@
       <p:sp>
         <p:nvSpPr>
           <p:cNvPr id="86" name="Google Shape;86;p16"/>
-          <p:cNvSpPr txBox="1"/>
+          <p:cNvSpPr txBox="1">
+            <a:spLocks noGrp="1"/>
+          </p:cNvSpPr>
           <p:nvPr>
-            <p:ph idx="1" type="body"/>
+            <p:ph type="body" idx="1"/>
           </p:nvPr>
         </p:nvSpPr>
         <p:spPr>
@@ -8760,12 +8865,12 @@
           </a:prstGeom>
         </p:spPr>
         <p:txBody>
-          <a:bodyPr anchorCtr="0" anchor="t" bIns="91425" lIns="91425" spcFirstLastPara="1" rIns="91425" wrap="square" tIns="91425">
+          <a:bodyPr spcFirstLastPara="1" wrap="square" lIns="91425" tIns="91425" rIns="91425" bIns="91425" anchor="t" anchorCtr="0">
             <a:normAutofit/>
           </a:bodyPr>
           <a:lstStyle/>
           <a:p>
-            <a:pPr indent="-323850" lvl="0" marL="457200" rtl="0" algn="l">
+            <a:pPr marL="457200" lvl="0" indent="-323850" algn="l" rtl="0">
               <a:spcBef>
                 <a:spcPts val="0"/>
               </a:spcBef>
@@ -8782,7 +8887,7 @@
             <a:endParaRPr sz="1500"/>
           </a:p>
           <a:p>
-            <a:pPr indent="-323850" lvl="0" marL="457200" rtl="0" algn="l">
+            <a:pPr marL="457200" lvl="0" indent="-323850" algn="l" rtl="0">
               <a:spcBef>
                 <a:spcPts val="0"/>
               </a:spcBef>
@@ -8799,7 +8904,7 @@
             <a:endParaRPr sz="1500"/>
           </a:p>
           <a:p>
-            <a:pPr indent="-323850" lvl="0" marL="457200" rtl="0" algn="l">
+            <a:pPr marL="457200" lvl="0" indent="-323850" algn="l" rtl="0">
               <a:spcBef>
                 <a:spcPts val="0"/>
               </a:spcBef>
@@ -8816,7 +8921,7 @@
             <a:endParaRPr sz="1500"/>
           </a:p>
           <a:p>
-            <a:pPr indent="-323850" lvl="0" marL="457200" rtl="0" algn="l">
+            <a:pPr marL="457200" lvl="0" indent="-323850" algn="l" rtl="0">
               <a:spcBef>
                 <a:spcPts val="0"/>
               </a:spcBef>
@@ -8833,7 +8938,7 @@
             <a:endParaRPr sz="1500"/>
           </a:p>
           <a:p>
-            <a:pPr indent="-323850" lvl="0" marL="457200" rtl="0" algn="l">
+            <a:pPr marL="457200" lvl="0" indent="-323850" algn="l" rtl="0">
               <a:spcBef>
                 <a:spcPts val="0"/>
               </a:spcBef>
@@ -8888,11 +8993,11 @@
 </file>
 
 <file path=ppt/slides/slide5.xml><?xml version="1.0" encoding="utf-8"?>
-<p:sld xmlns:a="http://schemas.openxmlformats.org/drawingml/2006/main" xmlns:r="http://schemas.openxmlformats.org/officeDocument/2006/relationships" xmlns:mc="http://schemas.openxmlformats.org/markup-compatibility/2006" xmlns:mv="urn:schemas-microsoft-com:mac:vml" xmlns:p="http://schemas.openxmlformats.org/presentationml/2006/main" xmlns:c="http://schemas.openxmlformats.org/drawingml/2006/chart" xmlns:dgm="http://schemas.openxmlformats.org/drawingml/2006/diagram" xmlns:o="urn:schemas-microsoft-com:office:office" xmlns:v="urn:schemas-microsoft-com:vml" xmlns:pvml="urn:schemas-microsoft-com:office:powerpoint" xmlns:com="http://schemas.openxmlformats.org/drawingml/2006/compatibility" xmlns:p14="http://schemas.microsoft.com/office/powerpoint/2010/main" xmlns:p15="http://schemas.microsoft.com/office/powerpoint/2012/main" xmlns:ahyp="http://schemas.microsoft.com/office/drawing/2018/hyperlinkcolor">
+<p:sld xmlns:a="http://schemas.openxmlformats.org/drawingml/2006/main" xmlns:r="http://schemas.openxmlformats.org/officeDocument/2006/relationships" xmlns:p="http://schemas.openxmlformats.org/presentationml/2006/main">
   <p:cSld>
     <p:spTree>
       <p:nvGrpSpPr>
-        <p:cNvPr id="91" name="Shape 91"/>
+        <p:cNvPr id="1" name="Shape 91"/>
         <p:cNvGrpSpPr/>
         <p:nvPr/>
       </p:nvGrpSpPr>
@@ -8907,7 +9012,9 @@
       <p:sp>
         <p:nvSpPr>
           <p:cNvPr id="92" name="Google Shape;92;p17"/>
-          <p:cNvSpPr txBox="1"/>
+          <p:cNvSpPr txBox="1">
+            <a:spLocks noGrp="1"/>
+          </p:cNvSpPr>
           <p:nvPr>
             <p:ph type="title"/>
           </p:nvPr>
@@ -8922,12 +9029,12 @@
           </a:prstGeom>
         </p:spPr>
         <p:txBody>
-          <a:bodyPr anchorCtr="0" anchor="t" bIns="91425" lIns="91425" spcFirstLastPara="1" rIns="91425" wrap="square" tIns="91425">
+          <a:bodyPr spcFirstLastPara="1" wrap="square" lIns="91425" tIns="91425" rIns="91425" bIns="91425" anchor="t" anchorCtr="0">
             <a:normAutofit/>
           </a:bodyPr>
           <a:lstStyle/>
           <a:p>
-            <a:pPr indent="0" lvl="0" marL="0" rtl="0" algn="l">
+            <a:pPr marL="0" lvl="0" indent="0" algn="l" rtl="0">
               <a:spcBef>
                 <a:spcPts val="0"/>
               </a:spcBef>
@@ -8981,11 +9088,11 @@
 </file>
 
 <file path=ppt/slides/slide6.xml><?xml version="1.0" encoding="utf-8"?>
-<p:sld xmlns:a="http://schemas.openxmlformats.org/drawingml/2006/main" xmlns:r="http://schemas.openxmlformats.org/officeDocument/2006/relationships" xmlns:mc="http://schemas.openxmlformats.org/markup-compatibility/2006" xmlns:mv="urn:schemas-microsoft-com:mac:vml" xmlns:p="http://schemas.openxmlformats.org/presentationml/2006/main" xmlns:c="http://schemas.openxmlformats.org/drawingml/2006/chart" xmlns:dgm="http://schemas.openxmlformats.org/drawingml/2006/diagram" xmlns:o="urn:schemas-microsoft-com:office:office" xmlns:v="urn:schemas-microsoft-com:vml" xmlns:pvml="urn:schemas-microsoft-com:office:powerpoint" xmlns:com="http://schemas.openxmlformats.org/drawingml/2006/compatibility" xmlns:p14="http://schemas.microsoft.com/office/powerpoint/2010/main" xmlns:p15="http://schemas.microsoft.com/office/powerpoint/2012/main" xmlns:ahyp="http://schemas.microsoft.com/office/drawing/2018/hyperlinkcolor">
+<p:sld xmlns:a="http://schemas.openxmlformats.org/drawingml/2006/main" xmlns:r="http://schemas.openxmlformats.org/officeDocument/2006/relationships" xmlns:p="http://schemas.openxmlformats.org/presentationml/2006/main">
   <p:cSld>
     <p:spTree>
       <p:nvGrpSpPr>
-        <p:cNvPr id="97" name="Shape 97"/>
+        <p:cNvPr id="1" name="Shape 97"/>
         <p:cNvGrpSpPr/>
         <p:nvPr/>
       </p:nvGrpSpPr>
@@ -9000,7 +9107,9 @@
       <p:sp>
         <p:nvSpPr>
           <p:cNvPr id="98" name="Google Shape;98;p18"/>
-          <p:cNvSpPr txBox="1"/>
+          <p:cNvSpPr txBox="1">
+            <a:spLocks noGrp="1"/>
+          </p:cNvSpPr>
           <p:nvPr>
             <p:ph type="title"/>
           </p:nvPr>
@@ -9015,12 +9124,12 @@
           </a:prstGeom>
         </p:spPr>
         <p:txBody>
-          <a:bodyPr anchorCtr="0" anchor="t" bIns="91425" lIns="91425" spcFirstLastPara="1" rIns="91425" wrap="square" tIns="91425">
+          <a:bodyPr spcFirstLastPara="1" wrap="square" lIns="91425" tIns="91425" rIns="91425" bIns="91425" anchor="t" anchorCtr="0">
             <a:normAutofit/>
           </a:bodyPr>
           <a:lstStyle/>
           <a:p>
-            <a:pPr indent="0" lvl="0" marL="0" rtl="0" algn="l">
+            <a:pPr marL="0" lvl="0" indent="0" algn="l" rtl="0">
               <a:spcBef>
                 <a:spcPts val="0"/>
               </a:spcBef>
@@ -9040,9 +9149,11 @@
       <p:sp>
         <p:nvSpPr>
           <p:cNvPr id="99" name="Google Shape;99;p18"/>
-          <p:cNvSpPr txBox="1"/>
+          <p:cNvSpPr txBox="1">
+            <a:spLocks noGrp="1"/>
+          </p:cNvSpPr>
           <p:nvPr>
-            <p:ph idx="1" type="body"/>
+            <p:ph type="body" idx="1"/>
           </p:nvPr>
         </p:nvSpPr>
         <p:spPr>
@@ -9055,12 +9166,12 @@
           </a:prstGeom>
         </p:spPr>
         <p:txBody>
-          <a:bodyPr anchorCtr="0" anchor="t" bIns="91425" lIns="91425" spcFirstLastPara="1" rIns="91425" wrap="square" tIns="91425">
+          <a:bodyPr spcFirstLastPara="1" wrap="square" lIns="91425" tIns="91425" rIns="91425" bIns="91425" anchor="t" anchorCtr="0">
             <a:normAutofit/>
           </a:bodyPr>
           <a:lstStyle/>
           <a:p>
-            <a:pPr indent="-323850" lvl="0" marL="457200" rtl="0" algn="l">
+            <a:pPr marL="457200" lvl="0" indent="-323850" algn="l" rtl="0">
               <a:spcBef>
                 <a:spcPts val="0"/>
               </a:spcBef>
@@ -9086,7 +9197,7 @@
             <a:endParaRPr sz="1500"/>
           </a:p>
           <a:p>
-            <a:pPr indent="-323850" lvl="0" marL="457200" rtl="0" algn="l">
+            <a:pPr marL="457200" lvl="0" indent="-323850" algn="l" rtl="0">
               <a:spcBef>
                 <a:spcPts val="0"/>
               </a:spcBef>
@@ -9103,7 +9214,7 @@
             <a:endParaRPr sz="1500"/>
           </a:p>
           <a:p>
-            <a:pPr indent="-323850" lvl="0" marL="457200" rtl="0" algn="l">
+            <a:pPr marL="457200" lvl="0" indent="-323850" algn="l" rtl="0">
               <a:spcBef>
                 <a:spcPts val="0"/>
               </a:spcBef>
@@ -9120,7 +9231,7 @@
             <a:endParaRPr sz="1500"/>
           </a:p>
           <a:p>
-            <a:pPr indent="-323850" lvl="0" marL="457200" rtl="0" algn="l">
+            <a:pPr marL="457200" lvl="0" indent="-323850" algn="l" rtl="0">
               <a:spcBef>
                 <a:spcPts val="0"/>
               </a:spcBef>
@@ -9137,7 +9248,7 @@
             <a:endParaRPr sz="1500"/>
           </a:p>
           <a:p>
-            <a:pPr indent="-323850" lvl="0" marL="457200" rtl="0" algn="l">
+            <a:pPr marL="457200" lvl="0" indent="-323850" algn="l" rtl="0">
               <a:spcBef>
                 <a:spcPts val="0"/>
               </a:spcBef>
@@ -9154,7 +9265,7 @@
             <a:endParaRPr sz="1500"/>
           </a:p>
           <a:p>
-            <a:pPr indent="-323850" lvl="0" marL="457200" rtl="0" algn="l">
+            <a:pPr marL="457200" lvl="0" indent="-323850" algn="l" rtl="0">
               <a:spcBef>
                 <a:spcPts val="0"/>
               </a:spcBef>
@@ -9171,7 +9282,7 @@
             <a:endParaRPr sz="1500"/>
           </a:p>
           <a:p>
-            <a:pPr indent="-323850" lvl="0" marL="457200" rtl="0" algn="l">
+            <a:pPr marL="457200" lvl="0" indent="-323850" algn="l" rtl="0">
               <a:spcBef>
                 <a:spcPts val="0"/>
               </a:spcBef>
@@ -9198,11 +9309,11 @@
 </file>
 
 <file path=ppt/slides/slide7.xml><?xml version="1.0" encoding="utf-8"?>
-<p:sld xmlns:a="http://schemas.openxmlformats.org/drawingml/2006/main" xmlns:r="http://schemas.openxmlformats.org/officeDocument/2006/relationships" xmlns:mc="http://schemas.openxmlformats.org/markup-compatibility/2006" xmlns:mv="urn:schemas-microsoft-com:mac:vml" xmlns:p="http://schemas.openxmlformats.org/presentationml/2006/main" xmlns:c="http://schemas.openxmlformats.org/drawingml/2006/chart" xmlns:dgm="http://schemas.openxmlformats.org/drawingml/2006/diagram" xmlns:o="urn:schemas-microsoft-com:office:office" xmlns:v="urn:schemas-microsoft-com:vml" xmlns:pvml="urn:schemas-microsoft-com:office:powerpoint" xmlns:com="http://schemas.openxmlformats.org/drawingml/2006/compatibility" xmlns:p14="http://schemas.microsoft.com/office/powerpoint/2010/main" xmlns:p15="http://schemas.microsoft.com/office/powerpoint/2012/main" xmlns:ahyp="http://schemas.microsoft.com/office/drawing/2018/hyperlinkcolor">
+<p:sld xmlns:a="http://schemas.openxmlformats.org/drawingml/2006/main" xmlns:r="http://schemas.openxmlformats.org/officeDocument/2006/relationships" xmlns:p="http://schemas.openxmlformats.org/presentationml/2006/main">
   <p:cSld>
     <p:spTree>
       <p:nvGrpSpPr>
-        <p:cNvPr id="103" name="Shape 103"/>
+        <p:cNvPr id="1" name="Shape 103"/>
         <p:cNvGrpSpPr/>
         <p:nvPr/>
       </p:nvGrpSpPr>
@@ -9217,7 +9328,9 @@
       <p:sp>
         <p:nvSpPr>
           <p:cNvPr id="104" name="Google Shape;104;p19"/>
-          <p:cNvSpPr txBox="1"/>
+          <p:cNvSpPr txBox="1">
+            <a:spLocks noGrp="1"/>
+          </p:cNvSpPr>
           <p:nvPr>
             <p:ph type="title"/>
           </p:nvPr>
@@ -9232,12 +9345,12 @@
           </a:prstGeom>
         </p:spPr>
         <p:txBody>
-          <a:bodyPr anchorCtr="0" anchor="t" bIns="91425" lIns="91425" spcFirstLastPara="1" rIns="91425" wrap="square" tIns="91425">
+          <a:bodyPr spcFirstLastPara="1" wrap="square" lIns="91425" tIns="91425" rIns="91425" bIns="91425" anchor="t" anchorCtr="0">
             <a:normAutofit/>
           </a:bodyPr>
           <a:lstStyle/>
           <a:p>
-            <a:pPr indent="0" lvl="0" marL="0" rtl="0" algn="l">
+            <a:pPr marL="0" lvl="0" indent="0" algn="l" rtl="0">
               <a:spcBef>
                 <a:spcPts val="0"/>
               </a:spcBef>
@@ -9246,9 +9359,6 @@
               </a:spcAft>
               <a:buNone/>
             </a:pPr>
-            <a:r>
-              <a:t/>
-            </a:r>
             <a:endParaRPr/>
           </a:p>
         </p:txBody>
@@ -9256,9 +9366,11 @@
       <p:sp>
         <p:nvSpPr>
           <p:cNvPr id="105" name="Google Shape;105;p19"/>
-          <p:cNvSpPr txBox="1"/>
+          <p:cNvSpPr txBox="1">
+            <a:spLocks noGrp="1"/>
+          </p:cNvSpPr>
           <p:nvPr>
-            <p:ph idx="1" type="body"/>
+            <p:ph type="body" idx="1"/>
           </p:nvPr>
         </p:nvSpPr>
         <p:spPr>
@@ -9271,12 +9383,12 @@
           </a:prstGeom>
         </p:spPr>
         <p:txBody>
-          <a:bodyPr anchorCtr="0" anchor="t" bIns="91425" lIns="91425" spcFirstLastPara="1" rIns="91425" wrap="square" tIns="91425">
+          <a:bodyPr spcFirstLastPara="1" wrap="square" lIns="91425" tIns="91425" rIns="91425" bIns="91425" anchor="t" anchorCtr="0">
             <a:normAutofit/>
           </a:bodyPr>
           <a:lstStyle/>
           <a:p>
-            <a:pPr indent="0" lvl="0" marL="0" rtl="0" algn="l">
+            <a:pPr marL="0" lvl="0" indent="0" algn="l" rtl="0">
               <a:spcBef>
                 <a:spcPts val="0"/>
               </a:spcBef>
@@ -9285,9 +9397,6 @@
               </a:spcAft>
               <a:buNone/>
             </a:pPr>
-            <a:r>
-              <a:t/>
-            </a:r>
             <a:endParaRPr/>
           </a:p>
         </p:txBody>
@@ -9333,7 +9442,7 @@
           </a:xfrm>
           <a:prstGeom prst="roundRect">
             <a:avLst>
-              <a:gd fmla="val 16667" name="adj"/>
+              <a:gd name="adj" fmla="val 16667"/>
             </a:avLst>
           </a:prstGeom>
           <a:solidFill>
@@ -9344,12 +9453,12 @@
           </a:ln>
         </p:spPr>
         <p:txBody>
-          <a:bodyPr anchorCtr="0" anchor="ctr" bIns="91425" lIns="91425" spcFirstLastPara="1" rIns="91425" wrap="square" tIns="91425">
+          <a:bodyPr spcFirstLastPara="1" wrap="square" lIns="91425" tIns="91425" rIns="91425" bIns="91425" anchor="ctr" anchorCtr="0">
             <a:noAutofit/>
           </a:bodyPr>
           <a:lstStyle/>
           <a:p>
-            <a:pPr indent="0" lvl="0" marL="0" rtl="0" algn="l">
+            <a:pPr marL="0" lvl="0" indent="0" algn="l" rtl="0">
               <a:spcBef>
                 <a:spcPts val="0"/>
               </a:spcBef>
@@ -9358,9 +9467,6 @@
               </a:spcAft>
               <a:buNone/>
             </a:pPr>
-            <a:r>
-              <a:t/>
-            </a:r>
             <a:endParaRPr/>
           </a:p>
         </p:txBody>
@@ -9378,7 +9484,7 @@
           </a:xfrm>
           <a:prstGeom prst="roundRect">
             <a:avLst>
-              <a:gd fmla="val 16667" name="adj"/>
+              <a:gd name="adj" fmla="val 16667"/>
             </a:avLst>
           </a:prstGeom>
           <a:solidFill>
@@ -9389,12 +9495,12 @@
           </a:ln>
         </p:spPr>
         <p:txBody>
-          <a:bodyPr anchorCtr="0" anchor="ctr" bIns="91425" lIns="91425" spcFirstLastPara="1" rIns="91425" wrap="square" tIns="91425">
+          <a:bodyPr spcFirstLastPara="1" wrap="square" lIns="91425" tIns="91425" rIns="91425" bIns="91425" anchor="ctr" anchorCtr="0">
             <a:noAutofit/>
           </a:bodyPr>
           <a:lstStyle/>
           <a:p>
-            <a:pPr indent="0" lvl="0" marL="0" rtl="0" algn="l">
+            <a:pPr marL="0" lvl="0" indent="0" algn="l" rtl="0">
               <a:spcBef>
                 <a:spcPts val="0"/>
               </a:spcBef>
@@ -9403,9 +9509,6 @@
               </a:spcAft>
               <a:buNone/>
             </a:pPr>
-            <a:r>
-              <a:t/>
-            </a:r>
             <a:endParaRPr/>
           </a:p>
         </p:txBody>
@@ -9419,11 +9522,11 @@
 </file>
 
 <file path=ppt/slides/slide8.xml><?xml version="1.0" encoding="utf-8"?>
-<p:sld xmlns:a="http://schemas.openxmlformats.org/drawingml/2006/main" xmlns:r="http://schemas.openxmlformats.org/officeDocument/2006/relationships" xmlns:mc="http://schemas.openxmlformats.org/markup-compatibility/2006" xmlns:mv="urn:schemas-microsoft-com:mac:vml" xmlns:p="http://schemas.openxmlformats.org/presentationml/2006/main" xmlns:c="http://schemas.openxmlformats.org/drawingml/2006/chart" xmlns:dgm="http://schemas.openxmlformats.org/drawingml/2006/diagram" xmlns:o="urn:schemas-microsoft-com:office:office" xmlns:v="urn:schemas-microsoft-com:vml" xmlns:pvml="urn:schemas-microsoft-com:office:powerpoint" xmlns:com="http://schemas.openxmlformats.org/drawingml/2006/compatibility" xmlns:p14="http://schemas.microsoft.com/office/powerpoint/2010/main" xmlns:p15="http://schemas.microsoft.com/office/powerpoint/2012/main" xmlns:ahyp="http://schemas.microsoft.com/office/drawing/2018/hyperlinkcolor">
+<p:sld xmlns:a="http://schemas.openxmlformats.org/drawingml/2006/main" xmlns:r="http://schemas.openxmlformats.org/officeDocument/2006/relationships" xmlns:p="http://schemas.openxmlformats.org/presentationml/2006/main">
   <p:cSld>
     <p:spTree>
       <p:nvGrpSpPr>
-        <p:cNvPr id="112" name="Shape 112"/>
+        <p:cNvPr id="1" name="Shape 112"/>
         <p:cNvGrpSpPr/>
         <p:nvPr/>
       </p:nvGrpSpPr>
@@ -9438,7 +9541,9 @@
       <p:sp>
         <p:nvSpPr>
           <p:cNvPr id="113" name="Google Shape;113;p20"/>
-          <p:cNvSpPr txBox="1"/>
+          <p:cNvSpPr txBox="1">
+            <a:spLocks noGrp="1"/>
+          </p:cNvSpPr>
           <p:nvPr>
             <p:ph type="title"/>
           </p:nvPr>
@@ -9453,12 +9558,12 @@
           </a:prstGeom>
         </p:spPr>
         <p:txBody>
-          <a:bodyPr anchorCtr="0" anchor="t" bIns="91425" lIns="91425" spcFirstLastPara="1" rIns="91425" wrap="square" tIns="91425">
+          <a:bodyPr spcFirstLastPara="1" wrap="square" lIns="91425" tIns="91425" rIns="91425" bIns="91425" anchor="t" anchorCtr="0">
             <a:normAutofit/>
           </a:bodyPr>
           <a:lstStyle/>
           <a:p>
-            <a:pPr indent="0" lvl="0" marL="0" rtl="0" algn="l">
+            <a:pPr marL="0" lvl="0" indent="0" algn="l" rtl="0">
               <a:spcBef>
                 <a:spcPts val="0"/>
               </a:spcBef>
@@ -9467,9 +9572,6 @@
               </a:spcAft>
               <a:buNone/>
             </a:pPr>
-            <a:r>
-              <a:t/>
-            </a:r>
             <a:endParaRPr/>
           </a:p>
         </p:txBody>
@@ -9477,9 +9579,11 @@
       <p:sp>
         <p:nvSpPr>
           <p:cNvPr id="114" name="Google Shape;114;p20"/>
-          <p:cNvSpPr txBox="1"/>
+          <p:cNvSpPr txBox="1">
+            <a:spLocks noGrp="1"/>
+          </p:cNvSpPr>
           <p:nvPr>
-            <p:ph idx="1" type="body"/>
+            <p:ph type="body" idx="1"/>
           </p:nvPr>
         </p:nvSpPr>
         <p:spPr>
@@ -9492,12 +9596,12 @@
           </a:prstGeom>
         </p:spPr>
         <p:txBody>
-          <a:bodyPr anchorCtr="0" anchor="t" bIns="91425" lIns="91425" spcFirstLastPara="1" rIns="91425" wrap="square" tIns="91425">
+          <a:bodyPr spcFirstLastPara="1" wrap="square" lIns="91425" tIns="91425" rIns="91425" bIns="91425" anchor="t" anchorCtr="0">
             <a:normAutofit/>
           </a:bodyPr>
           <a:lstStyle/>
           <a:p>
-            <a:pPr indent="0" lvl="0" marL="0" rtl="0" algn="l">
+            <a:pPr marL="0" lvl="0" indent="0" algn="l" rtl="0">
               <a:spcBef>
                 <a:spcPts val="0"/>
               </a:spcBef>
@@ -9506,9 +9610,6 @@
               </a:spcAft>
               <a:buNone/>
             </a:pPr>
-            <a:r>
-              <a:t/>
-            </a:r>
             <a:endParaRPr/>
           </a:p>
         </p:txBody>
@@ -9550,11 +9651,11 @@
 </file>
 
 <file path=ppt/slides/slide9.xml><?xml version="1.0" encoding="utf-8"?>
-<p:sld xmlns:a="http://schemas.openxmlformats.org/drawingml/2006/main" xmlns:r="http://schemas.openxmlformats.org/officeDocument/2006/relationships" xmlns:mc="http://schemas.openxmlformats.org/markup-compatibility/2006" xmlns:mv="urn:schemas-microsoft-com:mac:vml" xmlns:p="http://schemas.openxmlformats.org/presentationml/2006/main" xmlns:c="http://schemas.openxmlformats.org/drawingml/2006/chart" xmlns:dgm="http://schemas.openxmlformats.org/drawingml/2006/diagram" xmlns:o="urn:schemas-microsoft-com:office:office" xmlns:v="urn:schemas-microsoft-com:vml" xmlns:pvml="urn:schemas-microsoft-com:office:powerpoint" xmlns:com="http://schemas.openxmlformats.org/drawingml/2006/compatibility" xmlns:p14="http://schemas.microsoft.com/office/powerpoint/2010/main" xmlns:p15="http://schemas.microsoft.com/office/powerpoint/2012/main" xmlns:ahyp="http://schemas.microsoft.com/office/drawing/2018/hyperlinkcolor">
+<p:sld xmlns:a="http://schemas.openxmlformats.org/drawingml/2006/main" xmlns:r="http://schemas.openxmlformats.org/officeDocument/2006/relationships" xmlns:p="http://schemas.openxmlformats.org/presentationml/2006/main">
   <p:cSld>
     <p:spTree>
       <p:nvGrpSpPr>
-        <p:cNvPr id="119" name="Shape 119"/>
+        <p:cNvPr id="1" name="Shape 119"/>
         <p:cNvGrpSpPr/>
         <p:nvPr/>
       </p:nvGrpSpPr>
@@ -9569,7 +9670,9 @@
       <p:sp>
         <p:nvSpPr>
           <p:cNvPr id="120" name="Google Shape;120;p21"/>
-          <p:cNvSpPr txBox="1"/>
+          <p:cNvSpPr txBox="1">
+            <a:spLocks noGrp="1"/>
+          </p:cNvSpPr>
           <p:nvPr>
             <p:ph type="title"/>
           </p:nvPr>
@@ -9584,12 +9687,12 @@
           </a:prstGeom>
         </p:spPr>
         <p:txBody>
-          <a:bodyPr anchorCtr="0" anchor="t" bIns="91425" lIns="91425" spcFirstLastPara="1" rIns="91425" wrap="square" tIns="91425">
+          <a:bodyPr spcFirstLastPara="1" wrap="square" lIns="91425" tIns="91425" rIns="91425" bIns="91425" anchor="t" anchorCtr="0">
             <a:normAutofit fontScale="90000"/>
           </a:bodyPr>
           <a:lstStyle/>
           <a:p>
-            <a:pPr indent="0" lvl="0" marL="0" rtl="0" algn="l">
+            <a:pPr marL="0" lvl="0" indent="0" algn="l" rtl="0">
               <a:spcBef>
                 <a:spcPts val="0"/>
               </a:spcBef>
@@ -9643,7 +9746,7 @@
 </file>
 
 <file path=ppt/theme/theme1.xml><?xml version="1.0" encoding="utf-8"?>
-<a:theme xmlns:a="http://schemas.openxmlformats.org/drawingml/2006/main" xmlns:r="http://schemas.openxmlformats.org/officeDocument/2006/relationships" name="Paradigm">
+<a:theme xmlns:a="http://schemas.openxmlformats.org/drawingml/2006/main" name="Paradigm">
   <a:themeElements>
     <a:clrScheme name="Paradigm">
       <a:dk1>
@@ -9918,11 +10021,13 @@
       </a:bgFillStyleLst>
     </a:fmtScheme>
   </a:themeElements>
+  <a:objectDefaults/>
+  <a:extraClrSchemeLst/>
 </a:theme>
 </file>
 
 <file path=ppt/theme/theme2.xml><?xml version="1.0" encoding="utf-8"?>
-<a:theme xmlns:a="http://schemas.openxmlformats.org/drawingml/2006/main" xmlns:r="http://schemas.openxmlformats.org/officeDocument/2006/relationships">
+<a:theme xmlns:a="http://schemas.openxmlformats.org/drawingml/2006/main">
   <a:themeElements>
     <a:clrScheme name="Default">
       <a:dk1>
@@ -10197,5 +10302,7 @@
       </a:bgFillStyleLst>
     </a:fmtScheme>
   </a:themeElements>
+  <a:objectDefaults/>
+  <a:extraClrSchemeLst/>
 </a:theme>
 </file>
--- a/Convertor.pptx
+++ b/Convertor.pptx
@@ -1066,7 +1066,7 @@
         </p:nvSpPr>
         <p:spPr>
           <a:xfrm>
-            <a:off x="381300" y="685800"/>
+            <a:off x="381000" y="685800"/>
             <a:ext cx="6096000" cy="3429000"/>
           </a:xfrm>
           <a:custGeom>
@@ -8881,10 +8881,9 @@
               <a:buChar char="●"/>
             </a:pPr>
             <a:r>
-              <a:rPr lang="en" sz="1500"/>
+              <a:rPr lang="en" sz="1500" dirty="0"/>
               <a:t>Easy to use</a:t>
             </a:r>
-            <a:endParaRPr sz="1500"/>
           </a:p>
           <a:p>
             <a:pPr marL="457200" lvl="0" indent="-323850" algn="l" rtl="0">
@@ -8898,10 +8897,10 @@
               <a:buChar char="●"/>
             </a:pPr>
             <a:r>
-              <a:rPr lang="en" sz="1500"/>
-              <a:t>Quick conversion process</a:t>
+              <a:rPr lang="en-US" sz="1500" dirty="0"/>
+              <a:t>Easy to access (phone or computer)</a:t>
             </a:r>
-            <a:endParaRPr sz="1500"/>
+            <a:endParaRPr sz="1500" dirty="0"/>
           </a:p>
           <a:p>
             <a:pPr marL="457200" lvl="0" indent="-323850" algn="l" rtl="0">
@@ -8915,10 +8914,9 @@
               <a:buChar char="●"/>
             </a:pPr>
             <a:r>
-              <a:rPr lang="en" sz="1500"/>
+              <a:rPr lang="en-US" sz="1500" dirty="0"/>
               <a:t>Support most of the popular format types</a:t>
             </a:r>
-            <a:endParaRPr sz="1500"/>
           </a:p>
           <a:p>
             <a:pPr marL="457200" lvl="0" indent="-323850" algn="l" rtl="0">
@@ -8932,10 +8930,10 @@
               <a:buChar char="●"/>
             </a:pPr>
             <a:r>
-              <a:rPr lang="en" sz="1500"/>
+              <a:rPr lang="en" sz="1500" dirty="0"/>
               <a:t>Secured connection (SSL)</a:t>
             </a:r>
-            <a:endParaRPr sz="1500"/>
+            <a:endParaRPr sz="1500" dirty="0"/>
           </a:p>
           <a:p>
             <a:pPr marL="457200" lvl="0" indent="-323850" algn="l" rtl="0">
@@ -8949,10 +8947,10 @@
               <a:buChar char="●"/>
             </a:pPr>
             <a:r>
-              <a:rPr lang="en" sz="1500"/>
+              <a:rPr lang="en" sz="1500" dirty="0"/>
               <a:t>It’s FREE :)</a:t>
             </a:r>
-            <a:endParaRPr sz="1500"/>
+            <a:endParaRPr sz="1500" dirty="0"/>
           </a:p>
         </p:txBody>
       </p:sp>

--- a/Convertor.pptx
+++ b/Convertor.pptx
@@ -1378,7 +1378,7 @@
         </p:nvSpPr>
         <p:spPr>
           <a:xfrm>
-            <a:off x="381300" y="685800"/>
+            <a:off x="381000" y="685800"/>
             <a:ext cx="6096000" cy="3429000"/>
           </a:xfrm>
           <a:custGeom>
@@ -1482,7 +1482,7 @@
         </p:nvSpPr>
         <p:spPr>
           <a:xfrm>
-            <a:off x="381300" y="685800"/>
+            <a:off x="381000" y="685800"/>
             <a:ext cx="6096000" cy="3429000"/>
           </a:xfrm>
           <a:custGeom>
@@ -1586,7 +1586,7 @@
         </p:nvSpPr>
         <p:spPr>
           <a:xfrm>
-            <a:off x="381300" y="685800"/>
+            <a:off x="381000" y="685800"/>
             <a:ext cx="6096000" cy="3429000"/>
           </a:xfrm>
           <a:custGeom>
@@ -9323,194 +9323,135 @@
           <a:chExt cx="0" cy="0"/>
         </a:xfrm>
       </p:grpSpPr>
-      <p:sp>
-        <p:nvSpPr>
-          <p:cNvPr id="104" name="Google Shape;104;p19"/>
-          <p:cNvSpPr txBox="1">
-            <a:spLocks noGrp="1"/>
-          </p:cNvSpPr>
-          <p:nvPr>
-            <p:ph type="title"/>
-          </p:nvPr>
-        </p:nvSpPr>
-        <p:spPr>
+      <p:grpSp>
+        <p:nvGrpSpPr>
+          <p:cNvPr id="2" name="Group 1">
+            <a:extLst>
+              <a:ext uri="{FF2B5EF4-FFF2-40B4-BE49-F238E27FC236}">
+                <a16:creationId xmlns:a16="http://schemas.microsoft.com/office/drawing/2014/main" id="{3A6DA150-01D6-4F26-B24F-E0AEBF8943A0}"/>
+              </a:ext>
+            </a:extLst>
+          </p:cNvPr>
+          <p:cNvGrpSpPr/>
+          <p:nvPr/>
+        </p:nvGrpSpPr>
+        <p:grpSpPr>
           <a:xfrm>
-            <a:off x="311725" y="500925"/>
-            <a:ext cx="3706500" cy="2508900"/>
+            <a:off x="0" y="0"/>
+            <a:ext cx="9144001" cy="5143500"/>
+            <a:chOff x="0" y="0"/>
+            <a:chExt cx="9144001" cy="5143500"/>
           </a:xfrm>
-          <a:prstGeom prst="rect">
-            <a:avLst/>
-          </a:prstGeom>
-        </p:spPr>
-        <p:txBody>
-          <a:bodyPr spcFirstLastPara="1" wrap="square" lIns="91425" tIns="91425" rIns="91425" bIns="91425" anchor="t" anchorCtr="0">
-            <a:normAutofit/>
-          </a:bodyPr>
-          <a:lstStyle/>
-          <a:p>
-            <a:pPr marL="0" lvl="0" indent="0" algn="l" rtl="0">
-              <a:spcBef>
-                <a:spcPts val="0"/>
-              </a:spcBef>
-              <a:spcAft>
-                <a:spcPts val="0"/>
-              </a:spcAft>
-              <a:buNone/>
-            </a:pPr>
-            <a:endParaRPr/>
-          </a:p>
-        </p:txBody>
-      </p:sp>
-      <p:sp>
-        <p:nvSpPr>
-          <p:cNvPr id="105" name="Google Shape;105;p19"/>
-          <p:cNvSpPr txBox="1">
-            <a:spLocks noGrp="1"/>
-          </p:cNvSpPr>
-          <p:nvPr>
-            <p:ph type="body" idx="1"/>
-          </p:nvPr>
-        </p:nvSpPr>
-        <p:spPr>
-          <a:xfrm>
-            <a:off x="4644675" y="500925"/>
-            <a:ext cx="4166400" cy="4098600"/>
-          </a:xfrm>
-          <a:prstGeom prst="rect">
-            <a:avLst/>
-          </a:prstGeom>
-        </p:spPr>
-        <p:txBody>
-          <a:bodyPr spcFirstLastPara="1" wrap="square" lIns="91425" tIns="91425" rIns="91425" bIns="91425" anchor="t" anchorCtr="0">
-            <a:normAutofit/>
-          </a:bodyPr>
-          <a:lstStyle/>
-          <a:p>
-            <a:pPr marL="0" lvl="0" indent="0" algn="l" rtl="0">
-              <a:spcBef>
-                <a:spcPts val="0"/>
-              </a:spcBef>
-              <a:spcAft>
-                <a:spcPts val="1200"/>
-              </a:spcAft>
-              <a:buNone/>
-            </a:pPr>
-            <a:endParaRPr/>
-          </a:p>
-        </p:txBody>
-      </p:sp>
-      <p:pic>
-        <p:nvPicPr>
-          <p:cNvPr id="106" name="Google Shape;106;p19"/>
-          <p:cNvPicPr preferRelativeResize="0"/>
-          <p:nvPr/>
-        </p:nvPicPr>
-        <p:blipFill>
-          <a:blip r:embed="rId3">
-            <a:alphaModFix/>
-          </a:blip>
-          <a:stretch>
-            <a:fillRect/>
-          </a:stretch>
-        </p:blipFill>
-        <p:spPr>
-          <a:xfrm>
-            <a:off x="0" y="358644"/>
-            <a:ext cx="9144001" cy="4426213"/>
-          </a:xfrm>
-          <a:prstGeom prst="rect">
-            <a:avLst/>
-          </a:prstGeom>
-          <a:noFill/>
-          <a:ln>
+        </p:grpSpPr>
+        <p:pic>
+          <p:nvPicPr>
+            <p:cNvPr id="106" name="Google Shape;106;p19"/>
+            <p:cNvPicPr preferRelativeResize="0"/>
+            <p:nvPr/>
+          </p:nvPicPr>
+          <p:blipFill>
+            <a:blip r:embed="rId3">
+              <a:alphaModFix/>
+            </a:blip>
+            <a:stretch>
+              <a:fillRect/>
+            </a:stretch>
+          </p:blipFill>
+          <p:spPr>
+            <a:xfrm>
+              <a:off x="0" y="358643"/>
+              <a:ext cx="9144001" cy="4426213"/>
+            </a:xfrm>
+            <a:prstGeom prst="rect">
+              <a:avLst/>
+            </a:prstGeom>
             <a:noFill/>
-          </a:ln>
-        </p:spPr>
-      </p:pic>
-      <p:sp>
-        <p:nvSpPr>
-          <p:cNvPr id="107" name="Google Shape;107;p19"/>
-          <p:cNvSpPr/>
-          <p:nvPr/>
-        </p:nvSpPr>
-        <p:spPr>
-          <a:xfrm>
-            <a:off x="-22050" y="-22050"/>
-            <a:ext cx="9228900" cy="467100"/>
-          </a:xfrm>
-          <a:prstGeom prst="roundRect">
-            <a:avLst>
-              <a:gd name="adj" fmla="val 16667"/>
-            </a:avLst>
-          </a:prstGeom>
-          <a:solidFill>
-            <a:srgbClr val="000000"/>
-          </a:solidFill>
-          <a:ln>
-            <a:noFill/>
-          </a:ln>
-        </p:spPr>
-        <p:txBody>
-          <a:bodyPr spcFirstLastPara="1" wrap="square" lIns="91425" tIns="91425" rIns="91425" bIns="91425" anchor="ctr" anchorCtr="0">
-            <a:noAutofit/>
-          </a:bodyPr>
-          <a:lstStyle/>
-          <a:p>
-            <a:pPr marL="0" lvl="0" indent="0" algn="l" rtl="0">
-              <a:spcBef>
-                <a:spcPts val="0"/>
-              </a:spcBef>
-              <a:spcAft>
-                <a:spcPts val="0"/>
-              </a:spcAft>
-              <a:buNone/>
-            </a:pPr>
-            <a:endParaRPr/>
-          </a:p>
-        </p:txBody>
-      </p:sp>
-      <p:sp>
-        <p:nvSpPr>
-          <p:cNvPr id="108" name="Google Shape;108;p19"/>
-          <p:cNvSpPr/>
-          <p:nvPr/>
-        </p:nvSpPr>
-        <p:spPr>
-          <a:xfrm>
-            <a:off x="-22050" y="4703625"/>
-            <a:ext cx="9228900" cy="467100"/>
-          </a:xfrm>
-          <a:prstGeom prst="roundRect">
-            <a:avLst>
-              <a:gd name="adj" fmla="val 16667"/>
-            </a:avLst>
-          </a:prstGeom>
-          <a:solidFill>
-            <a:srgbClr val="FFF5C8"/>
-          </a:solidFill>
-          <a:ln>
-            <a:noFill/>
-          </a:ln>
-        </p:spPr>
-        <p:txBody>
-          <a:bodyPr spcFirstLastPara="1" wrap="square" lIns="91425" tIns="91425" rIns="91425" bIns="91425" anchor="ctr" anchorCtr="0">
-            <a:noAutofit/>
-          </a:bodyPr>
-          <a:lstStyle/>
-          <a:p>
-            <a:pPr marL="0" lvl="0" indent="0" algn="l" rtl="0">
-              <a:spcBef>
-                <a:spcPts val="0"/>
-              </a:spcBef>
-              <a:spcAft>
-                <a:spcPts val="0"/>
-              </a:spcAft>
-              <a:buNone/>
-            </a:pPr>
-            <a:endParaRPr/>
-          </a:p>
-        </p:txBody>
-      </p:sp>
+            <a:ln>
+              <a:noFill/>
+            </a:ln>
+          </p:spPr>
+        </p:pic>
+        <p:sp>
+          <p:nvSpPr>
+            <p:cNvPr id="107" name="Google Shape;107;p19"/>
+            <p:cNvSpPr/>
+            <p:nvPr/>
+          </p:nvSpPr>
+          <p:spPr>
+            <a:xfrm>
+              <a:off x="0" y="0"/>
+              <a:ext cx="9144000" cy="445050"/>
+            </a:xfrm>
+            <a:prstGeom prst="rect">
+              <a:avLst/>
+            </a:prstGeom>
+            <a:solidFill>
+              <a:srgbClr val="000000"/>
+            </a:solidFill>
+            <a:ln>
+              <a:noFill/>
+            </a:ln>
+          </p:spPr>
+          <p:txBody>
+            <a:bodyPr spcFirstLastPara="1" wrap="square" lIns="91425" tIns="91425" rIns="91425" bIns="91425" anchor="ctr" anchorCtr="0">
+              <a:noAutofit/>
+            </a:bodyPr>
+            <a:lstStyle/>
+            <a:p>
+              <a:pPr marL="0" lvl="0" indent="0" algn="l" rtl="0">
+                <a:spcBef>
+                  <a:spcPts val="0"/>
+                </a:spcBef>
+                <a:spcAft>
+                  <a:spcPts val="0"/>
+                </a:spcAft>
+                <a:buNone/>
+              </a:pPr>
+              <a:endParaRPr/>
+            </a:p>
+          </p:txBody>
+        </p:sp>
+        <p:sp>
+          <p:nvSpPr>
+            <p:cNvPr id="108" name="Google Shape;108;p19"/>
+            <p:cNvSpPr/>
+            <p:nvPr/>
+          </p:nvSpPr>
+          <p:spPr>
+            <a:xfrm>
+              <a:off x="0" y="4703625"/>
+              <a:ext cx="9144000" cy="439875"/>
+            </a:xfrm>
+            <a:prstGeom prst="rect">
+              <a:avLst/>
+            </a:prstGeom>
+            <a:solidFill>
+              <a:srgbClr val="FFF5C8"/>
+            </a:solidFill>
+            <a:ln>
+              <a:noFill/>
+            </a:ln>
+          </p:spPr>
+          <p:txBody>
+            <a:bodyPr spcFirstLastPara="1" wrap="square" lIns="91425" tIns="91425" rIns="91425" bIns="91425" anchor="ctr" anchorCtr="0">
+              <a:noAutofit/>
+            </a:bodyPr>
+            <a:lstStyle/>
+            <a:p>
+              <a:pPr marL="0" lvl="0" indent="0" algn="l" rtl="0">
+                <a:spcBef>
+                  <a:spcPts val="0"/>
+                </a:spcBef>
+                <a:spcAft>
+                  <a:spcPts val="0"/>
+                </a:spcAft>
+                <a:buNone/>
+              </a:pPr>
+              <a:endParaRPr/>
+            </a:p>
+          </p:txBody>
+        </p:sp>
+      </p:grpSp>
     </p:spTree>
   </p:cSld>
   <p:clrMapOvr>
@@ -9536,82 +9477,6 @@
           <a:chExt cx="0" cy="0"/>
         </a:xfrm>
       </p:grpSpPr>
-      <p:sp>
-        <p:nvSpPr>
-          <p:cNvPr id="113" name="Google Shape;113;p20"/>
-          <p:cNvSpPr txBox="1">
-            <a:spLocks noGrp="1"/>
-          </p:cNvSpPr>
-          <p:nvPr>
-            <p:ph type="title"/>
-          </p:nvPr>
-        </p:nvSpPr>
-        <p:spPr>
-          <a:xfrm>
-            <a:off x="311725" y="500925"/>
-            <a:ext cx="3706500" cy="2508900"/>
-          </a:xfrm>
-          <a:prstGeom prst="rect">
-            <a:avLst/>
-          </a:prstGeom>
-        </p:spPr>
-        <p:txBody>
-          <a:bodyPr spcFirstLastPara="1" wrap="square" lIns="91425" tIns="91425" rIns="91425" bIns="91425" anchor="t" anchorCtr="0">
-            <a:normAutofit/>
-          </a:bodyPr>
-          <a:lstStyle/>
-          <a:p>
-            <a:pPr marL="0" lvl="0" indent="0" algn="l" rtl="0">
-              <a:spcBef>
-                <a:spcPts val="0"/>
-              </a:spcBef>
-              <a:spcAft>
-                <a:spcPts val="0"/>
-              </a:spcAft>
-              <a:buNone/>
-            </a:pPr>
-            <a:endParaRPr/>
-          </a:p>
-        </p:txBody>
-      </p:sp>
-      <p:sp>
-        <p:nvSpPr>
-          <p:cNvPr id="114" name="Google Shape;114;p20"/>
-          <p:cNvSpPr txBox="1">
-            <a:spLocks noGrp="1"/>
-          </p:cNvSpPr>
-          <p:nvPr>
-            <p:ph type="body" idx="1"/>
-          </p:nvPr>
-        </p:nvSpPr>
-        <p:spPr>
-          <a:xfrm>
-            <a:off x="4644675" y="500925"/>
-            <a:ext cx="4166400" cy="4098600"/>
-          </a:xfrm>
-          <a:prstGeom prst="rect">
-            <a:avLst/>
-          </a:prstGeom>
-        </p:spPr>
-        <p:txBody>
-          <a:bodyPr spcFirstLastPara="1" wrap="square" lIns="91425" tIns="91425" rIns="91425" bIns="91425" anchor="t" anchorCtr="0">
-            <a:normAutofit/>
-          </a:bodyPr>
-          <a:lstStyle/>
-          <a:p>
-            <a:pPr marL="0" lvl="0" indent="0" algn="l" rtl="0">
-              <a:spcBef>
-                <a:spcPts val="0"/>
-              </a:spcBef>
-              <a:spcAft>
-                <a:spcPts val="1200"/>
-              </a:spcAft>
-              <a:buNone/>
-            </a:pPr>
-            <a:endParaRPr/>
-          </a:p>
-        </p:txBody>
-      </p:sp>
       <p:pic>
         <p:nvPicPr>
           <p:cNvPr id="115" name="Google Shape;115;p20"/>
@@ -9709,30 +9574,32 @@
       </p:sp>
       <p:pic>
         <p:nvPicPr>
-          <p:cNvPr id="121" name="Google Shape;121;p21"/>
-          <p:cNvPicPr preferRelativeResize="0"/>
+          <p:cNvPr id="3" name="Picture 2">
+            <a:extLst>
+              <a:ext uri="{FF2B5EF4-FFF2-40B4-BE49-F238E27FC236}">
+                <a16:creationId xmlns:a16="http://schemas.microsoft.com/office/drawing/2014/main" id="{2C5BA1C6-8560-4C01-A582-93102DB37564}"/>
+              </a:ext>
+            </a:extLst>
+          </p:cNvPr>
+          <p:cNvPicPr>
+            <a:picLocks noChangeAspect="1"/>
+          </p:cNvPicPr>
           <p:nvPr/>
         </p:nvPicPr>
         <p:blipFill>
-          <a:blip r:embed="rId3">
-            <a:alphaModFix/>
-          </a:blip>
+          <a:blip r:embed="rId3"/>
           <a:stretch>
             <a:fillRect/>
           </a:stretch>
         </p:blipFill>
         <p:spPr>
           <a:xfrm>
-            <a:off x="4945854" y="0"/>
-            <a:ext cx="3631593" cy="5143501"/>
+            <a:off x="4881340" y="0"/>
+            <a:ext cx="3632324" cy="5143500"/>
           </a:xfrm>
           <a:prstGeom prst="rect">
             <a:avLst/>
           </a:prstGeom>
-          <a:noFill/>
-          <a:ln>
-            <a:noFill/>
-          </a:ln>
         </p:spPr>
       </p:pic>
     </p:spTree>
